--- a/Naan Mudhalvan Project.pptx
+++ b/Naan Mudhalvan Project.pptx
@@ -1,33 +1,33 @@
 
 <file path=ppt/presentation.xml><?xml version="1.0" encoding="utf-8"?>
-<p:presentation xmlns:p="http://schemas.openxmlformats.org/presentationml/2006/main" xmlns:r="http://schemas.openxmlformats.org/officeDocument/2006/relationships" xmlns:a="http://schemas.openxmlformats.org/drawingml/2006/main">
+<p:presentation xmlns:a="http://schemas.openxmlformats.org/drawingml/2006/main" xmlns:r="http://schemas.openxmlformats.org/officeDocument/2006/relationships" xmlns:p="http://schemas.openxmlformats.org/presentationml/2006/main">
   <p:sldMasterIdLst>
     <p:sldMasterId id="2147483648" r:id="rId1"/>
   </p:sldMasterIdLst>
   <p:notesMasterIdLst>
-    <p:notesMasterId r:id="rId2"/>
+    <p:notesMasterId r:id="rId14"/>
   </p:notesMasterIdLst>
   <p:sldIdLst>
+    <p:sldId id="256" r:id="rId2"/>
     <p:sldId id="257" r:id="rId3"/>
     <p:sldId id="258" r:id="rId4"/>
     <p:sldId id="259" r:id="rId5"/>
     <p:sldId id="260" r:id="rId6"/>
     <p:sldId id="261" r:id="rId7"/>
     <p:sldId id="262" r:id="rId8"/>
-    <p:sldId id="263" r:id="rId9"/>
-    <p:sldId id="264" r:id="rId10"/>
-    <p:sldId id="265" r:id="rId11"/>
-    <p:sldId id="266" r:id="rId12"/>
+    <p:sldId id="269" r:id="rId9"/>
+    <p:sldId id="263" r:id="rId10"/>
+    <p:sldId id="264" r:id="rId11"/>
+    <p:sldId id="265" r:id="rId12"/>
     <p:sldId id="268" r:id="rId13"/>
-    <p:sldId id="269" r:id="rId14"/>
   </p:sldIdLst>
-  <p:sldSz type="screen16x9" cy="6858000" cx="12192000"/>
+  <p:sldSz cx="12192000" cy="6858000"/>
   <p:notesSz cx="12192000" cy="6858000"/>
   <p:defaultTextStyle>
     <a:defPPr>
       <a:defRPr lang="en-US"/>
     </a:defPPr>
-    <a:lvl1pPr algn="l" defTabSz="914400" eaLnBrk="1" hangingPunct="1" latinLnBrk="0" marL="0" rtl="0">
+    <a:lvl1pPr marL="0" algn="l" defTabSz="914400" rtl="0" eaLnBrk="1" latinLnBrk="0" hangingPunct="1">
       <a:defRPr sz="1800" kern="1200">
         <a:solidFill>
           <a:schemeClr val="tx1"/>
@@ -37,7 +37,7 @@
         <a:cs typeface="+mn-cs"/>
       </a:defRPr>
     </a:lvl1pPr>
-    <a:lvl2pPr algn="l" defTabSz="914400" eaLnBrk="1" hangingPunct="1" latinLnBrk="0" marL="457200" rtl="0">
+    <a:lvl2pPr marL="457200" algn="l" defTabSz="914400" rtl="0" eaLnBrk="1" latinLnBrk="0" hangingPunct="1">
       <a:defRPr sz="1800" kern="1200">
         <a:solidFill>
           <a:schemeClr val="tx1"/>
@@ -47,7 +47,7 @@
         <a:cs typeface="+mn-cs"/>
       </a:defRPr>
     </a:lvl2pPr>
-    <a:lvl3pPr algn="l" defTabSz="914400" eaLnBrk="1" hangingPunct="1" latinLnBrk="0" marL="914400" rtl="0">
+    <a:lvl3pPr marL="914400" algn="l" defTabSz="914400" rtl="0" eaLnBrk="1" latinLnBrk="0" hangingPunct="1">
       <a:defRPr sz="1800" kern="1200">
         <a:solidFill>
           <a:schemeClr val="tx1"/>
@@ -57,7 +57,7 @@
         <a:cs typeface="+mn-cs"/>
       </a:defRPr>
     </a:lvl3pPr>
-    <a:lvl4pPr algn="l" defTabSz="914400" eaLnBrk="1" hangingPunct="1" latinLnBrk="0" marL="1371600" rtl="0">
+    <a:lvl4pPr marL="1371600" algn="l" defTabSz="914400" rtl="0" eaLnBrk="1" latinLnBrk="0" hangingPunct="1">
       <a:defRPr sz="1800" kern="1200">
         <a:solidFill>
           <a:schemeClr val="tx1"/>
@@ -67,7 +67,7 @@
         <a:cs typeface="+mn-cs"/>
       </a:defRPr>
     </a:lvl4pPr>
-    <a:lvl5pPr algn="l" defTabSz="914400" eaLnBrk="1" hangingPunct="1" latinLnBrk="0" marL="1828800" rtl="0">
+    <a:lvl5pPr marL="1828800" algn="l" defTabSz="914400" rtl="0" eaLnBrk="1" latinLnBrk="0" hangingPunct="1">
       <a:defRPr sz="1800" kern="1200">
         <a:solidFill>
           <a:schemeClr val="tx1"/>
@@ -77,7 +77,7 @@
         <a:cs typeface="+mn-cs"/>
       </a:defRPr>
     </a:lvl5pPr>
-    <a:lvl6pPr algn="l" defTabSz="914400" eaLnBrk="1" hangingPunct="1" latinLnBrk="0" marL="2286000" rtl="0">
+    <a:lvl6pPr marL="2286000" algn="l" defTabSz="914400" rtl="0" eaLnBrk="1" latinLnBrk="0" hangingPunct="1">
       <a:defRPr sz="1800" kern="1200">
         <a:solidFill>
           <a:schemeClr val="tx1"/>
@@ -87,7 +87,7 @@
         <a:cs typeface="+mn-cs"/>
       </a:defRPr>
     </a:lvl6pPr>
-    <a:lvl7pPr algn="l" defTabSz="914400" eaLnBrk="1" hangingPunct="1" latinLnBrk="0" marL="2743200" rtl="0">
+    <a:lvl7pPr marL="2743200" algn="l" defTabSz="914400" rtl="0" eaLnBrk="1" latinLnBrk="0" hangingPunct="1">
       <a:defRPr sz="1800" kern="1200">
         <a:solidFill>
           <a:schemeClr val="tx1"/>
@@ -97,7 +97,7 @@
         <a:cs typeface="+mn-cs"/>
       </a:defRPr>
     </a:lvl7pPr>
-    <a:lvl8pPr algn="l" defTabSz="914400" eaLnBrk="1" hangingPunct="1" latinLnBrk="0" marL="3200400" rtl="0">
+    <a:lvl8pPr marL="3200400" algn="l" defTabSz="914400" rtl="0" eaLnBrk="1" latinLnBrk="0" hangingPunct="1">
       <a:defRPr sz="1800" kern="1200">
         <a:solidFill>
           <a:schemeClr val="tx1"/>
@@ -107,7 +107,7 @@
         <a:cs typeface="+mn-cs"/>
       </a:defRPr>
     </a:lvl8pPr>
-    <a:lvl9pPr algn="l" defTabSz="914400" eaLnBrk="1" hangingPunct="1" latinLnBrk="0" marL="3657600" rtl="0">
+    <a:lvl9pPr marL="3657600" algn="l" defTabSz="914400" rtl="0" eaLnBrk="1" latinLnBrk="0" hangingPunct="1">
       <a:defRPr sz="1800" kern="1200">
         <a:solidFill>
           <a:schemeClr val="tx1"/>
@@ -118,11 +118,27 @@
       </a:defRPr>
     </a:lvl9pPr>
   </p:defaultTextStyle>
+  <p:extLst>
+    <p:ext uri="{EFAFB233-063F-42B5-8137-9DF3F51BA10A}">
+      <p15:sldGuideLst xmlns:p15="http://schemas.microsoft.com/office/powerpoint/2012/main">
+        <p15:guide id="1" orient="horz" pos="2880">
+          <p15:clr>
+            <a:srgbClr val="A4A3A4"/>
+          </p15:clr>
+        </p15:guide>
+        <p15:guide id="2" pos="2160">
+          <p15:clr>
+            <a:srgbClr val="A4A3A4"/>
+          </p15:clr>
+        </p15:guide>
+      </p15:sldGuideLst>
+    </p:ext>
+  </p:extLst>
 </p:presentation>
 </file>
 
 <file path=ppt/charts/chart1.xml><?xml version="1.0" encoding="utf-8"?>
-<c:chartSpace xmlns:c="http://schemas.openxmlformats.org/drawingml/2006/chart" xmlns:a="http://schemas.openxmlformats.org/drawingml/2006/main" xmlns:r="http://schemas.openxmlformats.org/officeDocument/2006/relationships">
+<c:chartSpace xmlns:c="http://schemas.openxmlformats.org/drawingml/2006/chart" xmlns:a="http://schemas.openxmlformats.org/drawingml/2006/main" xmlns:r="http://schemas.openxmlformats.org/officeDocument/2006/relationships" xmlns:c16r2="http://schemas.microsoft.com/office/drawing/2015/06/chart">
   <c:date1904 val="0"/>
   <c:lang val="en-GB"/>
   <c:roundedCorners val="0"/>
@@ -949,38 +965,43 @@
                 <c:formatCode>General</c:formatCode>
                 <c:ptCount val="10"/>
                 <c:pt idx="0">
-                  <c:v>5.0</c:v>
+                  <c:v>5</c:v>
                 </c:pt>
                 <c:pt idx="1">
-                  <c:v>6.0</c:v>
+                  <c:v>6</c:v>
                 </c:pt>
                 <c:pt idx="2">
-                  <c:v>4.0</c:v>
+                  <c:v>4</c:v>
                 </c:pt>
                 <c:pt idx="3">
-                  <c:v>4.0</c:v>
+                  <c:v>4</c:v>
                 </c:pt>
                 <c:pt idx="4">
-                  <c:v>6.0</c:v>
+                  <c:v>6</c:v>
                 </c:pt>
                 <c:pt idx="5">
-                  <c:v>8.0</c:v>
+                  <c:v>8</c:v>
                 </c:pt>
                 <c:pt idx="6">
-                  <c:v>10.0</c:v>
+                  <c:v>10</c:v>
                 </c:pt>
                 <c:pt idx="7">
-                  <c:v>10.0</c:v>
+                  <c:v>10</c:v>
                 </c:pt>
                 <c:pt idx="8">
-                  <c:v>7.0</c:v>
+                  <c:v>7</c:v>
                 </c:pt>
                 <c:pt idx="9">
-                  <c:v>12.0</c:v>
+                  <c:v>12</c:v>
                 </c:pt>
               </c:numCache>
             </c:numRef>
           </c:val>
+          <c:extLst>
+            <c:ext xmlns:c16="http://schemas.microsoft.com/office/drawing/2014/chart" uri="{C3380CC4-5D6E-409C-BE32-E72D297353CC}">
+              <c16:uniqueId val="{00000000-B7DB-4F4A-8EFF-4C70EC25DF5D}"/>
+            </c:ext>
+          </c:extLst>
         </c:ser>
         <c:ser>
           <c:idx val="1"/>
@@ -1051,38 +1072,43 @@
                 <c:formatCode>General</c:formatCode>
                 <c:ptCount val="10"/>
                 <c:pt idx="0">
-                  <c:v>13.0</c:v>
+                  <c:v>13</c:v>
                 </c:pt>
                 <c:pt idx="1">
-                  <c:v>22.0</c:v>
+                  <c:v>22</c:v>
                 </c:pt>
                 <c:pt idx="2">
-                  <c:v>14.0</c:v>
+                  <c:v>14</c:v>
                 </c:pt>
                 <c:pt idx="3">
-                  <c:v>12.0</c:v>
+                  <c:v>12</c:v>
                 </c:pt>
                 <c:pt idx="4">
-                  <c:v>16.0</c:v>
+                  <c:v>16</c:v>
                 </c:pt>
                 <c:pt idx="5">
-                  <c:v>11.0</c:v>
+                  <c:v>11</c:v>
                 </c:pt>
                 <c:pt idx="6">
-                  <c:v>15.0</c:v>
+                  <c:v>15</c:v>
                 </c:pt>
                 <c:pt idx="7">
-                  <c:v>13.0</c:v>
+                  <c:v>13</c:v>
                 </c:pt>
                 <c:pt idx="8">
-                  <c:v>18.0</c:v>
+                  <c:v>18</c:v>
                 </c:pt>
                 <c:pt idx="9">
-                  <c:v>11.0</c:v>
+                  <c:v>11</c:v>
                 </c:pt>
               </c:numCache>
             </c:numRef>
           </c:val>
+          <c:extLst>
+            <c:ext xmlns:c16="http://schemas.microsoft.com/office/drawing/2014/chart" uri="{C3380CC4-5D6E-409C-BE32-E72D297353CC}">
+              <c16:uniqueId val="{00000001-B7DB-4F4A-8EFF-4C70EC25DF5D}"/>
+            </c:ext>
+          </c:extLst>
         </c:ser>
         <c:ser>
           <c:idx val="2"/>
@@ -1153,38 +1179,43 @@
                 <c:formatCode>General</c:formatCode>
                 <c:ptCount val="10"/>
                 <c:pt idx="0">
-                  <c:v>30.0</c:v>
+                  <c:v>30</c:v>
                 </c:pt>
                 <c:pt idx="1">
-                  <c:v>22.0</c:v>
+                  <c:v>22</c:v>
                 </c:pt>
                 <c:pt idx="2">
-                  <c:v>29.0</c:v>
+                  <c:v>29</c:v>
                 </c:pt>
                 <c:pt idx="3">
-                  <c:v>41.0</c:v>
+                  <c:v>41</c:v>
                 </c:pt>
                 <c:pt idx="4">
-                  <c:v>27.0</c:v>
+                  <c:v>27</c:v>
                 </c:pt>
                 <c:pt idx="5">
-                  <c:v>20.0</c:v>
+                  <c:v>20</c:v>
                 </c:pt>
                 <c:pt idx="6">
-                  <c:v>30.0</c:v>
+                  <c:v>30</c:v>
                 </c:pt>
                 <c:pt idx="7">
-                  <c:v>23.0</c:v>
+                  <c:v>23</c:v>
                 </c:pt>
                 <c:pt idx="8">
-                  <c:v>20.0</c:v>
+                  <c:v>20</c:v>
                 </c:pt>
                 <c:pt idx="9">
-                  <c:v>28.0</c:v>
+                  <c:v>28</c:v>
                 </c:pt>
               </c:numCache>
             </c:numRef>
           </c:val>
+          <c:extLst>
+            <c:ext xmlns:c16="http://schemas.microsoft.com/office/drawing/2014/chart" uri="{C3380CC4-5D6E-409C-BE32-E72D297353CC}">
+              <c16:uniqueId val="{00000002-B7DB-4F4A-8EFF-4C70EC25DF5D}"/>
+            </c:ext>
+          </c:extLst>
         </c:ser>
         <c:ser>
           <c:idx val="3"/>
@@ -1255,38 +1286,43 @@
                 <c:formatCode>General</c:formatCode>
                 <c:ptCount val="10"/>
                 <c:pt idx="0">
-                  <c:v>9.0</c:v>
+                  <c:v>9</c:v>
                 </c:pt>
                 <c:pt idx="1">
-                  <c:v>5.0</c:v>
+                  <c:v>5</c:v>
                 </c:pt>
                 <c:pt idx="2">
-                  <c:v>7.0</c:v>
+                  <c:v>7</c:v>
                 </c:pt>
                 <c:pt idx="3">
-                  <c:v>2.0</c:v>
+                  <c:v>2</c:v>
                 </c:pt>
                 <c:pt idx="4">
-                  <c:v>5.0</c:v>
+                  <c:v>5</c:v>
                 </c:pt>
                 <c:pt idx="5">
-                  <c:v>3.0</c:v>
+                  <c:v>3</c:v>
                 </c:pt>
                 <c:pt idx="6">
-                  <c:v>6.0</c:v>
+                  <c:v>6</c:v>
                 </c:pt>
                 <c:pt idx="7">
-                  <c:v>7.0</c:v>
+                  <c:v>7</c:v>
                 </c:pt>
                 <c:pt idx="8">
-                  <c:v>1.0</c:v>
+                  <c:v>1</c:v>
                 </c:pt>
                 <c:pt idx="9">
-                  <c:v>2.0</c:v>
+                  <c:v>2</c:v>
                 </c:pt>
               </c:numCache>
             </c:numRef>
           </c:val>
+          <c:extLst>
+            <c:ext xmlns:c16="http://schemas.microsoft.com/office/drawing/2014/chart" uri="{C3380CC4-5D6E-409C-BE32-E72D297353CC}">
+              <c16:uniqueId val="{00000003-B7DB-4F4A-8EFF-4C70EC25DF5D}"/>
+            </c:ext>
+          </c:extLst>
         </c:ser>
         <c:dLbls>
           <c:showLegendKey val="0"/>
@@ -1461,9 +1497,20 @@
       <a:endParaRPr lang="en-US"/>
     </a:p>
   </c:txPr>
-  <c:externalData r:id="rId1">
+  <c:externalData r:id="rId3">
     <c:autoUpdate val="0"/>
   </c:externalData>
+  <c:extLst>
+    <c:ext xmlns:c14="http://schemas.microsoft.com/office/drawing/2007/8/2/chart" uri="{781A3756-C4B2-4CAC-9D66-4F8BD8637D16}">
+      <c14:pivotOptions>
+        <c14:dropZoneFilter val="1"/>
+        <c14:dropZoneCategories val="1"/>
+        <c14:dropZoneData val="1"/>
+        <c14:dropZoneSeries val="1"/>
+        <c14:dropZonesVisible val="1"/>
+      </c14:pivotOptions>
+    </c:ext>
+  </c:extLst>
 </c:chartSpace>
 </file>
 
@@ -1592,7 +1639,7 @@
       </a:ln>
     </cs:spPr>
     <cs:defRPr sz="900" kern="1200"/>
-    <cs:bodyPr rot="0" spcFirstLastPara="1" vertOverflow="clip" horzOverflow="clip" vert="horz" wrap="square" lIns="36576" tIns="18288" rIns="36576" bIns="18288" anchorCtr="1">
+    <cs:bodyPr rot="0" spcFirstLastPara="1" vertOverflow="clip" horzOverflow="clip" vert="horz" wrap="square" lIns="36576" tIns="18288" rIns="36576" bIns="18288" anchor="ctr" anchorCtr="1">
       <a:spAutoFit/>
     </cs:bodyPr>
   </cs:dataLabelCallout>
@@ -2011,7 +2058,7 @@
     </p:bg>
     <p:spTree>
       <p:nvGrpSpPr>
-        <p:cNvPr id="46" name=""/>
+        <p:cNvPr id="1" name=""/>
         <p:cNvGrpSpPr/>
         <p:nvPr/>
       </p:nvGrpSpPr>
@@ -2025,7 +2072,7 @@
       </p:grpSpPr>
       <p:sp>
         <p:nvSpPr>
-          <p:cNvPr id="1048703" name="Header Placeholder 1"/>
+          <p:cNvPr id="2" name="Header Placeholder 1"/>
           <p:cNvSpPr>
             <a:spLocks noGrp="1"/>
           </p:cNvSpPr>
@@ -2038,10 +2085,12 @@
             <a:off x="0" y="0"/>
             <a:ext cx="5283200" cy="344488"/>
           </a:xfrm>
-          <a:prstGeom prst="rect"/>
+          <a:prstGeom prst="rect">
+            <a:avLst/>
+          </a:prstGeom>
         </p:spPr>
         <p:txBody>
-          <a:bodyPr bIns="45720" lIns="91440" rIns="91440" rtlCol="0" tIns="45720" vert="horz"/>
+          <a:bodyPr vert="horz" lIns="91440" tIns="45720" rIns="91440" bIns="45720" rtlCol="0"/>
           <a:lstStyle>
             <a:lvl1pPr algn="l">
               <a:defRPr sz="1200"/>
@@ -2054,7 +2103,7 @@
       </p:sp>
       <p:sp>
         <p:nvSpPr>
-          <p:cNvPr id="1048704" name="Date Placeholder 2"/>
+          <p:cNvPr id="3" name="Date Placeholder 2"/>
           <p:cNvSpPr>
             <a:spLocks noGrp="1"/>
           </p:cNvSpPr>
@@ -2067,10 +2116,12 @@
             <a:off x="6905625" y="0"/>
             <a:ext cx="5283200" cy="344488"/>
           </a:xfrm>
-          <a:prstGeom prst="rect"/>
+          <a:prstGeom prst="rect">
+            <a:avLst/>
+          </a:prstGeom>
         </p:spPr>
         <p:txBody>
-          <a:bodyPr bIns="45720" lIns="91440" rIns="91440" rtlCol="0" tIns="45720" vert="horz"/>
+          <a:bodyPr vert="horz" lIns="91440" tIns="45720" rIns="91440" bIns="45720" rtlCol="0"/>
           <a:lstStyle>
             <a:lvl1pPr algn="r">
               <a:defRPr sz="1200"/>
@@ -2087,9 +2138,9 @@
       </p:sp>
       <p:sp>
         <p:nvSpPr>
-          <p:cNvPr id="1048705" name="Slide Image Placeholder 3"/>
+          <p:cNvPr id="4" name="Slide Image Placeholder 3"/>
           <p:cNvSpPr>
-            <a:spLocks noChangeAspect="1" noRot="1" noGrp="1"/>
+            <a:spLocks noGrp="1" noRot="1" noChangeAspect="1"/>
           </p:cNvSpPr>
           <p:nvPr>
             <p:ph type="sldImg" idx="2"/>
@@ -2100,7 +2151,9 @@
             <a:off x="4038600" y="857250"/>
             <a:ext cx="4114800" cy="2314575"/>
           </a:xfrm>
-          <a:prstGeom prst="rect"/>
+          <a:prstGeom prst="rect">
+            <a:avLst/>
+          </a:prstGeom>
           <a:noFill/>
           <a:ln w="12700">
             <a:solidFill>
@@ -2109,7 +2162,8 @@
           </a:ln>
         </p:spPr>
         <p:txBody>
-          <a:bodyPr anchor="ctr" bIns="45720" lIns="91440" rIns="91440" rtlCol="0" tIns="45720" vert="horz"/>
+          <a:bodyPr vert="horz" lIns="91440" tIns="45720" rIns="91440" bIns="45720" rtlCol="0" anchor="ctr"/>
+          <a:lstStyle/>
           <a:p>
             <a:endParaRPr lang="en-IN"/>
           </a:p>
@@ -2117,7 +2171,7 @@
       </p:sp>
       <p:sp>
         <p:nvSpPr>
-          <p:cNvPr id="1048706" name="Notes Placeholder 4"/>
+          <p:cNvPr id="5" name="Notes Placeholder 4"/>
           <p:cNvSpPr>
             <a:spLocks noGrp="1"/>
           </p:cNvSpPr>
@@ -2130,10 +2184,13 @@
             <a:off x="1219200" y="3300413"/>
             <a:ext cx="9753600" cy="2700337"/>
           </a:xfrm>
-          <a:prstGeom prst="rect"/>
+          <a:prstGeom prst="rect">
+            <a:avLst/>
+          </a:prstGeom>
         </p:spPr>
         <p:txBody>
-          <a:bodyPr bIns="45720" lIns="91440" rIns="91440" rtlCol="0" tIns="45720" vert="horz"/>
+          <a:bodyPr vert="horz" lIns="91440" tIns="45720" rIns="91440" bIns="45720" rtlCol="0"/>
+          <a:lstStyle/>
           <a:p>
             <a:pPr lvl="0"/>
             <a:r>
@@ -2174,7 +2231,7 @@
       </p:sp>
       <p:sp>
         <p:nvSpPr>
-          <p:cNvPr id="1048707" name="Footer Placeholder 5"/>
+          <p:cNvPr id="6" name="Footer Placeholder 5"/>
           <p:cNvSpPr>
             <a:spLocks noGrp="1"/>
           </p:cNvSpPr>
@@ -2187,10 +2244,12 @@
             <a:off x="0" y="6513513"/>
             <a:ext cx="5283200" cy="344487"/>
           </a:xfrm>
-          <a:prstGeom prst="rect"/>
+          <a:prstGeom prst="rect">
+            <a:avLst/>
+          </a:prstGeom>
         </p:spPr>
         <p:txBody>
-          <a:bodyPr anchor="b" bIns="45720" lIns="91440" rIns="91440" rtlCol="0" tIns="45720" vert="horz"/>
+          <a:bodyPr vert="horz" lIns="91440" tIns="45720" rIns="91440" bIns="45720" rtlCol="0" anchor="b"/>
           <a:lstStyle>
             <a:lvl1pPr algn="l">
               <a:defRPr sz="1200"/>
@@ -2203,7 +2262,7 @@
       </p:sp>
       <p:sp>
         <p:nvSpPr>
-          <p:cNvPr id="1048708" name="Slide Number Placeholder 6"/>
+          <p:cNvPr id="7" name="Slide Number Placeholder 6"/>
           <p:cNvSpPr>
             <a:spLocks noGrp="1"/>
           </p:cNvSpPr>
@@ -2216,10 +2275,12 @@
             <a:off x="6905625" y="6513513"/>
             <a:ext cx="5283200" cy="344487"/>
           </a:xfrm>
-          <a:prstGeom prst="rect"/>
+          <a:prstGeom prst="rect">
+            <a:avLst/>
+          </a:prstGeom>
         </p:spPr>
         <p:txBody>
-          <a:bodyPr anchor="b" bIns="45720" lIns="91440" rIns="91440" rtlCol="0" tIns="45720" vert="horz"/>
+          <a:bodyPr vert="horz" lIns="91440" tIns="45720" rIns="91440" bIns="45720" rtlCol="0" anchor="b"/>
           <a:lstStyle>
             <a:lvl1pPr algn="r">
               <a:defRPr sz="1200"/>
@@ -2235,10 +2296,15 @@
         </p:txBody>
       </p:sp>
     </p:spTree>
+    <p:extLst>
+      <p:ext uri="{BB962C8B-B14F-4D97-AF65-F5344CB8AC3E}">
+        <p14:creationId xmlns:p14="http://schemas.microsoft.com/office/powerpoint/2010/main" val="2918557904"/>
+      </p:ext>
+    </p:extLst>
   </p:cSld>
-  <p:clrMap accent1="accent1" accent2="accent2" accent3="accent3" accent4="accent4" accent5="accent5" accent6="accent6" bg1="lt1" bg2="lt2" tx1="dk1" tx2="dk2" hlink="hlink" folHlink="folHlink"/>
+  <p:clrMap bg1="lt1" tx1="dk1" bg2="lt2" tx2="dk2" accent1="accent1" accent2="accent2" accent3="accent3" accent4="accent4" accent5="accent5" accent6="accent6" hlink="hlink" folHlink="folHlink"/>
   <p:notesStyle>
-    <a:lvl1pPr algn="l" defTabSz="914400" eaLnBrk="1" hangingPunct="1" latinLnBrk="0" marL="0" rtl="0">
+    <a:lvl1pPr marL="0" algn="l" defTabSz="914400" rtl="0" eaLnBrk="1" latinLnBrk="0" hangingPunct="1">
       <a:defRPr sz="1200" kern="1200">
         <a:solidFill>
           <a:schemeClr val="tx1"/>
@@ -2248,7 +2314,7 @@
         <a:cs typeface="+mn-cs"/>
       </a:defRPr>
     </a:lvl1pPr>
-    <a:lvl2pPr algn="l" defTabSz="914400" eaLnBrk="1" hangingPunct="1" latinLnBrk="0" marL="457200" rtl="0">
+    <a:lvl2pPr marL="457200" algn="l" defTabSz="914400" rtl="0" eaLnBrk="1" latinLnBrk="0" hangingPunct="1">
       <a:defRPr sz="1200" kern="1200">
         <a:solidFill>
           <a:schemeClr val="tx1"/>
@@ -2258,7 +2324,7 @@
         <a:cs typeface="+mn-cs"/>
       </a:defRPr>
     </a:lvl2pPr>
-    <a:lvl3pPr algn="l" defTabSz="914400" eaLnBrk="1" hangingPunct="1" latinLnBrk="0" marL="914400" rtl="0">
+    <a:lvl3pPr marL="914400" algn="l" defTabSz="914400" rtl="0" eaLnBrk="1" latinLnBrk="0" hangingPunct="1">
       <a:defRPr sz="1200" kern="1200">
         <a:solidFill>
           <a:schemeClr val="tx1"/>
@@ -2268,7 +2334,7 @@
         <a:cs typeface="+mn-cs"/>
       </a:defRPr>
     </a:lvl3pPr>
-    <a:lvl4pPr algn="l" defTabSz="914400" eaLnBrk="1" hangingPunct="1" latinLnBrk="0" marL="1371600" rtl="0">
+    <a:lvl4pPr marL="1371600" algn="l" defTabSz="914400" rtl="0" eaLnBrk="1" latinLnBrk="0" hangingPunct="1">
       <a:defRPr sz="1200" kern="1200">
         <a:solidFill>
           <a:schemeClr val="tx1"/>
@@ -2278,7 +2344,7 @@
         <a:cs typeface="+mn-cs"/>
       </a:defRPr>
     </a:lvl4pPr>
-    <a:lvl5pPr algn="l" defTabSz="914400" eaLnBrk="1" hangingPunct="1" latinLnBrk="0" marL="1828800" rtl="0">
+    <a:lvl5pPr marL="1828800" algn="l" defTabSz="914400" rtl="0" eaLnBrk="1" latinLnBrk="0" hangingPunct="1">
       <a:defRPr sz="1200" kern="1200">
         <a:solidFill>
           <a:schemeClr val="tx1"/>
@@ -2288,7 +2354,7 @@
         <a:cs typeface="+mn-cs"/>
       </a:defRPr>
     </a:lvl5pPr>
-    <a:lvl6pPr algn="l" defTabSz="914400" eaLnBrk="1" hangingPunct="1" latinLnBrk="0" marL="2286000" rtl="0">
+    <a:lvl6pPr marL="2286000" algn="l" defTabSz="914400" rtl="0" eaLnBrk="1" latinLnBrk="0" hangingPunct="1">
       <a:defRPr sz="1200" kern="1200">
         <a:solidFill>
           <a:schemeClr val="tx1"/>
@@ -2298,7 +2364,7 @@
         <a:cs typeface="+mn-cs"/>
       </a:defRPr>
     </a:lvl6pPr>
-    <a:lvl7pPr algn="l" defTabSz="914400" eaLnBrk="1" hangingPunct="1" latinLnBrk="0" marL="2743200" rtl="0">
+    <a:lvl7pPr marL="2743200" algn="l" defTabSz="914400" rtl="0" eaLnBrk="1" latinLnBrk="0" hangingPunct="1">
       <a:defRPr sz="1200" kern="1200">
         <a:solidFill>
           <a:schemeClr val="tx1"/>
@@ -2308,7 +2374,7 @@
         <a:cs typeface="+mn-cs"/>
       </a:defRPr>
     </a:lvl7pPr>
-    <a:lvl8pPr algn="l" defTabSz="914400" eaLnBrk="1" hangingPunct="1" latinLnBrk="0" marL="3200400" rtl="0">
+    <a:lvl8pPr marL="3200400" algn="l" defTabSz="914400" rtl="0" eaLnBrk="1" latinLnBrk="0" hangingPunct="1">
       <a:defRPr sz="1200" kern="1200">
         <a:solidFill>
           <a:schemeClr val="tx1"/>
@@ -2318,7 +2384,7 @@
         <a:cs typeface="+mn-cs"/>
       </a:defRPr>
     </a:lvl8pPr>
-    <a:lvl9pPr algn="l" defTabSz="914400" eaLnBrk="1" hangingPunct="1" latinLnBrk="0" marL="3657600" rtl="0">
+    <a:lvl9pPr marL="3657600" algn="l" defTabSz="914400" rtl="0" eaLnBrk="1" latinLnBrk="0" hangingPunct="1">
       <a:defRPr sz="1200" kern="1200">
         <a:solidFill>
           <a:schemeClr val="tx1"/>
@@ -2337,7 +2403,7 @@
   <p:cSld>
     <p:spTree>
       <p:nvGrpSpPr>
-        <p:cNvPr id="22" name=""/>
+        <p:cNvPr id="1" name=""/>
         <p:cNvGrpSpPr/>
         <p:nvPr/>
       </p:nvGrpSpPr>
@@ -2351,9 +2417,9 @@
       </p:grpSpPr>
       <p:sp>
         <p:nvSpPr>
-          <p:cNvPr id="1048603" name="Slide Image Placeholder 1"/>
+          <p:cNvPr id="2" name="Slide Image Placeholder 1"/>
           <p:cNvSpPr>
-            <a:spLocks noChangeAspect="1" noRot="1" noGrp="1"/>
+            <a:spLocks noGrp="1" noRot="1" noChangeAspect="1"/>
           </p:cNvSpPr>
           <p:nvPr>
             <p:ph type="sldImg"/>
@@ -2363,7 +2429,7 @@
       </p:sp>
       <p:sp>
         <p:nvSpPr>
-          <p:cNvPr id="1048604" name="Notes Placeholder 2"/>
+          <p:cNvPr id="3" name="Notes Placeholder 2"/>
           <p:cNvSpPr>
             <a:spLocks noGrp="1"/>
           </p:cNvSpPr>
@@ -2374,14 +2440,15 @@
         <p:spPr/>
         <p:txBody>
           <a:bodyPr/>
-          <a:p>
-            <a:endParaRPr dirty="0" lang="en-IN"/>
+          <a:lstStyle/>
+          <a:p>
+            <a:endParaRPr lang="en-IN" dirty="0"/>
           </a:p>
         </p:txBody>
       </p:sp>
       <p:sp>
         <p:nvSpPr>
-          <p:cNvPr id="1048605" name="Slide Number Placeholder 3"/>
+          <p:cNvPr id="4" name="Slide Number Placeholder 3"/>
           <p:cNvSpPr>
             <a:spLocks noGrp="1"/>
           </p:cNvSpPr>
@@ -2392,6 +2459,7 @@
         <p:spPr/>
         <p:txBody>
           <a:bodyPr/>
+          <a:lstStyle/>
           <a:p>
             <a:fld id="{F7F439ED-1E90-4106-847A-8EF19031FE2F}" type="slidenum">
               <a:rPr lang="en-IN" smtClean="0"/>
@@ -2402,6 +2470,11 @@
         </p:txBody>
       </p:sp>
     </p:spTree>
+    <p:extLst>
+      <p:ext uri="{BB962C8B-B14F-4D97-AF65-F5344CB8AC3E}">
+        <p14:creationId xmlns:p14="http://schemas.microsoft.com/office/powerpoint/2010/main" val="404353501"/>
+      </p:ext>
+    </p:extLst>
   </p:cSld>
   <p:clrMapOvr>
     <a:masterClrMapping/>
@@ -2410,11 +2483,11 @@
 </file>
 
 <file path=ppt/slideLayouts/slideLayout1.xml><?xml version="1.0" encoding="utf-8"?>
-<p:sldLayout xmlns:a="http://schemas.openxmlformats.org/drawingml/2006/main" xmlns:r="http://schemas.openxmlformats.org/officeDocument/2006/relationships" xmlns:p="http://schemas.openxmlformats.org/presentationml/2006/main" preserve="1" type="obj">
+<p:sldLayout xmlns:a="http://schemas.openxmlformats.org/drawingml/2006/main" xmlns:r="http://schemas.openxmlformats.org/officeDocument/2006/relationships" xmlns:p="http://schemas.openxmlformats.org/presentationml/2006/main" type="obj" preserve="1">
   <p:cSld name="Title Slide">
     <p:spTree>
       <p:nvGrpSpPr>
-        <p:cNvPr id="18" name=""/>
+        <p:cNvPr id="1" name=""/>
         <p:cNvGrpSpPr/>
         <p:nvPr/>
       </p:nvGrpSpPr>
@@ -2428,7 +2501,7 @@
       </p:grpSpPr>
       <p:sp>
         <p:nvSpPr>
-          <p:cNvPr id="1048591" name="Holder 2"/>
+          <p:cNvPr id="2" name="Holder 2"/>
           <p:cNvSpPr>
             <a:spLocks noGrp="1"/>
           </p:cNvSpPr>
@@ -2441,15 +2514,17 @@
             <a:off x="3195574" y="2067305"/>
             <a:ext cx="5800851" cy="518160"/>
           </a:xfrm>
-          <a:prstGeom prst="rect"/>
+          <a:prstGeom prst="rect">
+            <a:avLst/>
+          </a:prstGeom>
         </p:spPr>
         <p:txBody>
-          <a:bodyPr bIns="0" lIns="0" rIns="0" tIns="0" wrap="square">
+          <a:bodyPr wrap="square" lIns="0" tIns="0" rIns="0" bIns="0">
             <a:spAutoFit/>
           </a:bodyPr>
           <a:lstStyle>
             <a:lvl1pPr>
-              <a:defRPr b="0" sz="3200" i="0">
+              <a:defRPr sz="3200" b="0" i="0">
                 <a:solidFill>
                   <a:schemeClr val="tx1"/>
                 </a:solidFill>
@@ -2458,12 +2533,14 @@
               </a:defRPr>
             </a:lvl1pPr>
           </a:lstStyle>
-          <a:p/>
+          <a:p>
+            <a:endParaRPr/>
+          </a:p>
         </p:txBody>
       </p:sp>
       <p:sp>
         <p:nvSpPr>
-          <p:cNvPr id="1048592" name="Holder 3"/>
+          <p:cNvPr id="3" name="Holder 3"/>
           <p:cNvSpPr>
             <a:spLocks noGrp="1"/>
           </p:cNvSpPr>
@@ -2476,18 +2553,27 @@
             <a:off x="1828800" y="3840480"/>
             <a:ext cx="8534400" cy="1714500"/>
           </a:xfrm>
-          <a:prstGeom prst="rect"/>
+          <a:prstGeom prst="rect">
+            <a:avLst/>
+          </a:prstGeom>
         </p:spPr>
         <p:txBody>
-          <a:bodyPr bIns="0" lIns="0" rIns="0" tIns="0" wrap="square">
+          <a:bodyPr wrap="square" lIns="0" tIns="0" rIns="0" bIns="0">
             <a:spAutoFit/>
           </a:bodyPr>
-          <a:p/>
+          <a:lstStyle>
+            <a:lvl1pPr>
+              <a:defRPr/>
+            </a:lvl1pPr>
+          </a:lstStyle>
+          <a:p>
+            <a:endParaRPr/>
+          </a:p>
         </p:txBody>
       </p:sp>
       <p:sp>
         <p:nvSpPr>
-          <p:cNvPr id="1048593" name="Holder 4"/>
+          <p:cNvPr id="4" name="Holder 4"/>
           <p:cNvSpPr>
             <a:spLocks noGrp="1"/>
           </p:cNvSpPr>
@@ -2497,7 +2583,7 @@
         </p:nvSpPr>
         <p:spPr/>
         <p:txBody>
-          <a:bodyPr bIns="0" lIns="0" rIns="0" tIns="0"/>
+          <a:bodyPr lIns="0" tIns="0" rIns="0" bIns="0"/>
           <a:lstStyle>
             <a:lvl1pPr algn="ctr">
               <a:defRPr>
@@ -2509,12 +2595,14 @@
               </a:defRPr>
             </a:lvl1pPr>
           </a:lstStyle>
-          <a:p/>
+          <a:p>
+            <a:endParaRPr/>
+          </a:p>
         </p:txBody>
       </p:sp>
       <p:sp>
         <p:nvSpPr>
-          <p:cNvPr id="1048594" name="Holder 5"/>
+          <p:cNvPr id="5" name="Holder 5"/>
           <p:cNvSpPr>
             <a:spLocks noGrp="1"/>
           </p:cNvSpPr>
@@ -2524,7 +2612,7 @@
         </p:nvSpPr>
         <p:spPr/>
         <p:txBody>
-          <a:bodyPr bIns="0" lIns="0" rIns="0" tIns="0"/>
+          <a:bodyPr lIns="0" tIns="0" rIns="0" bIns="0"/>
           <a:lstStyle>
             <a:lvl1pPr algn="l">
               <a:defRPr>
@@ -2547,7 +2635,7 @@
       </p:sp>
       <p:sp>
         <p:nvSpPr>
-          <p:cNvPr id="1048595" name="Holder 6"/>
+          <p:cNvPr id="6" name="Holder 6"/>
           <p:cNvSpPr>
             <a:spLocks noGrp="1"/>
           </p:cNvSpPr>
@@ -2557,10 +2645,10 @@
         </p:nvSpPr>
         <p:spPr/>
         <p:txBody>
-          <a:bodyPr bIns="0" lIns="0" rIns="0" tIns="0"/>
+          <a:bodyPr lIns="0" tIns="0" rIns="0" bIns="0"/>
           <a:lstStyle>
             <a:lvl1pPr>
-              <a:defRPr b="0" sz="1100" i="0">
+              <a:defRPr sz="1100" b="0" i="0">
                 <a:solidFill>
                   <a:srgbClr val="2D936B"/>
                 </a:solidFill>
@@ -2579,10 +2667,10 @@
               </a:spcBef>
             </a:pPr>
             <a:fld id="{81D60167-4931-47E6-BA6A-407CBD079E47}" type="slidenum">
-              <a:rPr dirty="0" spc="10"/>
+              <a:rPr spc="10" dirty="0"/>
               <a:t>‹#›</a:t>
             </a:fld>
-            <a:endParaRPr dirty="0" spc="10"/>
+            <a:endParaRPr spc="10" dirty="0"/>
           </a:p>
         </p:txBody>
       </p:sp>
@@ -2595,11 +2683,11 @@
 </file>
 
 <file path=ppt/slideLayouts/slideLayout2.xml><?xml version="1.0" encoding="utf-8"?>
-<p:sldLayout xmlns:a="http://schemas.openxmlformats.org/drawingml/2006/main" xmlns:r="http://schemas.openxmlformats.org/officeDocument/2006/relationships" xmlns:p="http://schemas.openxmlformats.org/presentationml/2006/main" preserve="1" type="obj">
+<p:sldLayout xmlns:a="http://schemas.openxmlformats.org/drawingml/2006/main" xmlns:r="http://schemas.openxmlformats.org/officeDocument/2006/relationships" xmlns:p="http://schemas.openxmlformats.org/presentationml/2006/main" type="obj" preserve="1">
   <p:cSld name="Title and Content">
     <p:spTree>
       <p:nvGrpSpPr>
-        <p:cNvPr id="32" name=""/>
+        <p:cNvPr id="1" name=""/>
         <p:cNvGrpSpPr/>
         <p:nvPr/>
       </p:nvGrpSpPr>
@@ -2613,7 +2701,7 @@
       </p:grpSpPr>
       <p:sp>
         <p:nvSpPr>
-          <p:cNvPr id="1048644" name="Holder 2"/>
+          <p:cNvPr id="2" name="Holder 2"/>
           <p:cNvSpPr>
             <a:spLocks noGrp="1"/>
           </p:cNvSpPr>
@@ -2623,10 +2711,10 @@
         </p:nvSpPr>
         <p:spPr/>
         <p:txBody>
-          <a:bodyPr bIns="0" lIns="0" rIns="0" tIns="0"/>
+          <a:bodyPr lIns="0" tIns="0" rIns="0" bIns="0"/>
           <a:lstStyle>
             <a:lvl1pPr>
-              <a:defRPr b="1" sz="4800" i="0">
+              <a:defRPr sz="4800" b="1" i="0">
                 <a:solidFill>
                   <a:schemeClr val="tx1"/>
                 </a:solidFill>
@@ -2635,12 +2723,14 @@
               </a:defRPr>
             </a:lvl1pPr>
           </a:lstStyle>
-          <a:p/>
+          <a:p>
+            <a:endParaRPr/>
+          </a:p>
         </p:txBody>
       </p:sp>
       <p:sp>
         <p:nvSpPr>
-          <p:cNvPr id="1048645" name="Holder 3"/>
+          <p:cNvPr id="3" name="Holder 3"/>
           <p:cNvSpPr>
             <a:spLocks noGrp="1"/>
           </p:cNvSpPr>
@@ -2650,13 +2740,20 @@
         </p:nvSpPr>
         <p:spPr/>
         <p:txBody>
-          <a:bodyPr bIns="0" lIns="0" rIns="0" tIns="0"/>
-          <a:p/>
+          <a:bodyPr lIns="0" tIns="0" rIns="0" bIns="0"/>
+          <a:lstStyle>
+            <a:lvl1pPr>
+              <a:defRPr/>
+            </a:lvl1pPr>
+          </a:lstStyle>
+          <a:p>
+            <a:endParaRPr/>
+          </a:p>
         </p:txBody>
       </p:sp>
       <p:sp>
         <p:nvSpPr>
-          <p:cNvPr id="1048646" name="Holder 4"/>
+          <p:cNvPr id="4" name="Holder 4"/>
           <p:cNvSpPr>
             <a:spLocks noGrp="1"/>
           </p:cNvSpPr>
@@ -2666,7 +2763,7 @@
         </p:nvSpPr>
         <p:spPr/>
         <p:txBody>
-          <a:bodyPr bIns="0" lIns="0" rIns="0" tIns="0"/>
+          <a:bodyPr lIns="0" tIns="0" rIns="0" bIns="0"/>
           <a:lstStyle>
             <a:lvl1pPr algn="ctr">
               <a:defRPr>
@@ -2678,12 +2775,14 @@
               </a:defRPr>
             </a:lvl1pPr>
           </a:lstStyle>
-          <a:p/>
+          <a:p>
+            <a:endParaRPr/>
+          </a:p>
         </p:txBody>
       </p:sp>
       <p:sp>
         <p:nvSpPr>
-          <p:cNvPr id="1048647" name="Holder 5"/>
+          <p:cNvPr id="5" name="Holder 5"/>
           <p:cNvSpPr>
             <a:spLocks noGrp="1"/>
           </p:cNvSpPr>
@@ -2693,7 +2792,7 @@
         </p:nvSpPr>
         <p:spPr/>
         <p:txBody>
-          <a:bodyPr bIns="0" lIns="0" rIns="0" tIns="0"/>
+          <a:bodyPr lIns="0" tIns="0" rIns="0" bIns="0"/>
           <a:lstStyle>
             <a:lvl1pPr algn="l">
               <a:defRPr>
@@ -2716,7 +2815,7 @@
       </p:sp>
       <p:sp>
         <p:nvSpPr>
-          <p:cNvPr id="1048648" name="Holder 6"/>
+          <p:cNvPr id="6" name="Holder 6"/>
           <p:cNvSpPr>
             <a:spLocks noGrp="1"/>
           </p:cNvSpPr>
@@ -2726,10 +2825,10 @@
         </p:nvSpPr>
         <p:spPr/>
         <p:txBody>
-          <a:bodyPr bIns="0" lIns="0" rIns="0" tIns="0"/>
+          <a:bodyPr lIns="0" tIns="0" rIns="0" bIns="0"/>
           <a:lstStyle>
             <a:lvl1pPr>
-              <a:defRPr b="0" sz="1100" i="0">
+              <a:defRPr sz="1100" b="0" i="0">
                 <a:solidFill>
                   <a:srgbClr val="2D936B"/>
                 </a:solidFill>
@@ -2748,10 +2847,10 @@
               </a:spcBef>
             </a:pPr>
             <a:fld id="{81D60167-4931-47E6-BA6A-407CBD079E47}" type="slidenum">
-              <a:rPr dirty="0" spc="10"/>
+              <a:rPr spc="10" dirty="0"/>
               <a:t>‹#›</a:t>
             </a:fld>
-            <a:endParaRPr dirty="0" spc="10"/>
+            <a:endParaRPr spc="10" dirty="0"/>
           </a:p>
         </p:txBody>
       </p:sp>
@@ -2764,11 +2863,11 @@
 </file>
 
 <file path=ppt/slideLayouts/slideLayout3.xml><?xml version="1.0" encoding="utf-8"?>
-<p:sldLayout xmlns:a="http://schemas.openxmlformats.org/drawingml/2006/main" xmlns:r="http://schemas.openxmlformats.org/officeDocument/2006/relationships" xmlns:p="http://schemas.openxmlformats.org/presentationml/2006/main" preserve="1" type="obj">
+<p:sldLayout xmlns:a="http://schemas.openxmlformats.org/drawingml/2006/main" xmlns:r="http://schemas.openxmlformats.org/officeDocument/2006/relationships" xmlns:p="http://schemas.openxmlformats.org/presentationml/2006/main" type="obj" preserve="1">
   <p:cSld name="Two Content">
     <p:spTree>
       <p:nvGrpSpPr>
-        <p:cNvPr id="44" name=""/>
+        <p:cNvPr id="1" name=""/>
         <p:cNvGrpSpPr/>
         <p:nvPr/>
       </p:nvGrpSpPr>
@@ -2782,7 +2881,7 @@
       </p:grpSpPr>
       <p:sp>
         <p:nvSpPr>
-          <p:cNvPr id="1048694" name="Holder 2"/>
+          <p:cNvPr id="2" name="Holder 2"/>
           <p:cNvSpPr>
             <a:spLocks noGrp="1"/>
           </p:cNvSpPr>
@@ -2792,10 +2891,10 @@
         </p:nvSpPr>
         <p:spPr/>
         <p:txBody>
-          <a:bodyPr bIns="0" lIns="0" rIns="0" tIns="0"/>
+          <a:bodyPr lIns="0" tIns="0" rIns="0" bIns="0"/>
           <a:lstStyle>
             <a:lvl1pPr>
-              <a:defRPr b="1" sz="4800" i="0">
+              <a:defRPr sz="4800" b="1" i="0">
                 <a:solidFill>
                   <a:schemeClr val="tx1"/>
                 </a:solidFill>
@@ -2804,12 +2903,14 @@
               </a:defRPr>
             </a:lvl1pPr>
           </a:lstStyle>
-          <a:p/>
+          <a:p>
+            <a:endParaRPr/>
+          </a:p>
         </p:txBody>
       </p:sp>
       <p:sp>
         <p:nvSpPr>
-          <p:cNvPr id="1048695" name="Holder 3"/>
+          <p:cNvPr id="3" name="Holder 3"/>
           <p:cNvSpPr>
             <a:spLocks noGrp="1"/>
           </p:cNvSpPr>
@@ -2822,18 +2923,27 @@
             <a:off x="609600" y="1577340"/>
             <a:ext cx="5303520" cy="4526280"/>
           </a:xfrm>
-          <a:prstGeom prst="rect"/>
+          <a:prstGeom prst="rect">
+            <a:avLst/>
+          </a:prstGeom>
         </p:spPr>
         <p:txBody>
-          <a:bodyPr bIns="0" lIns="0" rIns="0" tIns="0" wrap="square">
+          <a:bodyPr wrap="square" lIns="0" tIns="0" rIns="0" bIns="0">
             <a:spAutoFit/>
           </a:bodyPr>
-          <a:p/>
+          <a:lstStyle>
+            <a:lvl1pPr>
+              <a:defRPr/>
+            </a:lvl1pPr>
+          </a:lstStyle>
+          <a:p>
+            <a:endParaRPr/>
+          </a:p>
         </p:txBody>
       </p:sp>
       <p:sp>
         <p:nvSpPr>
-          <p:cNvPr id="1048696" name="Holder 4"/>
+          <p:cNvPr id="4" name="Holder 4"/>
           <p:cNvSpPr>
             <a:spLocks noGrp="1"/>
           </p:cNvSpPr>
@@ -2846,18 +2956,27 @@
             <a:off x="6278880" y="1577340"/>
             <a:ext cx="5303520" cy="4526280"/>
           </a:xfrm>
-          <a:prstGeom prst="rect"/>
+          <a:prstGeom prst="rect">
+            <a:avLst/>
+          </a:prstGeom>
         </p:spPr>
         <p:txBody>
-          <a:bodyPr bIns="0" lIns="0" rIns="0" tIns="0" wrap="square">
+          <a:bodyPr wrap="square" lIns="0" tIns="0" rIns="0" bIns="0">
             <a:spAutoFit/>
           </a:bodyPr>
-          <a:p/>
+          <a:lstStyle>
+            <a:lvl1pPr>
+              <a:defRPr/>
+            </a:lvl1pPr>
+          </a:lstStyle>
+          <a:p>
+            <a:endParaRPr/>
+          </a:p>
         </p:txBody>
       </p:sp>
       <p:sp>
         <p:nvSpPr>
-          <p:cNvPr id="1048697" name="Holder 5"/>
+          <p:cNvPr id="5" name="Holder 5"/>
           <p:cNvSpPr>
             <a:spLocks noGrp="1"/>
           </p:cNvSpPr>
@@ -2867,7 +2986,7 @@
         </p:nvSpPr>
         <p:spPr/>
         <p:txBody>
-          <a:bodyPr bIns="0" lIns="0" rIns="0" tIns="0"/>
+          <a:bodyPr lIns="0" tIns="0" rIns="0" bIns="0"/>
           <a:lstStyle>
             <a:lvl1pPr algn="ctr">
               <a:defRPr>
@@ -2879,12 +2998,14 @@
               </a:defRPr>
             </a:lvl1pPr>
           </a:lstStyle>
-          <a:p/>
+          <a:p>
+            <a:endParaRPr/>
+          </a:p>
         </p:txBody>
       </p:sp>
       <p:sp>
         <p:nvSpPr>
-          <p:cNvPr id="1048698" name="Holder 6"/>
+          <p:cNvPr id="6" name="Holder 6"/>
           <p:cNvSpPr>
             <a:spLocks noGrp="1"/>
           </p:cNvSpPr>
@@ -2894,7 +3015,7 @@
         </p:nvSpPr>
         <p:spPr/>
         <p:txBody>
-          <a:bodyPr bIns="0" lIns="0" rIns="0" tIns="0"/>
+          <a:bodyPr lIns="0" tIns="0" rIns="0" bIns="0"/>
           <a:lstStyle>
             <a:lvl1pPr algn="l">
               <a:defRPr>
@@ -2917,7 +3038,7 @@
       </p:sp>
       <p:sp>
         <p:nvSpPr>
-          <p:cNvPr id="1048699" name="Holder 7"/>
+          <p:cNvPr id="7" name="Holder 7"/>
           <p:cNvSpPr>
             <a:spLocks noGrp="1"/>
           </p:cNvSpPr>
@@ -2927,10 +3048,10 @@
         </p:nvSpPr>
         <p:spPr/>
         <p:txBody>
-          <a:bodyPr bIns="0" lIns="0" rIns="0" tIns="0"/>
+          <a:bodyPr lIns="0" tIns="0" rIns="0" bIns="0"/>
           <a:lstStyle>
             <a:lvl1pPr>
-              <a:defRPr b="0" sz="1100" i="0">
+              <a:defRPr sz="1100" b="0" i="0">
                 <a:solidFill>
                   <a:srgbClr val="2D936B"/>
                 </a:solidFill>
@@ -2949,10 +3070,10 @@
               </a:spcBef>
             </a:pPr>
             <a:fld id="{81D60167-4931-47E6-BA6A-407CBD079E47}" type="slidenum">
-              <a:rPr dirty="0" spc="10"/>
+              <a:rPr spc="10" dirty="0"/>
               <a:t>‹#›</a:t>
             </a:fld>
-            <a:endParaRPr dirty="0" spc="10"/>
+            <a:endParaRPr spc="10" dirty="0"/>
           </a:p>
         </p:txBody>
       </p:sp>
@@ -2965,11 +3086,11 @@
 </file>
 
 <file path=ppt/slideLayouts/slideLayout4.xml><?xml version="1.0" encoding="utf-8"?>
-<p:sldLayout xmlns:a="http://schemas.openxmlformats.org/drawingml/2006/main" xmlns:r="http://schemas.openxmlformats.org/officeDocument/2006/relationships" xmlns:p="http://schemas.openxmlformats.org/presentationml/2006/main" preserve="1" type="obj">
+<p:sldLayout xmlns:a="http://schemas.openxmlformats.org/drawingml/2006/main" xmlns:r="http://schemas.openxmlformats.org/officeDocument/2006/relationships" xmlns:p="http://schemas.openxmlformats.org/presentationml/2006/main" type="obj" preserve="1">
   <p:cSld name="Title Only">
     <p:spTree>
       <p:nvGrpSpPr>
-        <p:cNvPr id="25" name=""/>
+        <p:cNvPr id="1" name=""/>
         <p:cNvGrpSpPr/>
         <p:nvPr/>
       </p:nvGrpSpPr>
@@ -2983,7 +3104,7 @@
       </p:grpSpPr>
       <p:sp>
         <p:nvSpPr>
-          <p:cNvPr id="1048606" name="Holder 2"/>
+          <p:cNvPr id="2" name="Holder 2"/>
           <p:cNvSpPr>
             <a:spLocks noGrp="1"/>
           </p:cNvSpPr>
@@ -2993,10 +3114,10 @@
         </p:nvSpPr>
         <p:spPr/>
         <p:txBody>
-          <a:bodyPr bIns="0" lIns="0" rIns="0" tIns="0"/>
+          <a:bodyPr lIns="0" tIns="0" rIns="0" bIns="0"/>
           <a:lstStyle>
             <a:lvl1pPr>
-              <a:defRPr b="1" sz="4800" i="0">
+              <a:defRPr sz="4800" b="1" i="0">
                 <a:solidFill>
                   <a:schemeClr val="tx1"/>
                 </a:solidFill>
@@ -3005,12 +3126,14 @@
               </a:defRPr>
             </a:lvl1pPr>
           </a:lstStyle>
-          <a:p/>
+          <a:p>
+            <a:endParaRPr/>
+          </a:p>
         </p:txBody>
       </p:sp>
       <p:sp>
         <p:nvSpPr>
-          <p:cNvPr id="1048607" name="Holder 3"/>
+          <p:cNvPr id="3" name="Holder 3"/>
           <p:cNvSpPr>
             <a:spLocks noGrp="1"/>
           </p:cNvSpPr>
@@ -3020,7 +3143,7 @@
         </p:nvSpPr>
         <p:spPr/>
         <p:txBody>
-          <a:bodyPr bIns="0" lIns="0" rIns="0" tIns="0"/>
+          <a:bodyPr lIns="0" tIns="0" rIns="0" bIns="0"/>
           <a:lstStyle>
             <a:lvl1pPr algn="ctr">
               <a:defRPr>
@@ -3032,12 +3155,14 @@
               </a:defRPr>
             </a:lvl1pPr>
           </a:lstStyle>
-          <a:p/>
+          <a:p>
+            <a:endParaRPr/>
+          </a:p>
         </p:txBody>
       </p:sp>
       <p:sp>
         <p:nvSpPr>
-          <p:cNvPr id="1048608" name="Holder 4"/>
+          <p:cNvPr id="4" name="Holder 4"/>
           <p:cNvSpPr>
             <a:spLocks noGrp="1"/>
           </p:cNvSpPr>
@@ -3047,7 +3172,7 @@
         </p:nvSpPr>
         <p:spPr/>
         <p:txBody>
-          <a:bodyPr bIns="0" lIns="0" rIns="0" tIns="0"/>
+          <a:bodyPr lIns="0" tIns="0" rIns="0" bIns="0"/>
           <a:lstStyle>
             <a:lvl1pPr algn="l">
               <a:defRPr>
@@ -3070,7 +3195,7 @@
       </p:sp>
       <p:sp>
         <p:nvSpPr>
-          <p:cNvPr id="1048609" name="Holder 5"/>
+          <p:cNvPr id="5" name="Holder 5"/>
           <p:cNvSpPr>
             <a:spLocks noGrp="1"/>
           </p:cNvSpPr>
@@ -3080,10 +3205,10 @@
         </p:nvSpPr>
         <p:spPr/>
         <p:txBody>
-          <a:bodyPr bIns="0" lIns="0" rIns="0" tIns="0"/>
+          <a:bodyPr lIns="0" tIns="0" rIns="0" bIns="0"/>
           <a:lstStyle>
             <a:lvl1pPr>
-              <a:defRPr b="0" sz="1100" i="0">
+              <a:defRPr sz="1100" b="0" i="0">
                 <a:solidFill>
                   <a:srgbClr val="2D936B"/>
                 </a:solidFill>
@@ -3102,10 +3227,10 @@
               </a:spcBef>
             </a:pPr>
             <a:fld id="{81D60167-4931-47E6-BA6A-407CBD079E47}" type="slidenum">
-              <a:rPr dirty="0" spc="10"/>
+              <a:rPr spc="10" dirty="0"/>
               <a:t>‹#›</a:t>
             </a:fld>
-            <a:endParaRPr dirty="0" spc="10"/>
+            <a:endParaRPr spc="10" dirty="0"/>
           </a:p>
         </p:txBody>
       </p:sp>
@@ -3118,11 +3243,11 @@
 </file>
 
 <file path=ppt/slideLayouts/slideLayout5.xml><?xml version="1.0" encoding="utf-8"?>
-<p:sldLayout xmlns:a="http://schemas.openxmlformats.org/drawingml/2006/main" xmlns:r="http://schemas.openxmlformats.org/officeDocument/2006/relationships" xmlns:p="http://schemas.openxmlformats.org/presentationml/2006/main" preserve="1" type="obj">
+<p:sldLayout xmlns:a="http://schemas.openxmlformats.org/drawingml/2006/main" xmlns:r="http://schemas.openxmlformats.org/officeDocument/2006/relationships" xmlns:p="http://schemas.openxmlformats.org/presentationml/2006/main" type="obj" preserve="1">
   <p:cSld name="Blank">
     <p:spTree>
       <p:nvGrpSpPr>
-        <p:cNvPr id="45" name=""/>
+        <p:cNvPr id="1" name=""/>
         <p:cNvGrpSpPr/>
         <p:nvPr/>
       </p:nvGrpSpPr>
@@ -3136,7 +3261,7 @@
       </p:grpSpPr>
       <p:sp>
         <p:nvSpPr>
-          <p:cNvPr id="1048700" name="Holder 2"/>
+          <p:cNvPr id="2" name="Holder 2"/>
           <p:cNvSpPr>
             <a:spLocks noGrp="1"/>
           </p:cNvSpPr>
@@ -3146,7 +3271,7 @@
         </p:nvSpPr>
         <p:spPr/>
         <p:txBody>
-          <a:bodyPr bIns="0" lIns="0" rIns="0" tIns="0"/>
+          <a:bodyPr lIns="0" tIns="0" rIns="0" bIns="0"/>
           <a:lstStyle>
             <a:lvl1pPr algn="ctr">
               <a:defRPr>
@@ -3158,12 +3283,14 @@
               </a:defRPr>
             </a:lvl1pPr>
           </a:lstStyle>
-          <a:p/>
+          <a:p>
+            <a:endParaRPr/>
+          </a:p>
         </p:txBody>
       </p:sp>
       <p:sp>
         <p:nvSpPr>
-          <p:cNvPr id="1048701" name="Holder 3"/>
+          <p:cNvPr id="3" name="Holder 3"/>
           <p:cNvSpPr>
             <a:spLocks noGrp="1"/>
           </p:cNvSpPr>
@@ -3173,7 +3300,7 @@
         </p:nvSpPr>
         <p:spPr/>
         <p:txBody>
-          <a:bodyPr bIns="0" lIns="0" rIns="0" tIns="0"/>
+          <a:bodyPr lIns="0" tIns="0" rIns="0" bIns="0"/>
           <a:lstStyle>
             <a:lvl1pPr algn="l">
               <a:defRPr>
@@ -3196,7 +3323,7 @@
       </p:sp>
       <p:sp>
         <p:nvSpPr>
-          <p:cNvPr id="1048702" name="Holder 4"/>
+          <p:cNvPr id="4" name="Holder 4"/>
           <p:cNvSpPr>
             <a:spLocks noGrp="1"/>
           </p:cNvSpPr>
@@ -3206,10 +3333,10 @@
         </p:nvSpPr>
         <p:spPr/>
         <p:txBody>
-          <a:bodyPr bIns="0" lIns="0" rIns="0" tIns="0"/>
+          <a:bodyPr lIns="0" tIns="0" rIns="0" bIns="0"/>
           <a:lstStyle>
             <a:lvl1pPr>
-              <a:defRPr b="0" sz="1100" i="0">
+              <a:defRPr sz="1100" b="0" i="0">
                 <a:solidFill>
                   <a:srgbClr val="2D936B"/>
                 </a:solidFill>
@@ -3228,10 +3355,10 @@
               </a:spcBef>
             </a:pPr>
             <a:fld id="{81D60167-4931-47E6-BA6A-407CBD079E47}" type="slidenum">
-              <a:rPr dirty="0" spc="10"/>
+              <a:rPr spc="10" dirty="0"/>
               <a:t>‹#›</a:t>
             </a:fld>
-            <a:endParaRPr dirty="0" spc="10"/>
+            <a:endParaRPr spc="10" dirty="0"/>
           </a:p>
         </p:txBody>
       </p:sp>
@@ -3256,7 +3383,7 @@
     </p:bg>
     <p:spTree>
       <p:nvGrpSpPr>
-        <p:cNvPr id="12" name=""/>
+        <p:cNvPr id="1" name=""/>
         <p:cNvGrpSpPr/>
         <p:nvPr/>
       </p:nvGrpSpPr>
@@ -3270,7 +3397,7 @@
       </p:grpSpPr>
       <p:sp>
         <p:nvSpPr>
-          <p:cNvPr id="1048576" name="bg object 16"/>
+          <p:cNvPr id="16" name="bg object 16"/>
           <p:cNvSpPr/>
           <p:nvPr/>
         </p:nvSpPr>
@@ -3281,7 +3408,9 @@
           </a:xfrm>
           <a:custGeom>
             <a:avLst/>
+            <a:gdLst/>
             <a:ahLst/>
+            <a:cxnLst/>
             <a:rect l="l" t="t" r="r" b="b"/>
             <a:pathLst>
               <a:path w="1218565" h="6853555">
@@ -3301,13 +3430,16 @@
           </a:ln>
         </p:spPr>
         <p:txBody>
-          <a:bodyPr bIns="0" lIns="0" rIns="0" rtlCol="0" tIns="0" wrap="square"/>
-          <a:p/>
+          <a:bodyPr wrap="square" lIns="0" tIns="0" rIns="0" bIns="0" rtlCol="0"/>
+          <a:lstStyle/>
+          <a:p>
+            <a:endParaRPr/>
+          </a:p>
         </p:txBody>
       </p:sp>
       <p:sp>
         <p:nvSpPr>
-          <p:cNvPr id="1048577" name="bg object 17"/>
+          <p:cNvPr id="17" name="bg object 17"/>
           <p:cNvSpPr/>
           <p:nvPr/>
         </p:nvSpPr>
@@ -3318,7 +3450,9 @@
           </a:xfrm>
           <a:custGeom>
             <a:avLst/>
+            <a:gdLst/>
             <a:ahLst/>
+            <a:cxnLst/>
             <a:rect l="l" t="t" r="r" b="b"/>
             <a:pathLst>
               <a:path w="4743450" h="3163570">
@@ -3338,13 +3472,16 @@
           </a:ln>
         </p:spPr>
         <p:txBody>
-          <a:bodyPr bIns="0" lIns="0" rIns="0" rtlCol="0" tIns="0" wrap="square"/>
-          <a:p/>
+          <a:bodyPr wrap="square" lIns="0" tIns="0" rIns="0" bIns="0" rtlCol="0"/>
+          <a:lstStyle/>
+          <a:p>
+            <a:endParaRPr/>
+          </a:p>
         </p:txBody>
       </p:sp>
       <p:sp>
         <p:nvSpPr>
-          <p:cNvPr id="1048578" name="bg object 18"/>
+          <p:cNvPr id="18" name="bg object 18"/>
           <p:cNvSpPr/>
           <p:nvPr/>
         </p:nvSpPr>
@@ -3355,7 +3492,9 @@
           </a:xfrm>
           <a:custGeom>
             <a:avLst/>
+            <a:gdLst/>
             <a:ahLst/>
+            <a:cxnLst/>
             <a:rect l="l" t="t" r="r" b="b"/>
             <a:pathLst>
               <a:path w="3009900" h="6858000">
@@ -3385,13 +3524,16 @@
           </a:solidFill>
         </p:spPr>
         <p:txBody>
-          <a:bodyPr bIns="0" lIns="0" rIns="0" rtlCol="0" tIns="0" wrap="square"/>
-          <a:p/>
+          <a:bodyPr wrap="square" lIns="0" tIns="0" rIns="0" bIns="0" rtlCol="0"/>
+          <a:lstStyle/>
+          <a:p>
+            <a:endParaRPr/>
+          </a:p>
         </p:txBody>
       </p:sp>
       <p:sp>
         <p:nvSpPr>
-          <p:cNvPr id="1048579" name="bg object 19"/>
+          <p:cNvPr id="19" name="bg object 19"/>
           <p:cNvSpPr/>
           <p:nvPr/>
         </p:nvSpPr>
@@ -3402,7 +3544,9 @@
           </a:xfrm>
           <a:custGeom>
             <a:avLst/>
+            <a:gdLst/>
             <a:ahLst/>
+            <a:cxnLst/>
             <a:rect l="l" t="t" r="r" b="b"/>
             <a:pathLst>
               <a:path w="2589529" h="6858000">
@@ -3432,13 +3576,16 @@
           </a:solidFill>
         </p:spPr>
         <p:txBody>
-          <a:bodyPr bIns="0" lIns="0" rIns="0" rtlCol="0" tIns="0" wrap="square"/>
-          <a:p/>
+          <a:bodyPr wrap="square" lIns="0" tIns="0" rIns="0" bIns="0" rtlCol="0"/>
+          <a:lstStyle/>
+          <a:p>
+            <a:endParaRPr/>
+          </a:p>
         </p:txBody>
       </p:sp>
       <p:sp>
         <p:nvSpPr>
-          <p:cNvPr id="1048580" name="bg object 20"/>
+          <p:cNvPr id="20" name="bg object 20"/>
           <p:cNvSpPr/>
           <p:nvPr/>
         </p:nvSpPr>
@@ -3449,7 +3596,9 @@
           </a:xfrm>
           <a:custGeom>
             <a:avLst/>
+            <a:gdLst/>
             <a:ahLst/>
+            <a:cxnLst/>
             <a:rect l="l" t="t" r="r" b="b"/>
             <a:pathLst>
               <a:path w="3257550" h="3810000">
@@ -3476,13 +3625,16 @@
           </a:solidFill>
         </p:spPr>
         <p:txBody>
-          <a:bodyPr bIns="0" lIns="0" rIns="0" rtlCol="0" tIns="0" wrap="square"/>
-          <a:p/>
+          <a:bodyPr wrap="square" lIns="0" tIns="0" rIns="0" bIns="0" rtlCol="0"/>
+          <a:lstStyle/>
+          <a:p>
+            <a:endParaRPr/>
+          </a:p>
         </p:txBody>
       </p:sp>
       <p:sp>
         <p:nvSpPr>
-          <p:cNvPr id="1048581" name="bg object 21"/>
+          <p:cNvPr id="21" name="bg object 21"/>
           <p:cNvSpPr/>
           <p:nvPr/>
         </p:nvSpPr>
@@ -3493,7 +3645,9 @@
           </a:xfrm>
           <a:custGeom>
             <a:avLst/>
+            <a:gdLst/>
             <a:ahLst/>
+            <a:cxnLst/>
             <a:rect l="l" t="t" r="r" b="b"/>
             <a:pathLst>
               <a:path w="2854325" h="6858000">
@@ -3523,13 +3677,16 @@
           </a:solidFill>
         </p:spPr>
         <p:txBody>
-          <a:bodyPr bIns="0" lIns="0" rIns="0" rtlCol="0" tIns="0" wrap="square"/>
-          <a:p/>
+          <a:bodyPr wrap="square" lIns="0" tIns="0" rIns="0" bIns="0" rtlCol="0"/>
+          <a:lstStyle/>
+          <a:p>
+            <a:endParaRPr/>
+          </a:p>
         </p:txBody>
       </p:sp>
       <p:sp>
         <p:nvSpPr>
-          <p:cNvPr id="1048582" name="bg object 22"/>
+          <p:cNvPr id="22" name="bg object 22"/>
           <p:cNvSpPr/>
           <p:nvPr/>
         </p:nvSpPr>
@@ -3540,7 +3697,9 @@
           </a:xfrm>
           <a:custGeom>
             <a:avLst/>
+            <a:gdLst/>
             <a:ahLst/>
+            <a:cxnLst/>
             <a:rect l="l" t="t" r="r" b="b"/>
             <a:pathLst>
               <a:path w="1295400" h="6858000">
@@ -3570,13 +3729,16 @@
           </a:solidFill>
         </p:spPr>
         <p:txBody>
-          <a:bodyPr bIns="0" lIns="0" rIns="0" rtlCol="0" tIns="0" wrap="square"/>
-          <a:p/>
+          <a:bodyPr wrap="square" lIns="0" tIns="0" rIns="0" bIns="0" rtlCol="0"/>
+          <a:lstStyle/>
+          <a:p>
+            <a:endParaRPr/>
+          </a:p>
         </p:txBody>
       </p:sp>
       <p:sp>
         <p:nvSpPr>
-          <p:cNvPr id="1048583" name="bg object 23"/>
+          <p:cNvPr id="23" name="bg object 23"/>
           <p:cNvSpPr/>
           <p:nvPr/>
         </p:nvSpPr>
@@ -3587,7 +3749,9 @@
           </a:xfrm>
           <a:custGeom>
             <a:avLst/>
+            <a:gdLst/>
             <a:ahLst/>
+            <a:cxnLst/>
             <a:rect l="l" t="t" r="r" b="b"/>
             <a:pathLst>
               <a:path w="1256029" h="6858000">
@@ -3617,13 +3781,16 @@
           </a:solidFill>
         </p:spPr>
         <p:txBody>
-          <a:bodyPr bIns="0" lIns="0" rIns="0" rtlCol="0" tIns="0" wrap="square"/>
-          <a:p/>
+          <a:bodyPr wrap="square" lIns="0" tIns="0" rIns="0" bIns="0" rtlCol="0"/>
+          <a:lstStyle/>
+          <a:p>
+            <a:endParaRPr/>
+          </a:p>
         </p:txBody>
       </p:sp>
       <p:sp>
         <p:nvSpPr>
-          <p:cNvPr id="1048584" name="bg object 24"/>
+          <p:cNvPr id="24" name="bg object 24"/>
           <p:cNvSpPr/>
           <p:nvPr/>
         </p:nvSpPr>
@@ -3634,7 +3801,9 @@
           </a:xfrm>
           <a:custGeom>
             <a:avLst/>
+            <a:gdLst/>
             <a:ahLst/>
+            <a:cxnLst/>
             <a:rect l="l" t="t" r="r" b="b"/>
             <a:pathLst>
               <a:path w="1819275" h="3267075">
@@ -3661,13 +3830,16 @@
           </a:solidFill>
         </p:spPr>
         <p:txBody>
-          <a:bodyPr bIns="0" lIns="0" rIns="0" rtlCol="0" tIns="0" wrap="square"/>
-          <a:p/>
+          <a:bodyPr wrap="square" lIns="0" tIns="0" rIns="0" bIns="0" rtlCol="0"/>
+          <a:lstStyle/>
+          <a:p>
+            <a:endParaRPr/>
+          </a:p>
         </p:txBody>
       </p:sp>
       <p:sp>
         <p:nvSpPr>
-          <p:cNvPr id="1048585" name="bg object 25"/>
+          <p:cNvPr id="25" name="bg object 25"/>
           <p:cNvSpPr/>
           <p:nvPr/>
         </p:nvSpPr>
@@ -3678,7 +3850,9 @@
           </a:xfrm>
           <a:custGeom>
             <a:avLst/>
+            <a:gdLst/>
             <a:ahLst/>
+            <a:cxnLst/>
             <a:rect l="l" t="t" r="r" b="b"/>
             <a:pathLst>
               <a:path w="447675" h="2847975">
@@ -3705,13 +3879,16 @@
           </a:solidFill>
         </p:spPr>
         <p:txBody>
-          <a:bodyPr bIns="0" lIns="0" rIns="0" rtlCol="0" tIns="0" wrap="square"/>
-          <a:p/>
+          <a:bodyPr wrap="square" lIns="0" tIns="0" rIns="0" bIns="0" rtlCol="0"/>
+          <a:lstStyle/>
+          <a:p>
+            <a:endParaRPr/>
+          </a:p>
         </p:txBody>
       </p:sp>
       <p:sp>
         <p:nvSpPr>
-          <p:cNvPr id="1048586" name="Holder 2"/>
+          <p:cNvPr id="2" name="Holder 2"/>
           <p:cNvSpPr>
             <a:spLocks noGrp="1"/>
           </p:cNvSpPr>
@@ -3724,15 +3901,17 @@
             <a:off x="755332" y="385444"/>
             <a:ext cx="10681335" cy="758190"/>
           </a:xfrm>
-          <a:prstGeom prst="rect"/>
+          <a:prstGeom prst="rect">
+            <a:avLst/>
+          </a:prstGeom>
         </p:spPr>
         <p:txBody>
-          <a:bodyPr bIns="0" lIns="0" rIns="0" tIns="0" wrap="square">
+          <a:bodyPr wrap="square" lIns="0" tIns="0" rIns="0" bIns="0">
             <a:spAutoFit/>
           </a:bodyPr>
           <a:lstStyle>
             <a:lvl1pPr>
-              <a:defRPr b="1" sz="4800" i="0">
+              <a:defRPr sz="4800" b="1" i="0">
                 <a:solidFill>
                   <a:schemeClr val="tx1"/>
                 </a:solidFill>
@@ -3741,12 +3920,14 @@
               </a:defRPr>
             </a:lvl1pPr>
           </a:lstStyle>
-          <a:p/>
+          <a:p>
+            <a:endParaRPr/>
+          </a:p>
         </p:txBody>
       </p:sp>
       <p:sp>
         <p:nvSpPr>
-          <p:cNvPr id="1048587" name="Holder 3"/>
+          <p:cNvPr id="3" name="Holder 3"/>
           <p:cNvSpPr>
             <a:spLocks noGrp="1"/>
           </p:cNvSpPr>
@@ -3759,18 +3940,27 @@
             <a:off x="609600" y="1577340"/>
             <a:ext cx="10972800" cy="4526280"/>
           </a:xfrm>
-          <a:prstGeom prst="rect"/>
+          <a:prstGeom prst="rect">
+            <a:avLst/>
+          </a:prstGeom>
         </p:spPr>
         <p:txBody>
-          <a:bodyPr bIns="0" lIns="0" rIns="0" tIns="0" wrap="square">
+          <a:bodyPr wrap="square" lIns="0" tIns="0" rIns="0" bIns="0">
             <a:spAutoFit/>
           </a:bodyPr>
-          <a:p/>
+          <a:lstStyle>
+            <a:lvl1pPr>
+              <a:defRPr/>
+            </a:lvl1pPr>
+          </a:lstStyle>
+          <a:p>
+            <a:endParaRPr/>
+          </a:p>
         </p:txBody>
       </p:sp>
       <p:sp>
         <p:nvSpPr>
-          <p:cNvPr id="1048588" name="Holder 4"/>
+          <p:cNvPr id="4" name="Holder 4"/>
           <p:cNvSpPr>
             <a:spLocks noGrp="1"/>
           </p:cNvSpPr>
@@ -3783,10 +3973,12 @@
             <a:off x="4145280" y="6377940"/>
             <a:ext cx="3901440" cy="342900"/>
           </a:xfrm>
-          <a:prstGeom prst="rect"/>
+          <a:prstGeom prst="rect">
+            <a:avLst/>
+          </a:prstGeom>
         </p:spPr>
         <p:txBody>
-          <a:bodyPr bIns="0" lIns="0" rIns="0" tIns="0" wrap="square">
+          <a:bodyPr wrap="square" lIns="0" tIns="0" rIns="0" bIns="0">
             <a:spAutoFit/>
           </a:bodyPr>
           <a:lstStyle>
@@ -3800,12 +3992,14 @@
               </a:defRPr>
             </a:lvl1pPr>
           </a:lstStyle>
-          <a:p/>
+          <a:p>
+            <a:endParaRPr/>
+          </a:p>
         </p:txBody>
       </p:sp>
       <p:sp>
         <p:nvSpPr>
-          <p:cNvPr id="1048589" name="Holder 5"/>
+          <p:cNvPr id="5" name="Holder 5"/>
           <p:cNvSpPr>
             <a:spLocks noGrp="1"/>
           </p:cNvSpPr>
@@ -3818,10 +4012,12 @@
             <a:off x="609600" y="6377940"/>
             <a:ext cx="2804160" cy="342900"/>
           </a:xfrm>
-          <a:prstGeom prst="rect"/>
+          <a:prstGeom prst="rect">
+            <a:avLst/>
+          </a:prstGeom>
         </p:spPr>
         <p:txBody>
-          <a:bodyPr bIns="0" lIns="0" rIns="0" tIns="0" wrap="square">
+          <a:bodyPr wrap="square" lIns="0" tIns="0" rIns="0" bIns="0">
             <a:spAutoFit/>
           </a:bodyPr>
           <a:lstStyle>
@@ -3846,7 +4042,7 @@
       </p:sp>
       <p:sp>
         <p:nvSpPr>
-          <p:cNvPr id="1048590" name="Holder 6"/>
+          <p:cNvPr id="6" name="Holder 6"/>
           <p:cNvSpPr>
             <a:spLocks noGrp="1"/>
           </p:cNvSpPr>
@@ -3859,15 +4055,17 @@
             <a:off x="11353418" y="6473337"/>
             <a:ext cx="151129" cy="191770"/>
           </a:xfrm>
-          <a:prstGeom prst="rect"/>
+          <a:prstGeom prst="rect">
+            <a:avLst/>
+          </a:prstGeom>
         </p:spPr>
         <p:txBody>
-          <a:bodyPr bIns="0" lIns="0" rIns="0" tIns="0" wrap="square">
+          <a:bodyPr wrap="square" lIns="0" tIns="0" rIns="0" bIns="0">
             <a:spAutoFit/>
           </a:bodyPr>
           <a:lstStyle>
             <a:lvl1pPr>
-              <a:defRPr b="0" sz="1100" i="0">
+              <a:defRPr sz="1100" b="0" i="0">
                 <a:solidFill>
                   <a:srgbClr val="2D936B"/>
                 </a:solidFill>
@@ -3886,22 +4084,22 @@
               </a:spcBef>
             </a:pPr>
             <a:fld id="{81D60167-4931-47E6-BA6A-407CBD079E47}" type="slidenum">
-              <a:rPr dirty="0" spc="10"/>
+              <a:rPr spc="10" dirty="0"/>
               <a:t>‹#›</a:t>
             </a:fld>
-            <a:endParaRPr dirty="0" spc="10"/>
+            <a:endParaRPr spc="10" dirty="0"/>
           </a:p>
         </p:txBody>
       </p:sp>
     </p:spTree>
   </p:cSld>
-  <p:clrMap accent1="accent1" accent2="accent2" accent3="accent3" accent4="accent4" accent5="accent5" accent6="accent6" bg1="lt1" bg2="lt2" tx1="dk1" tx2="dk2" hlink="hlink" folHlink="folHlink"/>
+  <p:clrMap bg1="lt1" tx1="dk1" bg2="lt2" tx2="dk2" accent1="accent1" accent2="accent2" accent3="accent3" accent4="accent4" accent5="accent5" accent6="accent6" hlink="hlink" folHlink="folHlink"/>
   <p:sldLayoutIdLst>
-    <p:sldLayoutId id="2147483649" r:id="rId1"/>
-    <p:sldLayoutId id="2147483650" r:id="rId2"/>
-    <p:sldLayoutId id="2147483651" r:id="rId3"/>
-    <p:sldLayoutId id="2147483652" r:id="rId4"/>
-    <p:sldLayoutId id="2147483653" r:id="rId5"/>
+    <p:sldLayoutId id="2147483661" r:id="rId1"/>
+    <p:sldLayoutId id="2147483662" r:id="rId2"/>
+    <p:sldLayoutId id="2147483663" r:id="rId3"/>
+    <p:sldLayoutId id="2147483664" r:id="rId4"/>
+    <p:sldLayoutId id="2147483665" r:id="rId5"/>
   </p:sldLayoutIdLst>
   <p:txStyles>
     <p:titleStyle>
@@ -4052,7 +4250,7 @@
   <p:cSld>
     <p:spTree>
       <p:nvGrpSpPr>
-        <p:cNvPr id="19" name=""/>
+        <p:cNvPr id="1" name=""/>
         <p:cNvGrpSpPr/>
         <p:nvPr/>
       </p:nvGrpSpPr>
@@ -4066,7 +4264,7 @@
       </p:grpSpPr>
       <p:grpSp>
         <p:nvGrpSpPr>
-          <p:cNvPr id="20" name="object 2"/>
+          <p:cNvPr id="2" name="object 2"/>
           <p:cNvGrpSpPr/>
           <p:nvPr/>
         </p:nvGrpSpPr>
@@ -4080,7 +4278,7 @@
         </p:grpSpPr>
         <p:sp>
           <p:nvSpPr>
-            <p:cNvPr id="1048596" name="object 3"/>
+            <p:cNvPr id="3" name="object 3"/>
             <p:cNvSpPr/>
             <p:nvPr/>
           </p:nvSpPr>
@@ -4091,7 +4289,9 @@
             </a:xfrm>
             <a:custGeom>
               <a:avLst/>
+              <a:gdLst/>
               <a:ahLst/>
+              <a:cxnLst/>
               <a:rect l="l" t="t" r="r" b="b"/>
               <a:pathLst>
                 <a:path w="1228725" h="1057275">
@@ -4125,13 +4325,16 @@
             </a:solidFill>
           </p:spPr>
           <p:txBody>
-            <a:bodyPr bIns="0" lIns="0" rIns="0" rtlCol="0" tIns="0" wrap="square"/>
-            <a:p/>
+            <a:bodyPr wrap="square" lIns="0" tIns="0" rIns="0" bIns="0" rtlCol="0"/>
+            <a:lstStyle/>
+            <a:p>
+              <a:endParaRPr/>
+            </a:p>
           </p:txBody>
         </p:sp>
         <p:sp>
           <p:nvSpPr>
-            <p:cNvPr id="1048597" name="object 4"/>
+            <p:cNvPr id="4" name="object 4"/>
             <p:cNvSpPr/>
             <p:nvPr/>
           </p:nvSpPr>
@@ -4142,7 +4345,9 @@
             </a:xfrm>
             <a:custGeom>
               <a:avLst/>
+              <a:gdLst/>
               <a:ahLst/>
+              <a:cxnLst/>
               <a:rect l="l" t="t" r="r" b="b"/>
               <a:pathLst>
                 <a:path w="647700" h="561975">
@@ -4176,14 +4381,17 @@
             </a:solidFill>
           </p:spPr>
           <p:txBody>
-            <a:bodyPr bIns="0" lIns="0" rIns="0" rtlCol="0" tIns="0" wrap="square"/>
-            <a:p/>
+            <a:bodyPr wrap="square" lIns="0" tIns="0" rIns="0" bIns="0" rtlCol="0"/>
+            <a:lstStyle/>
+            <a:p>
+              <a:endParaRPr/>
+            </a:p>
           </p:txBody>
         </p:sp>
       </p:grpSp>
       <p:sp>
         <p:nvSpPr>
-          <p:cNvPr id="1048598" name="object 5"/>
+          <p:cNvPr id="5" name="object 5"/>
           <p:cNvSpPr/>
           <p:nvPr/>
         </p:nvSpPr>
@@ -4194,7 +4402,9 @@
           </a:xfrm>
           <a:custGeom>
             <a:avLst/>
+            <a:gdLst/>
             <a:ahLst/>
+            <a:cxnLst/>
             <a:rect l="l" t="t" r="r" b="b"/>
             <a:pathLst>
               <a:path w="1666875" h="1438275">
@@ -4228,13 +4438,16 @@
           </a:solidFill>
         </p:spPr>
         <p:txBody>
-          <a:bodyPr bIns="0" lIns="0" rIns="0" rtlCol="0" tIns="0" wrap="square"/>
-          <a:p/>
+          <a:bodyPr wrap="square" lIns="0" tIns="0" rIns="0" bIns="0" rtlCol="0"/>
+          <a:lstStyle/>
+          <a:p>
+            <a:endParaRPr/>
+          </a:p>
         </p:txBody>
       </p:sp>
       <p:sp>
         <p:nvSpPr>
-          <p:cNvPr id="1048599" name="object 6"/>
+          <p:cNvPr id="6" name="object 6"/>
           <p:cNvSpPr/>
           <p:nvPr/>
         </p:nvSpPr>
@@ -4245,7 +4458,9 @@
           </a:xfrm>
           <a:custGeom>
             <a:avLst/>
+            <a:gdLst/>
             <a:ahLst/>
+            <a:cxnLst/>
             <a:rect l="l" t="t" r="r" b="b"/>
             <a:pathLst>
               <a:path w="723900" h="619125">
@@ -4279,13 +4494,16 @@
           </a:solidFill>
         </p:spPr>
         <p:txBody>
-          <a:bodyPr bIns="0" lIns="0" rIns="0" rtlCol="0" tIns="0" wrap="square"/>
-          <a:p/>
+          <a:bodyPr wrap="square" lIns="0" tIns="0" rIns="0" bIns="0" rtlCol="0"/>
+          <a:lstStyle/>
+          <a:p>
+            <a:endParaRPr/>
+          </a:p>
         </p:txBody>
       </p:sp>
       <p:sp>
         <p:nvSpPr>
-          <p:cNvPr id="1048600" name="object 7"/>
+          <p:cNvPr id="7" name="object 7"/>
           <p:cNvSpPr txBox="1">
             <a:spLocks noGrp="1"/>
           </p:cNvSpPr>
@@ -4298,12 +4516,15 @@
             <a:off x="-828675" y="19665"/>
             <a:ext cx="9982200" cy="1001556"/>
           </a:xfrm>
-          <a:prstGeom prst="rect"/>
+          <a:prstGeom prst="rect">
+            <a:avLst/>
+          </a:prstGeom>
         </p:spPr>
         <p:txBody>
-          <a:bodyPr bIns="0" lIns="0" rIns="0" rtlCol="0" tIns="16510" vert="horz" wrap="square">
+          <a:bodyPr vert="horz" wrap="square" lIns="0" tIns="16510" rIns="0" bIns="0" rtlCol="0">
             <a:spAutoFit/>
           </a:bodyPr>
+          <a:lstStyle/>
           <a:p>
             <a:pPr marL="3213735">
               <a:spcBef>
@@ -4311,7 +4532,7 @@
               </a:spcBef>
             </a:pPr>
             <a:r>
-              <a:rPr b="1" dirty="0" lang="en-US">
+              <a:rPr lang="en-US" b="1" dirty="0">
                 <a:solidFill>
                   <a:srgbClr val="0F0F0F"/>
                 </a:solidFill>
@@ -4321,7 +4542,7 @@
               <a:t>Employee Data Analysis using Excel</a:t>
             </a:r>
             <a:r>
-              <a:rPr b="1" dirty="0" i="0" lang="en-US">
+              <a:rPr lang="en-US" b="1" i="0" dirty="0">
                 <a:solidFill>
                   <a:srgbClr val="0F0F0F"/>
                 </a:solidFill>
@@ -4332,7 +4553,7 @@
               <a:t> </a:t>
             </a:r>
             <a:br>
-              <a:rPr b="1" dirty="0" i="0" lang="en-US">
+              <a:rPr lang="en-US" b="1" i="0" dirty="0">
                 <a:solidFill>
                   <a:srgbClr val="0F0F0F"/>
                 </a:solidFill>
@@ -4340,20 +4561,18 @@
                 <a:latin typeface="Roboto" panose="020F0502020204030204" pitchFamily="2" charset="0"/>
               </a:rPr>
             </a:br>
-            <a:endParaRPr dirty="0" spc="15"/>
+            <a:endParaRPr spc="15" dirty="0"/>
           </a:p>
         </p:txBody>
       </p:sp>
       <p:pic>
         <p:nvPicPr>
-          <p:cNvPr id="2097152" name="object 9"/>
-          <p:cNvPicPr>
-            <a:picLocks/>
-          </p:cNvPicPr>
+          <p:cNvPr id="9" name="object 9"/>
+          <p:cNvPicPr/>
           <p:nvPr/>
         </p:nvPicPr>
         <p:blipFill>
-          <a:blip xmlns:r="http://schemas.openxmlformats.org/officeDocument/2006/relationships" r:embed="rId1" cstate="print"/>
+          <a:blip r:embed="rId3" cstate="print"/>
           <a:stretch>
             <a:fillRect/>
           </a:stretch>
@@ -4363,12 +4582,14 @@
             <a:off x="676275" y="6467475"/>
             <a:ext cx="2143125" cy="200025"/>
           </a:xfrm>
-          <a:prstGeom prst="rect"/>
+          <a:prstGeom prst="rect">
+            <a:avLst/>
+          </a:prstGeom>
         </p:spPr>
       </p:pic>
       <p:sp>
         <p:nvSpPr>
-          <p:cNvPr id="1048601" name="object 11"/>
+          <p:cNvPr id="11" name="object 11"/>
           <p:cNvSpPr txBox="1">
             <a:spLocks noGrp="1"/>
           </p:cNvSpPr>
@@ -4377,12 +4598,15 @@
           </p:nvPr>
         </p:nvSpPr>
         <p:spPr>
-          <a:prstGeom prst="rect"/>
+          <a:prstGeom prst="rect">
+            <a:avLst/>
+          </a:prstGeom>
         </p:spPr>
         <p:txBody>
-          <a:bodyPr bIns="0" lIns="0" rIns="0" rtlCol="0" tIns="6985" vert="horz" wrap="square">
+          <a:bodyPr vert="horz" wrap="square" lIns="0" tIns="6985" rIns="0" bIns="0" rtlCol="0">
             <a:spAutoFit/>
           </a:bodyPr>
+          <a:lstStyle/>
           <a:p>
             <a:pPr marL="38100">
               <a:lnSpc>
@@ -4393,141 +4617,89 @@
               </a:spcBef>
             </a:pPr>
             <a:fld id="{81D60167-4931-47E6-BA6A-407CBD079E47}" type="slidenum">
-              <a:rPr dirty="0" spc="10"/>
+              <a:rPr spc="10" dirty="0"/>
               <a:t>1</a:t>
             </a:fld>
-            <a:endParaRPr dirty="0" spc="10"/>
+            <a:endParaRPr spc="10" dirty="0"/>
           </a:p>
         </p:txBody>
       </p:sp>
       <p:sp>
         <p:nvSpPr>
-          <p:cNvPr id="1048602" name="TextBox 13"/>
+          <p:cNvPr id="14" name="TextBox 13">
+            <a:extLst>
+              <a:ext uri="{FF2B5EF4-FFF2-40B4-BE49-F238E27FC236}">
+                <a16:creationId xmlns:a16="http://schemas.microsoft.com/office/drawing/2014/main" id="{D55ADE35-C35B-07C1-F5AA-C33B3DDB802E}"/>
+              </a:ext>
+            </a:extLst>
+          </p:cNvPr>
           <p:cNvSpPr txBox="1"/>
           <p:nvPr/>
         </p:nvSpPr>
         <p:spPr>
           <a:xfrm>
             <a:off x="2105024" y="2774852"/>
-            <a:ext cx="8950005" cy="1869440"/>
+            <a:ext cx="8950005" cy="1938992"/>
           </a:xfrm>
-          <a:prstGeom prst="rect"/>
+          <a:prstGeom prst="rect">
+            <a:avLst/>
+          </a:prstGeom>
           <a:noFill/>
         </p:spPr>
         <p:txBody>
-          <a:bodyPr rtlCol="0" wrap="square">
+          <a:bodyPr wrap="square" rtlCol="0">
             <a:spAutoFit/>
           </a:bodyPr>
-          <a:p>
-            <a:r>
-              <a:rPr dirty="0" sz="2400" lang="en-US"/>
-              <a:t>STUDENT NAME</a:t>
-            </a:r>
-            <a:r>
-              <a:rPr dirty="0" sz="2400" lang="en-US"/>
-              <a:t> Devaraaj </a:t>
-            </a:r>
-            <a:r>
-              <a:rPr dirty="0" sz="2400" lang="en-US"/>
-              <a:t>.</a:t>
-            </a:r>
-            <a:r>
-              <a:rPr dirty="0" sz="2400" lang="en-US"/>
-              <a:t>V</a:t>
-            </a:r>
-            <a:endParaRPr altLang="en-US" lang="zh-CN"/>
-          </a:p>
-          <a:p>
-            <a:r>
-              <a:rPr dirty="0" sz="2400" lang="en-US"/>
+          <a:lstStyle/>
+          <a:p>
+            <a:r>
+              <a:rPr lang="en-US" sz="2400" dirty="0"/>
+              <a:t>STUDENT NAME:</a:t>
+            </a:r>
+            <a:r>
+              <a:rPr lang="en-GB" sz="2400" dirty="0"/>
+              <a:t> </a:t>
+            </a:r>
+          </a:p>
+          <a:p>
+            <a:r>
+              <a:rPr lang="en-US" sz="2400" dirty="0"/>
               <a:t>REGISTER NO:</a:t>
             </a:r>
             <a:r>
-              <a:rPr dirty="0" sz="2400" lang="en-GB"/>
+              <a:rPr lang="en-GB" sz="2400" dirty="0"/>
               <a:t> </a:t>
             </a:r>
-            <a:r>
-              <a:rPr dirty="0" sz="2400" lang="en-US"/>
-              <a:t>3</a:t>
-            </a:r>
-            <a:r>
-              <a:rPr dirty="0" sz="2400" lang="en-US"/>
-              <a:t>1</a:t>
-            </a:r>
-            <a:r>
-              <a:rPr dirty="0" sz="2400" lang="en-US"/>
-              <a:t>2</a:t>
-            </a:r>
-            <a:r>
-              <a:rPr dirty="0" sz="2400" lang="en-US"/>
-              <a:t>2</a:t>
-            </a:r>
-            <a:r>
-              <a:rPr dirty="0" sz="2400" lang="en-US"/>
-              <a:t>0</a:t>
-            </a:r>
-            <a:r>
-              <a:rPr dirty="0" sz="2400" lang="en-US"/>
-              <a:t>0</a:t>
-            </a:r>
-            <a:r>
-              <a:rPr dirty="0" sz="2400" lang="en-US"/>
-              <a:t>2</a:t>
-            </a:r>
-            <a:r>
-              <a:rPr dirty="0" sz="2400" lang="en-US"/>
-              <a:t>9</a:t>
-            </a:r>
-            <a:r>
-              <a:rPr dirty="0" sz="2400" lang="en-US"/>
-              <a:t>0</a:t>
-            </a:r>
-            <a:endParaRPr dirty="0" sz="2400" lang="en-US"/>
-          </a:p>
-          <a:p>
-            <a:r>
-              <a:rPr dirty="0" sz="2400" lang="en-US"/>
+            <a:endParaRPr lang="en-US" sz="2400" dirty="0"/>
+          </a:p>
+          <a:p>
+            <a:r>
+              <a:rPr lang="en-US" sz="2400" dirty="0"/>
               <a:t>DEPARTMENT:</a:t>
             </a:r>
             <a:r>
-              <a:rPr dirty="0" sz="2400" lang="en-GB"/>
+              <a:rPr lang="en-GB" sz="2400" dirty="0"/>
               <a:t> B.COM COMMERCE</a:t>
             </a:r>
-            <a:endParaRPr dirty="0" sz="2400" lang="en-US"/>
-          </a:p>
-          <a:p>
-            <a:r>
-              <a:rPr dirty="0" sz="2400" lang="en-US"/>
+            <a:endParaRPr lang="en-US" sz="2400" dirty="0"/>
+          </a:p>
+          <a:p>
+            <a:r>
+              <a:rPr lang="en-US" sz="2400" dirty="0"/>
               <a:t>COLLEGE</a:t>
             </a:r>
             <a:r>
-              <a:rPr dirty="0" sz="2400" lang="en-GB"/>
+              <a:rPr lang="en-GB" sz="2400" dirty="0"/>
               <a:t>: S.I.V.E.T. COLLEGE</a:t>
             </a:r>
-            <a:endParaRPr dirty="0" sz="2400" lang="en-US"/>
-          </a:p>
-          <a:p>
-            <a:r>
-              <a:rPr dirty="0" sz="2400" lang="en-US"/>
-              <a:t> </a:t>
-            </a:r>
-            <a:r>
-              <a:rPr dirty="0" sz="2400" lang="en-US"/>
-              <a:t>U</a:t>
-            </a:r>
-            <a:r>
-              <a:rPr dirty="0" sz="2400" lang="en-US"/>
-              <a:t>S</a:t>
-            </a:r>
-            <a:r>
-              <a:rPr dirty="0" sz="2400" lang="en-US"/>
-              <a:t>ERNAME</a:t>
-            </a:r>
-            <a:r>
-              <a:rPr dirty="0" sz="2400" lang="en-US"/>
-              <a:t>:asunm103unm103312200290</a:t>
-            </a:r>
-            <a:endParaRPr dirty="0" sz="2400" lang="en-IN"/>
+            <a:endParaRPr lang="en-US" sz="2400" dirty="0"/>
+          </a:p>
+          <a:p>
+            <a:r>
+              <a:rPr lang="en-US" sz="2400" dirty="0"/>
+              <a:t>           </a:t>
+            </a:r>
+            <a:endParaRPr lang="en-IN" sz="2400" dirty="0"/>
           </a:p>
         </p:txBody>
       </p:sp>
@@ -4544,7 +4716,7 @@
   <p:cSld>
     <p:spTree>
       <p:nvGrpSpPr>
-        <p:cNvPr id="41" name=""/>
+        <p:cNvPr id="1" name=""/>
         <p:cNvGrpSpPr/>
         <p:nvPr/>
       </p:nvGrpSpPr>
@@ -4558,7 +4730,7 @@
       </p:grpSpPr>
       <p:sp>
         <p:nvSpPr>
-          <p:cNvPr id="1048682" name="object 5"/>
+          <p:cNvPr id="5" name="object 5"/>
           <p:cNvSpPr/>
           <p:nvPr/>
         </p:nvSpPr>
@@ -4569,7 +4741,9 @@
           </a:xfrm>
           <a:custGeom>
             <a:avLst/>
+            <a:gdLst/>
             <a:ahLst/>
+            <a:cxnLst/>
             <a:rect l="l" t="t" r="r" b="b"/>
             <a:pathLst>
               <a:path w="180975" h="180975">
@@ -4597,20 +4771,21 @@
           </a:solidFill>
         </p:spPr>
         <p:txBody>
-          <a:bodyPr bIns="0" lIns="0" rIns="0" rtlCol="0" tIns="0" wrap="square"/>
-          <a:p/>
+          <a:bodyPr wrap="square" lIns="0" tIns="0" rIns="0" bIns="0" rtlCol="0"/>
+          <a:lstStyle/>
+          <a:p>
+            <a:endParaRPr/>
+          </a:p>
         </p:txBody>
       </p:sp>
       <p:pic>
         <p:nvPicPr>
-          <p:cNvPr id="2097166" name="object 6"/>
-          <p:cNvPicPr>
-            <a:picLocks/>
-          </p:cNvPicPr>
+          <p:cNvPr id="6" name="object 6"/>
+          <p:cNvPicPr/>
           <p:nvPr/>
         </p:nvPicPr>
         <p:blipFill>
-          <a:blip xmlns:r="http://schemas.openxmlformats.org/officeDocument/2006/relationships" r:embed="rId1" cstate="print"/>
+          <a:blip r:embed="rId2" cstate="print"/>
           <a:stretch>
             <a:fillRect/>
           </a:stretch>
@@ -4620,12 +4795,14 @@
             <a:off x="1666875" y="6467475"/>
             <a:ext cx="76200" cy="177800"/>
           </a:xfrm>
-          <a:prstGeom prst="rect"/>
+          <a:prstGeom prst="rect">
+            <a:avLst/>
+          </a:prstGeom>
         </p:spPr>
       </p:pic>
       <p:sp>
         <p:nvSpPr>
-          <p:cNvPr id="1048683" name="object 9"/>
+          <p:cNvPr id="9" name="object 9"/>
           <p:cNvSpPr txBox="1"/>
           <p:nvPr/>
         </p:nvSpPr>
@@ -4634,12 +4811,15 @@
             <a:off x="11277218" y="6473337"/>
             <a:ext cx="228600" cy="191770"/>
           </a:xfrm>
-          <a:prstGeom prst="rect"/>
+          <a:prstGeom prst="rect">
+            <a:avLst/>
+          </a:prstGeom>
         </p:spPr>
         <p:txBody>
-          <a:bodyPr bIns="0" lIns="0" rIns="0" rtlCol="0" tIns="6985" vert="horz" wrap="square">
+          <a:bodyPr vert="horz" wrap="square" lIns="0" tIns="6985" rIns="0" bIns="0" rtlCol="0">
             <a:spAutoFit/>
           </a:bodyPr>
+          <a:lstStyle/>
           <a:p>
             <a:pPr marL="38100">
               <a:lnSpc>
@@ -4650,7 +4830,7 @@
               </a:spcBef>
             </a:pPr>
             <a:fld id="{81D60167-4931-47E6-BA6A-407CBD079E47}" type="slidenum">
-              <a:rPr dirty="0" sz="1100" spc="10">
+              <a:rPr sz="1100" spc="10" dirty="0">
                 <a:solidFill>
                   <a:srgbClr val="2D936B"/>
                 </a:solidFill>
@@ -4668,21 +4848,24 @@
       </p:sp>
       <p:sp>
         <p:nvSpPr>
-          <p:cNvPr id="1048684" name="object 8"/>
+          <p:cNvPr id="8" name="object 8"/>
           <p:cNvSpPr txBox="1"/>
           <p:nvPr/>
         </p:nvSpPr>
         <p:spPr>
           <a:xfrm>
             <a:off x="739775" y="291147"/>
-            <a:ext cx="3303904" cy="1461135"/>
+            <a:ext cx="3303904" cy="758190"/>
           </a:xfrm>
-          <a:prstGeom prst="rect"/>
+          <a:prstGeom prst="rect">
+            <a:avLst/>
+          </a:prstGeom>
         </p:spPr>
         <p:txBody>
-          <a:bodyPr bIns="0" lIns="0" rIns="0" rtlCol="0" tIns="13335" vert="horz" wrap="square">
+          <a:bodyPr vert="horz" wrap="square" lIns="0" tIns="13335" rIns="0" bIns="0" rtlCol="0">
             <a:spAutoFit/>
           </a:bodyPr>
+          <a:lstStyle/>
           <a:p>
             <a:pPr marL="12700">
               <a:lnSpc>
@@ -4693,62 +4876,62 @@
               </a:spcBef>
             </a:pPr>
             <a:r>
-              <a:rPr b="1" dirty="0" sz="4800" spc="15">
+              <a:rPr sz="4800" b="1" spc="15" dirty="0">
                 <a:latin typeface="Trebuchet MS"/>
                 <a:cs typeface="Trebuchet MS"/>
               </a:rPr>
               <a:t>M</a:t>
             </a:r>
             <a:r>
-              <a:rPr b="1" dirty="0" sz="4800">
+              <a:rPr sz="4800" b="1" dirty="0">
                 <a:latin typeface="Trebuchet MS"/>
                 <a:cs typeface="Trebuchet MS"/>
               </a:rPr>
               <a:t>O</a:t>
             </a:r>
             <a:r>
-              <a:rPr b="1" dirty="0" sz="4800" spc="-15">
+              <a:rPr sz="4800" b="1" spc="-15" dirty="0">
                 <a:latin typeface="Trebuchet MS"/>
                 <a:cs typeface="Trebuchet MS"/>
               </a:rPr>
               <a:t>D</a:t>
             </a:r>
             <a:r>
-              <a:rPr b="1" dirty="0" sz="4800" spc="-35">
+              <a:rPr sz="4800" b="1" spc="-35" dirty="0">
                 <a:latin typeface="Trebuchet MS"/>
                 <a:cs typeface="Trebuchet MS"/>
               </a:rPr>
               <a:t>E</a:t>
             </a:r>
             <a:r>
-              <a:rPr b="1" dirty="0" sz="4800" spc="-30">
+              <a:rPr sz="4800" b="1" spc="-30" dirty="0">
                 <a:latin typeface="Trebuchet MS"/>
                 <a:cs typeface="Trebuchet MS"/>
               </a:rPr>
               <a:t>LL</a:t>
             </a:r>
             <a:r>
-              <a:rPr b="1" dirty="0" sz="4800" spc="-5">
+              <a:rPr sz="4800" b="1" spc="-5" dirty="0">
                 <a:latin typeface="Trebuchet MS"/>
                 <a:cs typeface="Trebuchet MS"/>
               </a:rPr>
               <a:t>I</a:t>
             </a:r>
             <a:r>
-              <a:rPr b="1" dirty="0" sz="4800" spc="30">
+              <a:rPr sz="4800" b="1" spc="30" dirty="0">
                 <a:latin typeface="Trebuchet MS"/>
                 <a:cs typeface="Trebuchet MS"/>
               </a:rPr>
               <a:t>N</a:t>
             </a:r>
             <a:r>
-              <a:rPr b="1" dirty="0" sz="4800" spc="5">
+              <a:rPr sz="4800" b="1" spc="5" dirty="0">
                 <a:latin typeface="Trebuchet MS"/>
                 <a:cs typeface="Trebuchet MS"/>
               </a:rPr>
               <a:t>G</a:t>
             </a:r>
-            <a:endParaRPr dirty="0" sz="4800">
+            <a:endParaRPr sz="4800" dirty="0">
               <a:latin typeface="Trebuchet MS"/>
               <a:cs typeface="Trebuchet MS"/>
             </a:endParaRPr>
@@ -4757,7 +4940,7 @@
       </p:sp>
       <p:sp>
         <p:nvSpPr>
-          <p:cNvPr id="1048685" name="object 3"/>
+          <p:cNvPr id="14" name="object 3"/>
           <p:cNvSpPr/>
           <p:nvPr/>
         </p:nvSpPr>
@@ -4768,7 +4951,9 @@
           </a:xfrm>
           <a:custGeom>
             <a:avLst/>
+            <a:gdLst/>
             <a:ahLst/>
+            <a:cxnLst/>
             <a:rect l="l" t="t" r="r" b="b"/>
             <a:pathLst>
               <a:path w="457200" h="457200">
@@ -4796,13 +4981,22 @@
           </a:solidFill>
         </p:spPr>
         <p:txBody>
-          <a:bodyPr bIns="0" lIns="0" rIns="0" rtlCol="0" tIns="0" wrap="square"/>
-          <a:p/>
+          <a:bodyPr wrap="square" lIns="0" tIns="0" rIns="0" bIns="0" rtlCol="0"/>
+          <a:lstStyle/>
+          <a:p>
+            <a:endParaRPr/>
+          </a:p>
         </p:txBody>
       </p:sp>
       <p:sp>
         <p:nvSpPr>
-          <p:cNvPr id="1048686" name="Text Placeholder 2"/>
+          <p:cNvPr id="3" name="Text Placeholder 2">
+            <a:extLst>
+              <a:ext uri="{FF2B5EF4-FFF2-40B4-BE49-F238E27FC236}">
+                <a16:creationId xmlns:a16="http://schemas.microsoft.com/office/drawing/2014/main" id="{4BD86D74-E9B3-BFA8-89D6-5C24DFF35EAD}"/>
+              </a:ext>
+            </a:extLst>
+          </p:cNvPr>
           <p:cNvSpPr>
             <a:spLocks noGrp="1"/>
           </p:cNvSpPr>
@@ -4813,18 +5007,19 @@
         <p:spPr>
           <a:xfrm>
             <a:off x="739775" y="1577340"/>
-            <a:ext cx="9278112" cy="4267199"/>
+            <a:ext cx="9278112" cy="4154984"/>
           </a:xfrm>
         </p:spPr>
         <p:txBody>
           <a:bodyPr/>
-          <a:p>
-            <a:r>
-              <a:rPr b="1" dirty="0" lang="en-GB"/>
+          <a:lstStyle/>
+          <a:p>
+            <a:r>
+              <a:rPr lang="en-GB" b="1" dirty="0"/>
               <a:t>Data Collection</a:t>
             </a:r>
             <a:r>
-              <a:rPr dirty="0" lang="en-GB"/>
+              <a:rPr lang="en-GB" dirty="0"/>
               <a:t>
 Gather data from various sources such as performance reviews, KPIs, attendance records, and employee surveys.
 </a:t>
@@ -4832,26 +5027,26 @@
           </a:p>
           <a:p>
             <a:r>
-              <a:rPr b="1" dirty="0" lang="en-GB"/>
+              <a:rPr lang="en-GB" b="1" dirty="0"/>
               <a:t>Data Preparation</a:t>
             </a:r>
             <a:r>
-              <a:rPr dirty="0" lang="en-GB"/>
+              <a:rPr lang="en-GB" dirty="0"/>
               <a:t>
 Ensure that data is accurate and complete. Address any inconsistencies or missing values.
 Combine data from different sources to get a comprehensive view of performance.</a:t>
             </a:r>
           </a:p>
           <a:p>
-            <a:endParaRPr b="1" dirty="0" lang="en-GB"/>
-          </a:p>
-          <a:p>
-            <a:r>
-              <a:rPr b="1" dirty="0" lang="en-GB"/>
+            <a:endParaRPr lang="en-GB" b="1" dirty="0"/>
+          </a:p>
+          <a:p>
+            <a:r>
+              <a:rPr lang="en-GB" b="1" dirty="0"/>
               <a:t>Visualization and Reporting</a:t>
             </a:r>
             <a:r>
-              <a:rPr dirty="0" lang="en-GB"/>
+              <a:rPr lang="en-GB" dirty="0"/>
               <a:t>
 Create interactive dashboards to visualize performance metrics and trends.
 Generate detailed reports highlighting key insights, trends, and recommendations.
@@ -4860,18 +5055,18 @@
           </a:p>
           <a:p>
             <a:r>
-              <a:rPr b="1" dirty="0" lang="en-GB"/>
+              <a:rPr lang="en-GB" b="1" dirty="0"/>
               <a:t>Analysis and Interpretation</a:t>
             </a:r>
             <a:r>
-              <a:rPr dirty="0" lang="en-GB"/>
+              <a:rPr lang="en-GB" dirty="0"/>
               <a:t>
 Look for patterns in the data that might indicate high or low performance.
 Compare performance across different teams, departments, or time periods.</a:t>
             </a:r>
           </a:p>
           <a:p>
-            <a:endParaRPr dirty="0" lang="en-US"/>
+            <a:endParaRPr lang="en-US" dirty="0"/>
           </a:p>
         </p:txBody>
       </p:sp>
@@ -4888,7 +5083,7 @@
   <p:cSld>
     <p:spTree>
       <p:nvGrpSpPr>
-        <p:cNvPr id="42" name=""/>
+        <p:cNvPr id="1" name=""/>
         <p:cNvGrpSpPr/>
         <p:nvPr/>
       </p:nvGrpSpPr>
@@ -4902,7 +5097,7 @@
       </p:grpSpPr>
       <p:sp>
         <p:nvSpPr>
-          <p:cNvPr id="1048687" name="object 3"/>
+          <p:cNvPr id="3" name="object 3"/>
           <p:cNvSpPr/>
           <p:nvPr/>
         </p:nvSpPr>
@@ -4913,7 +5108,9 @@
           </a:xfrm>
           <a:custGeom>
             <a:avLst/>
+            <a:gdLst/>
             <a:ahLst/>
+            <a:cxnLst/>
             <a:rect l="l" t="t" r="r" b="b"/>
             <a:pathLst>
               <a:path w="457200" h="457200">
@@ -4941,13 +5138,16 @@
           </a:solidFill>
         </p:spPr>
         <p:txBody>
-          <a:bodyPr bIns="0" lIns="0" rIns="0" rtlCol="0" tIns="0" wrap="square"/>
-          <a:p/>
+          <a:bodyPr wrap="square" lIns="0" tIns="0" rIns="0" bIns="0" rtlCol="0"/>
+          <a:lstStyle/>
+          <a:p>
+            <a:endParaRPr/>
+          </a:p>
         </p:txBody>
       </p:sp>
       <p:sp>
         <p:nvSpPr>
-          <p:cNvPr id="1048688" name="object 4"/>
+          <p:cNvPr id="4" name="object 4"/>
           <p:cNvSpPr/>
           <p:nvPr/>
         </p:nvSpPr>
@@ -4958,7 +5158,9 @@
           </a:xfrm>
           <a:custGeom>
             <a:avLst/>
+            <a:gdLst/>
             <a:ahLst/>
+            <a:cxnLst/>
             <a:rect l="l" t="t" r="r" b="b"/>
             <a:pathLst>
               <a:path w="314325" h="323850">
@@ -4986,13 +5188,16 @@
           </a:solidFill>
         </p:spPr>
         <p:txBody>
-          <a:bodyPr bIns="0" lIns="0" rIns="0" rtlCol="0" tIns="0" wrap="square"/>
-          <a:p/>
+          <a:bodyPr wrap="square" lIns="0" tIns="0" rIns="0" bIns="0" rtlCol="0"/>
+          <a:lstStyle/>
+          <a:p>
+            <a:endParaRPr/>
+          </a:p>
         </p:txBody>
       </p:sp>
       <p:sp>
         <p:nvSpPr>
-          <p:cNvPr id="1048689" name="object 5"/>
+          <p:cNvPr id="5" name="object 5"/>
           <p:cNvSpPr/>
           <p:nvPr/>
         </p:nvSpPr>
@@ -5003,7 +5208,9 @@
           </a:xfrm>
           <a:custGeom>
             <a:avLst/>
+            <a:gdLst/>
             <a:ahLst/>
+            <a:cxnLst/>
             <a:rect l="l" t="t" r="r" b="b"/>
             <a:pathLst>
               <a:path w="180975" h="180975">
@@ -5031,20 +5238,21 @@
           </a:solidFill>
         </p:spPr>
         <p:txBody>
-          <a:bodyPr bIns="0" lIns="0" rIns="0" rtlCol="0" tIns="0" wrap="square"/>
-          <a:p/>
+          <a:bodyPr wrap="square" lIns="0" tIns="0" rIns="0" bIns="0" rtlCol="0"/>
+          <a:lstStyle/>
+          <a:p>
+            <a:endParaRPr/>
+          </a:p>
         </p:txBody>
       </p:sp>
       <p:pic>
         <p:nvPicPr>
-          <p:cNvPr id="2097167" name="object 6"/>
-          <p:cNvPicPr>
-            <a:picLocks/>
-          </p:cNvPicPr>
+          <p:cNvPr id="6" name="object 6"/>
+          <p:cNvPicPr/>
           <p:nvPr/>
         </p:nvPicPr>
         <p:blipFill>
-          <a:blip xmlns:r="http://schemas.openxmlformats.org/officeDocument/2006/relationships" r:embed="rId2" cstate="print"/>
+          <a:blip r:embed="rId2" cstate="print"/>
           <a:stretch>
             <a:fillRect/>
           </a:stretch>
@@ -5054,12 +5262,14 @@
             <a:off x="1666875" y="6467475"/>
             <a:ext cx="76200" cy="177800"/>
           </a:xfrm>
-          <a:prstGeom prst="rect"/>
+          <a:prstGeom prst="rect">
+            <a:avLst/>
+          </a:prstGeom>
         </p:spPr>
       </p:pic>
       <p:sp>
         <p:nvSpPr>
-          <p:cNvPr id="1048690" name="object 7"/>
+          <p:cNvPr id="7" name="object 7"/>
           <p:cNvSpPr txBox="1">
             <a:spLocks noGrp="1"/>
           </p:cNvSpPr>
@@ -5068,12 +5278,15 @@
           </p:nvPr>
         </p:nvSpPr>
         <p:spPr>
-          <a:prstGeom prst="rect"/>
+          <a:prstGeom prst="rect">
+            <a:avLst/>
+          </a:prstGeom>
         </p:spPr>
         <p:txBody>
-          <a:bodyPr bIns="0" lIns="0" rIns="0" rtlCol="0" tIns="13335" vert="horz" wrap="square">
+          <a:bodyPr vert="horz" wrap="square" lIns="0" tIns="13335" rIns="0" bIns="0" rtlCol="0">
             <a:spAutoFit/>
           </a:bodyPr>
+          <a:lstStyle/>
           <a:p>
             <a:pPr marL="12700">
               <a:lnSpc>
@@ -5088,19 +5301,19 @@
               <a:t>R</a:t>
             </a:r>
             <a:r>
-              <a:rPr dirty="0" spc="-40"/>
+              <a:rPr spc="-40" dirty="0"/>
               <a:t>E</a:t>
             </a:r>
             <a:r>
-              <a:rPr dirty="0" spc="15"/>
+              <a:rPr spc="15" dirty="0"/>
               <a:t>S</a:t>
             </a:r>
             <a:r>
-              <a:rPr dirty="0" spc="-30"/>
+              <a:rPr spc="-30" dirty="0"/>
               <a:t>U</a:t>
             </a:r>
             <a:r>
-              <a:rPr dirty="0" spc="-405"/>
+              <a:rPr spc="-405" dirty="0"/>
               <a:t>L</a:t>
             </a:r>
             <a:r>
@@ -5112,7 +5325,7 @@
       </p:sp>
       <p:sp>
         <p:nvSpPr>
-          <p:cNvPr id="1048691" name="object 9"/>
+          <p:cNvPr id="9" name="object 9"/>
           <p:cNvSpPr txBox="1"/>
           <p:nvPr/>
         </p:nvSpPr>
@@ -5121,12 +5334,15 @@
             <a:off x="11277218" y="6473337"/>
             <a:ext cx="228600" cy="191770"/>
           </a:xfrm>
-          <a:prstGeom prst="rect"/>
+          <a:prstGeom prst="rect">
+            <a:avLst/>
+          </a:prstGeom>
         </p:spPr>
         <p:txBody>
-          <a:bodyPr bIns="0" lIns="0" rIns="0" rtlCol="0" tIns="6985" vert="horz" wrap="square">
+          <a:bodyPr vert="horz" wrap="square" lIns="0" tIns="6985" rIns="0" bIns="0" rtlCol="0">
             <a:spAutoFit/>
           </a:bodyPr>
+          <a:lstStyle/>
           <a:p>
             <a:pPr marL="38100">
               <a:lnSpc>
@@ -5137,7 +5353,7 @@
               </a:spcBef>
             </a:pPr>
             <a:fld id="{81D60167-4931-47E6-BA6A-407CBD079E47}" type="slidenum">
-              <a:rPr dirty="0" sz="1100" spc="10">
+              <a:rPr sz="1100" spc="10" dirty="0">
                 <a:solidFill>
                   <a:srgbClr val="2D936B"/>
                 </a:solidFill>
@@ -5155,11 +5371,23 @@
       </p:sp>
       <p:graphicFrame>
         <p:nvGraphicFramePr>
-          <p:cNvPr id="4194304" name="Chart 10"/>
+          <p:cNvPr id="11" name="Chart 10">
+            <a:extLst>
+              <a:ext uri="{FF2B5EF4-FFF2-40B4-BE49-F238E27FC236}">
+                <a16:creationId xmlns:a16="http://schemas.microsoft.com/office/drawing/2014/main" id="{2FE4AB5F-7B3E-CB26-F897-ABC432542FA9}"/>
+              </a:ext>
+            </a:extLst>
+          </p:cNvPr>
           <p:cNvGraphicFramePr>
             <a:graphicFrameLocks/>
           </p:cNvGraphicFramePr>
-          <p:nvPr/>
+          <p:nvPr>
+            <p:extLst>
+              <p:ext uri="{D42A27DB-BD31-4B8C-83A1-F6EECF244321}">
+                <p14:modId xmlns:p14="http://schemas.microsoft.com/office/powerpoint/2010/main" val="4121679503"/>
+              </p:ext>
+            </p:extLst>
+          </p:nvPr>
         </p:nvGraphicFramePr>
         <p:xfrm>
           <a:off x="755332" y="1592824"/>
@@ -5167,7 +5395,7 @@
         </p:xfrm>
         <a:graphic>
           <a:graphicData uri="http://schemas.openxmlformats.org/drawingml/2006/chart">
-            <c:chart xmlns:c="http://schemas.openxmlformats.org/drawingml/2006/chart" xmlns:r="http://schemas.openxmlformats.org/officeDocument/2006/relationships" r:id="rId1"/>
+            <c:chart xmlns:c="http://schemas.openxmlformats.org/drawingml/2006/chart" xmlns:r="http://schemas.openxmlformats.org/officeDocument/2006/relationships" r:id="rId3"/>
           </a:graphicData>
         </a:graphic>
       </p:graphicFrame>
@@ -5184,7 +5412,7 @@
   <p:cSld>
     <p:spTree>
       <p:nvGrpSpPr>
-        <p:cNvPr id="43" name=""/>
+        <p:cNvPr id="1" name=""/>
         <p:cNvGrpSpPr/>
         <p:nvPr/>
       </p:nvGrpSpPr>
@@ -5198,7 +5426,13 @@
       </p:grpSpPr>
       <p:sp>
         <p:nvSpPr>
-          <p:cNvPr id="1048692" name="Title 1"/>
+          <p:cNvPr id="2" name="Title 1">
+            <a:extLst>
+              <a:ext uri="{FF2B5EF4-FFF2-40B4-BE49-F238E27FC236}">
+                <a16:creationId xmlns:a16="http://schemas.microsoft.com/office/drawing/2014/main" id="{F9A5CB5B-BDD0-5A64-1A7C-37D3C88F8F9E}"/>
+              </a:ext>
+            </a:extLst>
+          </p:cNvPr>
           <p:cNvSpPr>
             <a:spLocks noGrp="1"/>
           </p:cNvSpPr>
@@ -5206,23 +5440,19 @@
             <p:ph type="title"/>
           </p:nvPr>
         </p:nvSpPr>
-        <p:spPr>
-          <a:xfrm>
-            <a:off x="755332" y="385444"/>
-            <a:ext cx="10681335" cy="723901"/>
-          </a:xfrm>
-        </p:spPr>
+        <p:spPr/>
         <p:txBody>
           <a:bodyPr/>
-          <a:p>
-            <a:r>
-              <a:rPr dirty="0" lang="en-US">
+          <a:lstStyle/>
+          <a:p>
+            <a:r>
+              <a:rPr lang="en-US" dirty="0">
                 <a:latin typeface="Times New Roman" panose="02020603050405020304" pitchFamily="18" charset="0"/>
                 <a:cs typeface="Times New Roman" panose="02020603050405020304" pitchFamily="18" charset="0"/>
               </a:rPr>
               <a:t>conclusion</a:t>
             </a:r>
-            <a:endParaRPr dirty="0" lang="en-IN">
+            <a:endParaRPr lang="en-IN" dirty="0">
               <a:latin typeface="Times New Roman" panose="02020603050405020304" pitchFamily="18" charset="0"/>
               <a:cs typeface="Times New Roman" panose="02020603050405020304" pitchFamily="18" charset="0"/>
             </a:endParaRPr>
@@ -5231,7 +5461,13 @@
       </p:sp>
       <p:sp>
         <p:nvSpPr>
-          <p:cNvPr id="1048693" name="Text Placeholder 2"/>
+          <p:cNvPr id="3" name="Text Placeholder 2">
+            <a:extLst>
+              <a:ext uri="{FF2B5EF4-FFF2-40B4-BE49-F238E27FC236}">
+                <a16:creationId xmlns:a16="http://schemas.microsoft.com/office/drawing/2014/main" id="{86D5D87F-EB05-6253-2C47-654A875B0963}"/>
+              </a:ext>
+            </a:extLst>
+          </p:cNvPr>
           <p:cNvSpPr>
             <a:spLocks noGrp="1"/>
           </p:cNvSpPr>
@@ -5242,21 +5478,27 @@
         <p:spPr>
           <a:xfrm>
             <a:off x="609600" y="1577340"/>
-            <a:ext cx="7985760" cy="4267199"/>
+            <a:ext cx="7985760" cy="4062651"/>
           </a:xfrm>
         </p:spPr>
         <p:txBody>
           <a:bodyPr/>
+          <a:lstStyle/>
           <a:p>
             <a:pPr algn="just"/>
             <a:r>
-              <a:rPr sz="2400" lang="en-US"/>
+              <a:rPr lang="en-US" sz="2400"/>
               <a:t>The employee performance analysis using Excel by rating provides a comprehensive, data-driven approach to evaluating individual and team performance. By systematically assessing key metrics, organizations can identify strengths, address weaknesses, and align employee goals with overall business objectives. The analysis enables informed decision-making for HR managers and leaders, fostering a culture of continuous improvement and enhancing overall productivity. This method not only streamlines performance evaluations but also empowers employees to take ownership of their development and contribute more effectively to the organization's success.</a:t>
             </a:r>
           </a:p>
         </p:txBody>
       </p:sp>
     </p:spTree>
+    <p:extLst>
+      <p:ext uri="{BB962C8B-B14F-4D97-AF65-F5344CB8AC3E}">
+        <p14:creationId xmlns:p14="http://schemas.microsoft.com/office/powerpoint/2010/main" val="2986442291"/>
+      </p:ext>
+    </p:extLst>
   </p:cSld>
   <p:clrMapOvr>
     <a:masterClrMapping/>
@@ -5269,7 +5511,7 @@
   <p:cSld>
     <p:spTree>
       <p:nvGrpSpPr>
-        <p:cNvPr id="26" name=""/>
+        <p:cNvPr id="1" name=""/>
         <p:cNvGrpSpPr/>
         <p:nvPr/>
       </p:nvGrpSpPr>
@@ -5283,7 +5525,7 @@
       </p:grpSpPr>
       <p:sp>
         <p:nvSpPr>
-          <p:cNvPr id="1048610" name="object 2"/>
+          <p:cNvPr id="2" name="object 2"/>
           <p:cNvSpPr/>
           <p:nvPr/>
         </p:nvSpPr>
@@ -5294,7 +5536,9 @@
           </a:xfrm>
           <a:custGeom>
             <a:avLst/>
+            <a:gdLst/>
             <a:ahLst/>
+            <a:cxnLst/>
             <a:rect l="l" t="t" r="r" b="b"/>
             <a:pathLst>
               <a:path w="12192000" h="6858000">
@@ -5322,7 +5566,8 @@
           </a:solidFill>
         </p:spPr>
         <p:txBody>
-          <a:bodyPr bIns="0" lIns="0" rIns="0" rtlCol="0" tIns="0" wrap="square"/>
+          <a:bodyPr wrap="square" lIns="0" tIns="0" rIns="0" bIns="0" rtlCol="0"/>
+          <a:lstStyle/>
           <a:p>
             <a:endParaRPr dirty="0">
               <a:latin typeface="Times New Roman" panose="02020603050405020304" pitchFamily="18" charset="0"/>
@@ -5333,7 +5578,7 @@
       </p:sp>
       <p:grpSp>
         <p:nvGrpSpPr>
-          <p:cNvPr id="27" name="object 3"/>
+          <p:cNvPr id="3" name="object 3"/>
           <p:cNvGrpSpPr/>
           <p:nvPr/>
         </p:nvGrpSpPr>
@@ -5347,7 +5592,7 @@
         </p:grpSpPr>
         <p:sp>
           <p:nvSpPr>
-            <p:cNvPr id="1048611" name="object 4"/>
+            <p:cNvPr id="4" name="object 4"/>
             <p:cNvSpPr/>
             <p:nvPr/>
           </p:nvSpPr>
@@ -5358,7 +5603,9 @@
             </a:xfrm>
             <a:custGeom>
               <a:avLst/>
+              <a:gdLst/>
               <a:ahLst/>
+              <a:cxnLst/>
               <a:rect l="l" t="t" r="r" b="b"/>
               <a:pathLst>
                 <a:path w="1218565" h="6853555">
@@ -5378,13 +5625,16 @@
             </a:ln>
           </p:spPr>
           <p:txBody>
-            <a:bodyPr bIns="0" lIns="0" rIns="0" rtlCol="0" tIns="0" wrap="square"/>
-            <a:p/>
+            <a:bodyPr wrap="square" lIns="0" tIns="0" rIns="0" bIns="0" rtlCol="0"/>
+            <a:lstStyle/>
+            <a:p>
+              <a:endParaRPr/>
+            </a:p>
           </p:txBody>
         </p:sp>
         <p:sp>
           <p:nvSpPr>
-            <p:cNvPr id="1048612" name="object 5"/>
+            <p:cNvPr id="5" name="object 5"/>
             <p:cNvSpPr/>
             <p:nvPr/>
           </p:nvSpPr>
@@ -5395,7 +5645,9 @@
             </a:xfrm>
             <a:custGeom>
               <a:avLst/>
+              <a:gdLst/>
               <a:ahLst/>
+              <a:cxnLst/>
               <a:rect l="l" t="t" r="r" b="b"/>
               <a:pathLst>
                 <a:path w="4743450" h="3163570">
@@ -5415,13 +5667,16 @@
             </a:ln>
           </p:spPr>
           <p:txBody>
-            <a:bodyPr bIns="0" lIns="0" rIns="0" rtlCol="0" tIns="0" wrap="square"/>
-            <a:p/>
+            <a:bodyPr wrap="square" lIns="0" tIns="0" rIns="0" bIns="0" rtlCol="0"/>
+            <a:lstStyle/>
+            <a:p>
+              <a:endParaRPr/>
+            </a:p>
           </p:txBody>
         </p:sp>
         <p:sp>
           <p:nvSpPr>
-            <p:cNvPr id="1048613" name="object 6"/>
+            <p:cNvPr id="6" name="object 6"/>
             <p:cNvSpPr/>
             <p:nvPr/>
           </p:nvSpPr>
@@ -5432,7 +5687,9 @@
             </a:xfrm>
             <a:custGeom>
               <a:avLst/>
+              <a:gdLst/>
               <a:ahLst/>
+              <a:cxnLst/>
               <a:rect l="l" t="t" r="r" b="b"/>
               <a:pathLst>
                 <a:path w="3009900" h="6858000">
@@ -5462,13 +5719,16 @@
             </a:solidFill>
           </p:spPr>
           <p:txBody>
-            <a:bodyPr bIns="0" lIns="0" rIns="0" rtlCol="0" tIns="0" wrap="square"/>
-            <a:p/>
+            <a:bodyPr wrap="square" lIns="0" tIns="0" rIns="0" bIns="0" rtlCol="0"/>
+            <a:lstStyle/>
+            <a:p>
+              <a:endParaRPr/>
+            </a:p>
           </p:txBody>
         </p:sp>
         <p:sp>
           <p:nvSpPr>
-            <p:cNvPr id="1048614" name="object 7"/>
+            <p:cNvPr id="7" name="object 7"/>
             <p:cNvSpPr/>
             <p:nvPr/>
           </p:nvSpPr>
@@ -5479,7 +5739,9 @@
             </a:xfrm>
             <a:custGeom>
               <a:avLst/>
+              <a:gdLst/>
               <a:ahLst/>
+              <a:cxnLst/>
               <a:rect l="l" t="t" r="r" b="b"/>
               <a:pathLst>
                 <a:path w="2589529" h="6858000">
@@ -5509,13 +5771,16 @@
             </a:solidFill>
           </p:spPr>
           <p:txBody>
-            <a:bodyPr bIns="0" lIns="0" rIns="0" rtlCol="0" tIns="0" wrap="square"/>
-            <a:p/>
+            <a:bodyPr wrap="square" lIns="0" tIns="0" rIns="0" bIns="0" rtlCol="0"/>
+            <a:lstStyle/>
+            <a:p>
+              <a:endParaRPr/>
+            </a:p>
           </p:txBody>
         </p:sp>
         <p:sp>
           <p:nvSpPr>
-            <p:cNvPr id="1048615" name="object 8"/>
+            <p:cNvPr id="8" name="object 8"/>
             <p:cNvSpPr/>
             <p:nvPr/>
           </p:nvSpPr>
@@ -5526,7 +5791,9 @@
             </a:xfrm>
             <a:custGeom>
               <a:avLst/>
+              <a:gdLst/>
               <a:ahLst/>
+              <a:cxnLst/>
               <a:rect l="l" t="t" r="r" b="b"/>
               <a:pathLst>
                 <a:path w="3257550" h="3810000">
@@ -5553,13 +5820,16 @@
             </a:solidFill>
           </p:spPr>
           <p:txBody>
-            <a:bodyPr bIns="0" lIns="0" rIns="0" rtlCol="0" tIns="0" wrap="square"/>
-            <a:p/>
+            <a:bodyPr wrap="square" lIns="0" tIns="0" rIns="0" bIns="0" rtlCol="0"/>
+            <a:lstStyle/>
+            <a:p>
+              <a:endParaRPr/>
+            </a:p>
           </p:txBody>
         </p:sp>
         <p:sp>
           <p:nvSpPr>
-            <p:cNvPr id="1048616" name="object 9"/>
+            <p:cNvPr id="9" name="object 9"/>
             <p:cNvSpPr/>
             <p:nvPr/>
           </p:nvSpPr>
@@ -5570,7 +5840,9 @@
             </a:xfrm>
             <a:custGeom>
               <a:avLst/>
+              <a:gdLst/>
               <a:ahLst/>
+              <a:cxnLst/>
               <a:rect l="l" t="t" r="r" b="b"/>
               <a:pathLst>
                 <a:path w="2854325" h="6858000">
@@ -5600,13 +5872,16 @@
             </a:solidFill>
           </p:spPr>
           <p:txBody>
-            <a:bodyPr bIns="0" lIns="0" rIns="0" rtlCol="0" tIns="0" wrap="square"/>
-            <a:p/>
+            <a:bodyPr wrap="square" lIns="0" tIns="0" rIns="0" bIns="0" rtlCol="0"/>
+            <a:lstStyle/>
+            <a:p>
+              <a:endParaRPr/>
+            </a:p>
           </p:txBody>
         </p:sp>
         <p:sp>
           <p:nvSpPr>
-            <p:cNvPr id="1048617" name="object 10"/>
+            <p:cNvPr id="10" name="object 10"/>
             <p:cNvSpPr/>
             <p:nvPr/>
           </p:nvSpPr>
@@ -5617,7 +5892,9 @@
             </a:xfrm>
             <a:custGeom>
               <a:avLst/>
+              <a:gdLst/>
               <a:ahLst/>
+              <a:cxnLst/>
               <a:rect l="l" t="t" r="r" b="b"/>
               <a:pathLst>
                 <a:path w="1295400" h="6858000">
@@ -5647,13 +5924,16 @@
             </a:solidFill>
           </p:spPr>
           <p:txBody>
-            <a:bodyPr bIns="0" lIns="0" rIns="0" rtlCol="0" tIns="0" wrap="square"/>
-            <a:p/>
+            <a:bodyPr wrap="square" lIns="0" tIns="0" rIns="0" bIns="0" rtlCol="0"/>
+            <a:lstStyle/>
+            <a:p>
+              <a:endParaRPr/>
+            </a:p>
           </p:txBody>
         </p:sp>
         <p:sp>
           <p:nvSpPr>
-            <p:cNvPr id="1048618" name="object 11"/>
+            <p:cNvPr id="11" name="object 11"/>
             <p:cNvSpPr/>
             <p:nvPr/>
           </p:nvSpPr>
@@ -5664,7 +5944,9 @@
             </a:xfrm>
             <a:custGeom>
               <a:avLst/>
+              <a:gdLst/>
               <a:ahLst/>
+              <a:cxnLst/>
               <a:rect l="l" t="t" r="r" b="b"/>
               <a:pathLst>
                 <a:path w="1256029" h="6858000">
@@ -5694,13 +5976,16 @@
             </a:solidFill>
           </p:spPr>
           <p:txBody>
-            <a:bodyPr bIns="0" lIns="0" rIns="0" rtlCol="0" tIns="0" wrap="square"/>
-            <a:p/>
+            <a:bodyPr wrap="square" lIns="0" tIns="0" rIns="0" bIns="0" rtlCol="0"/>
+            <a:lstStyle/>
+            <a:p>
+              <a:endParaRPr/>
+            </a:p>
           </p:txBody>
         </p:sp>
         <p:sp>
           <p:nvSpPr>
-            <p:cNvPr id="1048619" name="object 12"/>
+            <p:cNvPr id="12" name="object 12"/>
             <p:cNvSpPr/>
             <p:nvPr/>
           </p:nvSpPr>
@@ -5711,7 +5996,9 @@
             </a:xfrm>
             <a:custGeom>
               <a:avLst/>
+              <a:gdLst/>
               <a:ahLst/>
+              <a:cxnLst/>
               <a:rect l="l" t="t" r="r" b="b"/>
               <a:pathLst>
                 <a:path w="1819275" h="3267075">
@@ -5738,14 +6025,17 @@
             </a:solidFill>
           </p:spPr>
           <p:txBody>
-            <a:bodyPr bIns="0" lIns="0" rIns="0" rtlCol="0" tIns="0" wrap="square"/>
-            <a:p/>
+            <a:bodyPr wrap="square" lIns="0" tIns="0" rIns="0" bIns="0" rtlCol="0"/>
+            <a:lstStyle/>
+            <a:p>
+              <a:endParaRPr/>
+            </a:p>
           </p:txBody>
         </p:sp>
       </p:grpSp>
       <p:sp>
         <p:nvSpPr>
-          <p:cNvPr id="1048620" name="object 13"/>
+          <p:cNvPr id="13" name="object 13"/>
           <p:cNvSpPr/>
           <p:nvPr/>
         </p:nvSpPr>
@@ -5756,7 +6046,9 @@
           </a:xfrm>
           <a:custGeom>
             <a:avLst/>
+            <a:gdLst/>
             <a:ahLst/>
+            <a:cxnLst/>
             <a:rect l="l" t="t" r="r" b="b"/>
             <a:pathLst>
               <a:path w="447675" h="2847975">
@@ -5783,13 +6075,16 @@
           </a:solidFill>
         </p:spPr>
         <p:txBody>
-          <a:bodyPr bIns="0" lIns="0" rIns="0" rtlCol="0" tIns="0" wrap="square"/>
-          <a:p/>
+          <a:bodyPr wrap="square" lIns="0" tIns="0" rIns="0" bIns="0" rtlCol="0"/>
+          <a:lstStyle/>
+          <a:p>
+            <a:endParaRPr/>
+          </a:p>
         </p:txBody>
       </p:sp>
       <p:sp>
         <p:nvSpPr>
-          <p:cNvPr id="1048621" name="object 14"/>
+          <p:cNvPr id="14" name="object 14"/>
           <p:cNvSpPr/>
           <p:nvPr/>
         </p:nvSpPr>
@@ -5800,7 +6095,9 @@
           </a:xfrm>
           <a:custGeom>
             <a:avLst/>
+            <a:gdLst/>
             <a:ahLst/>
+            <a:cxnLst/>
             <a:rect l="l" t="t" r="r" b="b"/>
             <a:pathLst>
               <a:path w="457200" h="457200">
@@ -5828,13 +6125,16 @@
           </a:solidFill>
         </p:spPr>
         <p:txBody>
-          <a:bodyPr bIns="0" lIns="0" rIns="0" rtlCol="0" tIns="0" wrap="square"/>
-          <a:p/>
+          <a:bodyPr wrap="square" lIns="0" tIns="0" rIns="0" bIns="0" rtlCol="0"/>
+          <a:lstStyle/>
+          <a:p>
+            <a:endParaRPr/>
+          </a:p>
         </p:txBody>
       </p:sp>
       <p:sp>
         <p:nvSpPr>
-          <p:cNvPr id="1048622" name="object 15"/>
+          <p:cNvPr id="15" name="object 15"/>
           <p:cNvSpPr/>
           <p:nvPr/>
         </p:nvSpPr>
@@ -5845,7 +6145,9 @@
           </a:xfrm>
           <a:custGeom>
             <a:avLst/>
+            <a:gdLst/>
             <a:ahLst/>
+            <a:cxnLst/>
             <a:rect l="l" t="t" r="r" b="b"/>
             <a:pathLst>
               <a:path w="314325" h="323850">
@@ -5873,13 +6175,16 @@
           </a:solidFill>
         </p:spPr>
         <p:txBody>
-          <a:bodyPr bIns="0" lIns="0" rIns="0" rtlCol="0" tIns="0" wrap="square"/>
-          <a:p/>
+          <a:bodyPr wrap="square" lIns="0" tIns="0" rIns="0" bIns="0" rtlCol="0"/>
+          <a:lstStyle/>
+          <a:p>
+            <a:endParaRPr/>
+          </a:p>
         </p:txBody>
       </p:sp>
       <p:sp>
         <p:nvSpPr>
-          <p:cNvPr id="1048623" name="object 16"/>
+          <p:cNvPr id="16" name="object 16"/>
           <p:cNvSpPr/>
           <p:nvPr/>
         </p:nvSpPr>
@@ -5890,7 +6195,9 @@
           </a:xfrm>
           <a:custGeom>
             <a:avLst/>
+            <a:gdLst/>
             <a:ahLst/>
+            <a:cxnLst/>
             <a:rect l="l" t="t" r="r" b="b"/>
             <a:pathLst>
               <a:path w="180975" h="180975">
@@ -5918,13 +6225,16 @@
           </a:solidFill>
         </p:spPr>
         <p:txBody>
-          <a:bodyPr bIns="0" lIns="0" rIns="0" rtlCol="0" tIns="0" wrap="square"/>
-          <a:p/>
+          <a:bodyPr wrap="square" lIns="0" tIns="0" rIns="0" bIns="0" rtlCol="0"/>
+          <a:lstStyle/>
+          <a:p>
+            <a:endParaRPr/>
+          </a:p>
         </p:txBody>
       </p:sp>
       <p:sp>
         <p:nvSpPr>
-          <p:cNvPr id="1048624" name="object 17"/>
+          <p:cNvPr id="17" name="object 17"/>
           <p:cNvSpPr txBox="1">
             <a:spLocks noGrp="1"/>
           </p:cNvSpPr>
@@ -5935,14 +6245,17 @@
         <p:spPr>
           <a:xfrm>
             <a:off x="739775" y="829627"/>
-            <a:ext cx="3909695" cy="1261110"/>
+            <a:ext cx="3909695" cy="678180"/>
           </a:xfrm>
-          <a:prstGeom prst="rect"/>
+          <a:prstGeom prst="rect">
+            <a:avLst/>
+          </a:prstGeom>
         </p:spPr>
         <p:txBody>
-          <a:bodyPr bIns="0" lIns="0" rIns="0" rtlCol="0" tIns="16510" vert="horz" wrap="square">
+          <a:bodyPr vert="horz" wrap="square" lIns="0" tIns="16510" rIns="0" bIns="0" rtlCol="0">
             <a:spAutoFit/>
           </a:bodyPr>
+          <a:lstStyle/>
           <a:p>
             <a:pPr marL="12700">
               <a:lnSpc>
@@ -5953,15 +6266,15 @@
               </a:spcBef>
             </a:pPr>
             <a:r>
-              <a:rPr dirty="0" sz="4250" spc="5"/>
+              <a:rPr sz="4250" spc="5" dirty="0"/>
               <a:t>PROJECT</a:t>
             </a:r>
             <a:r>
-              <a:rPr dirty="0" sz="4250" spc="-85"/>
+              <a:rPr sz="4250" spc="-85" dirty="0"/>
               <a:t> </a:t>
             </a:r>
             <a:r>
-              <a:rPr dirty="0" sz="4250" spc="25"/>
+              <a:rPr sz="4250" spc="25" dirty="0"/>
               <a:t>TITLE</a:t>
             </a:r>
             <a:endParaRPr sz="4250"/>
@@ -5970,7 +6283,7 @@
       </p:sp>
       <p:grpSp>
         <p:nvGrpSpPr>
-          <p:cNvPr id="28" name="object 18"/>
+          <p:cNvPr id="18" name="object 18"/>
           <p:cNvGrpSpPr/>
           <p:nvPr/>
         </p:nvGrpSpPr>
@@ -5984,14 +6297,12 @@
         </p:grpSpPr>
         <p:pic>
           <p:nvPicPr>
-            <p:cNvPr id="2097153" name="object 19"/>
-            <p:cNvPicPr>
-              <a:picLocks/>
-            </p:cNvPicPr>
+            <p:cNvPr id="19" name="object 19"/>
+            <p:cNvPicPr/>
             <p:nvPr/>
           </p:nvPicPr>
           <p:blipFill>
-            <a:blip xmlns:r="http://schemas.openxmlformats.org/officeDocument/2006/relationships" r:embed="rId1" cstate="print"/>
+            <a:blip r:embed="rId2" cstate="print"/>
             <a:stretch>
               <a:fillRect/>
             </a:stretch>
@@ -6001,19 +6312,19 @@
               <a:off x="676275" y="6467475"/>
               <a:ext cx="2143125" cy="200025"/>
             </a:xfrm>
-            <a:prstGeom prst="rect"/>
+            <a:prstGeom prst="rect">
+              <a:avLst/>
+            </a:prstGeom>
           </p:spPr>
         </p:pic>
         <p:pic>
           <p:nvPicPr>
-            <p:cNvPr id="2097154" name="object 20"/>
-            <p:cNvPicPr>
-              <a:picLocks/>
-            </p:cNvPicPr>
+            <p:cNvPr id="20" name="object 20"/>
+            <p:cNvPicPr/>
             <p:nvPr/>
           </p:nvPicPr>
           <p:blipFill>
-            <a:blip xmlns:r="http://schemas.openxmlformats.org/officeDocument/2006/relationships" r:embed="rId2" cstate="print"/>
+            <a:blip r:embed="rId3" cstate="print"/>
             <a:stretch>
               <a:fillRect/>
             </a:stretch>
@@ -6023,13 +6334,15 @@
               <a:off x="466725" y="6410325"/>
               <a:ext cx="3705225" cy="295275"/>
             </a:xfrm>
-            <a:prstGeom prst="rect"/>
+            <a:prstGeom prst="rect">
+              <a:avLst/>
+            </a:prstGeom>
           </p:spPr>
         </p:pic>
       </p:grpSp>
       <p:sp>
         <p:nvSpPr>
-          <p:cNvPr id="1048625" name="object 22"/>
+          <p:cNvPr id="22" name="object 22"/>
           <p:cNvSpPr txBox="1">
             <a:spLocks noGrp="1"/>
           </p:cNvSpPr>
@@ -6038,12 +6351,15 @@
           </p:nvPr>
         </p:nvSpPr>
         <p:spPr>
-          <a:prstGeom prst="rect"/>
+          <a:prstGeom prst="rect">
+            <a:avLst/>
+          </a:prstGeom>
         </p:spPr>
         <p:txBody>
-          <a:bodyPr bIns="0" lIns="0" rIns="0" rtlCol="0" tIns="6985" vert="horz" wrap="square">
+          <a:bodyPr vert="horz" wrap="square" lIns="0" tIns="6985" rIns="0" bIns="0" rtlCol="0">
             <a:spAutoFit/>
           </a:bodyPr>
+          <a:lstStyle/>
           <a:p>
             <a:pPr marL="38100">
               <a:lnSpc>
@@ -6054,34 +6370,43 @@
               </a:spcBef>
             </a:pPr>
             <a:fld id="{81D60167-4931-47E6-BA6A-407CBD079E47}" type="slidenum">
-              <a:rPr dirty="0" spc="10"/>
+              <a:rPr spc="10" dirty="0"/>
               <a:t>2</a:t>
             </a:fld>
-            <a:endParaRPr dirty="0" spc="10"/>
+            <a:endParaRPr spc="10" dirty="0"/>
           </a:p>
         </p:txBody>
       </p:sp>
       <p:sp>
         <p:nvSpPr>
-          <p:cNvPr id="1048626" name="TextBox 22"/>
+          <p:cNvPr id="23" name="TextBox 22">
+            <a:extLst>
+              <a:ext uri="{FF2B5EF4-FFF2-40B4-BE49-F238E27FC236}">
+                <a16:creationId xmlns:a16="http://schemas.microsoft.com/office/drawing/2014/main" id="{F691EEC8-E83B-8506-163B-F39E906CCC0A}"/>
+              </a:ext>
+            </a:extLst>
+          </p:cNvPr>
           <p:cNvSpPr txBox="1"/>
           <p:nvPr/>
         </p:nvSpPr>
         <p:spPr>
           <a:xfrm>
             <a:off x="1217522" y="2123271"/>
-            <a:ext cx="8593228" cy="1412241"/>
+            <a:ext cx="8593228" cy="1446550"/>
           </a:xfrm>
-          <a:prstGeom prst="rect"/>
+          <a:prstGeom prst="rect">
+            <a:avLst/>
+          </a:prstGeom>
           <a:noFill/>
         </p:spPr>
         <p:txBody>
-          <a:bodyPr rtlCol="0" wrap="square">
+          <a:bodyPr wrap="square" rtlCol="0">
             <a:spAutoFit/>
           </a:bodyPr>
-          <a:p>
-            <a:r>
-              <a:rPr b="1" dirty="0" sz="4400" lang="en-US">
+          <a:lstStyle/>
+          <a:p>
+            <a:r>
+              <a:rPr lang="en-US" sz="4400" b="1" dirty="0">
                 <a:solidFill>
                   <a:srgbClr val="0F0F0F"/>
                 </a:solidFill>
@@ -6091,7 +6416,7 @@
               <a:t>Employee </a:t>
             </a:r>
             <a:r>
-              <a:rPr b="1" dirty="0" sz="4400" lang="en-GB">
+              <a:rPr lang="en-GB" sz="4400" b="1" dirty="0">
                 <a:solidFill>
                   <a:srgbClr val="0F0F0F"/>
                 </a:solidFill>
@@ -6101,7 +6426,7 @@
               <a:t>Performance </a:t>
             </a:r>
             <a:r>
-              <a:rPr b="1" dirty="0" sz="4400" lang="en-US">
+              <a:rPr lang="en-US" sz="4400" b="1" dirty="0">
                 <a:solidFill>
                   <a:srgbClr val="0F0F0F"/>
                 </a:solidFill>
@@ -6110,7 +6435,7 @@
               </a:rPr>
               <a:t>Analysis using Excel</a:t>
             </a:r>
-            <a:endParaRPr dirty="0" sz="2800" lang="en-IN">
+            <a:endParaRPr lang="en-IN" sz="2800" dirty="0">
               <a:solidFill>
                 <a:srgbClr val="7030A0"/>
               </a:solidFill>
@@ -6133,7 +6458,7 @@
   <p:cSld>
     <p:spTree>
       <p:nvGrpSpPr>
-        <p:cNvPr id="29" name=""/>
+        <p:cNvPr id="1" name=""/>
         <p:cNvGrpSpPr/>
         <p:nvPr/>
       </p:nvGrpSpPr>
@@ -6147,7 +6472,7 @@
       </p:grpSpPr>
       <p:sp>
         <p:nvSpPr>
-          <p:cNvPr id="1048627" name="object 2"/>
+          <p:cNvPr id="2" name="object 2"/>
           <p:cNvSpPr/>
           <p:nvPr/>
         </p:nvSpPr>
@@ -6158,7 +6483,9 @@
           </a:xfrm>
           <a:custGeom>
             <a:avLst/>
+            <a:gdLst/>
             <a:ahLst/>
+            <a:cxnLst/>
             <a:rect l="l" t="t" r="r" b="b"/>
             <a:pathLst>
               <a:path w="12192000" h="6858000">
@@ -6186,7 +6513,8 @@
           </a:solidFill>
         </p:spPr>
         <p:txBody>
-          <a:bodyPr bIns="0" lIns="0" rIns="0" rtlCol="0" tIns="0" wrap="square"/>
+          <a:bodyPr wrap="square" lIns="0" tIns="0" rIns="0" bIns="0" rtlCol="0"/>
+          <a:lstStyle/>
           <a:p>
             <a:endParaRPr dirty="0"/>
           </a:p>
@@ -6194,7 +6522,7 @@
       </p:sp>
       <p:grpSp>
         <p:nvGrpSpPr>
-          <p:cNvPr id="30" name="object 3"/>
+          <p:cNvPr id="3" name="object 3"/>
           <p:cNvGrpSpPr/>
           <p:nvPr/>
         </p:nvGrpSpPr>
@@ -6208,7 +6536,7 @@
         </p:grpSpPr>
         <p:sp>
           <p:nvSpPr>
-            <p:cNvPr id="1048628" name="object 4"/>
+            <p:cNvPr id="4" name="object 4"/>
             <p:cNvSpPr/>
             <p:nvPr/>
           </p:nvSpPr>
@@ -6219,7 +6547,9 @@
             </a:xfrm>
             <a:custGeom>
               <a:avLst/>
+              <a:gdLst/>
               <a:ahLst/>
+              <a:cxnLst/>
               <a:rect l="l" t="t" r="r" b="b"/>
               <a:pathLst>
                 <a:path w="1218565" h="6853555">
@@ -6239,13 +6569,16 @@
             </a:ln>
           </p:spPr>
           <p:txBody>
-            <a:bodyPr bIns="0" lIns="0" rIns="0" rtlCol="0" tIns="0" wrap="square"/>
-            <a:p/>
+            <a:bodyPr wrap="square" lIns="0" tIns="0" rIns="0" bIns="0" rtlCol="0"/>
+            <a:lstStyle/>
+            <a:p>
+              <a:endParaRPr/>
+            </a:p>
           </p:txBody>
         </p:sp>
         <p:sp>
           <p:nvSpPr>
-            <p:cNvPr id="1048629" name="object 5"/>
+            <p:cNvPr id="5" name="object 5"/>
             <p:cNvSpPr/>
             <p:nvPr/>
           </p:nvSpPr>
@@ -6256,7 +6589,9 @@
             </a:xfrm>
             <a:custGeom>
               <a:avLst/>
+              <a:gdLst/>
               <a:ahLst/>
+              <a:cxnLst/>
               <a:rect l="l" t="t" r="r" b="b"/>
               <a:pathLst>
                 <a:path w="4743450" h="3163570">
@@ -6276,13 +6611,16 @@
             </a:ln>
           </p:spPr>
           <p:txBody>
-            <a:bodyPr bIns="0" lIns="0" rIns="0" rtlCol="0" tIns="0" wrap="square"/>
-            <a:p/>
+            <a:bodyPr wrap="square" lIns="0" tIns="0" rIns="0" bIns="0" rtlCol="0"/>
+            <a:lstStyle/>
+            <a:p>
+              <a:endParaRPr/>
+            </a:p>
           </p:txBody>
         </p:sp>
         <p:sp>
           <p:nvSpPr>
-            <p:cNvPr id="1048630" name="object 6"/>
+            <p:cNvPr id="6" name="object 6"/>
             <p:cNvSpPr/>
             <p:nvPr/>
           </p:nvSpPr>
@@ -6293,7 +6631,9 @@
             </a:xfrm>
             <a:custGeom>
               <a:avLst/>
+              <a:gdLst/>
               <a:ahLst/>
+              <a:cxnLst/>
               <a:rect l="l" t="t" r="r" b="b"/>
               <a:pathLst>
                 <a:path w="3009900" h="6858000">
@@ -6323,13 +6663,16 @@
             </a:solidFill>
           </p:spPr>
           <p:txBody>
-            <a:bodyPr bIns="0" lIns="0" rIns="0" rtlCol="0" tIns="0" wrap="square"/>
-            <a:p/>
+            <a:bodyPr wrap="square" lIns="0" tIns="0" rIns="0" bIns="0" rtlCol="0"/>
+            <a:lstStyle/>
+            <a:p>
+              <a:endParaRPr/>
+            </a:p>
           </p:txBody>
         </p:sp>
         <p:sp>
           <p:nvSpPr>
-            <p:cNvPr id="1048631" name="object 7"/>
+            <p:cNvPr id="7" name="object 7"/>
             <p:cNvSpPr/>
             <p:nvPr/>
           </p:nvSpPr>
@@ -6340,7 +6683,9 @@
             </a:xfrm>
             <a:custGeom>
               <a:avLst/>
+              <a:gdLst/>
               <a:ahLst/>
+              <a:cxnLst/>
               <a:rect l="l" t="t" r="r" b="b"/>
               <a:pathLst>
                 <a:path w="2589529" h="6858000">
@@ -6370,13 +6715,16 @@
             </a:solidFill>
           </p:spPr>
           <p:txBody>
-            <a:bodyPr bIns="0" lIns="0" rIns="0" rtlCol="0" tIns="0" wrap="square"/>
-            <a:p/>
+            <a:bodyPr wrap="square" lIns="0" tIns="0" rIns="0" bIns="0" rtlCol="0"/>
+            <a:lstStyle/>
+            <a:p>
+              <a:endParaRPr/>
+            </a:p>
           </p:txBody>
         </p:sp>
         <p:sp>
           <p:nvSpPr>
-            <p:cNvPr id="1048632" name="object 8"/>
+            <p:cNvPr id="8" name="object 8"/>
             <p:cNvSpPr/>
             <p:nvPr/>
           </p:nvSpPr>
@@ -6387,7 +6735,9 @@
             </a:xfrm>
             <a:custGeom>
               <a:avLst/>
+              <a:gdLst/>
               <a:ahLst/>
+              <a:cxnLst/>
               <a:rect l="l" t="t" r="r" b="b"/>
               <a:pathLst>
                 <a:path w="3257550" h="3810000">
@@ -6414,13 +6764,16 @@
             </a:solidFill>
           </p:spPr>
           <p:txBody>
-            <a:bodyPr bIns="0" lIns="0" rIns="0" rtlCol="0" tIns="0" wrap="square"/>
-            <a:p/>
+            <a:bodyPr wrap="square" lIns="0" tIns="0" rIns="0" bIns="0" rtlCol="0"/>
+            <a:lstStyle/>
+            <a:p>
+              <a:endParaRPr/>
+            </a:p>
           </p:txBody>
         </p:sp>
         <p:sp>
           <p:nvSpPr>
-            <p:cNvPr id="1048633" name="object 9"/>
+            <p:cNvPr id="9" name="object 9"/>
             <p:cNvSpPr/>
             <p:nvPr/>
           </p:nvSpPr>
@@ -6431,7 +6784,9 @@
             </a:xfrm>
             <a:custGeom>
               <a:avLst/>
+              <a:gdLst/>
               <a:ahLst/>
+              <a:cxnLst/>
               <a:rect l="l" t="t" r="r" b="b"/>
               <a:pathLst>
                 <a:path w="2854325" h="6858000">
@@ -6461,13 +6816,16 @@
             </a:solidFill>
           </p:spPr>
           <p:txBody>
-            <a:bodyPr bIns="0" lIns="0" rIns="0" rtlCol="0" tIns="0" wrap="square"/>
-            <a:p/>
+            <a:bodyPr wrap="square" lIns="0" tIns="0" rIns="0" bIns="0" rtlCol="0"/>
+            <a:lstStyle/>
+            <a:p>
+              <a:endParaRPr/>
+            </a:p>
           </p:txBody>
         </p:sp>
         <p:sp>
           <p:nvSpPr>
-            <p:cNvPr id="1048634" name="object 10"/>
+            <p:cNvPr id="10" name="object 10"/>
             <p:cNvSpPr/>
             <p:nvPr/>
           </p:nvSpPr>
@@ -6478,7 +6836,9 @@
             </a:xfrm>
             <a:custGeom>
               <a:avLst/>
+              <a:gdLst/>
               <a:ahLst/>
+              <a:cxnLst/>
               <a:rect l="l" t="t" r="r" b="b"/>
               <a:pathLst>
                 <a:path w="1295400" h="6858000">
@@ -6508,13 +6868,16 @@
             </a:solidFill>
           </p:spPr>
           <p:txBody>
-            <a:bodyPr bIns="0" lIns="0" rIns="0" rtlCol="0" tIns="0" wrap="square"/>
-            <a:p/>
+            <a:bodyPr wrap="square" lIns="0" tIns="0" rIns="0" bIns="0" rtlCol="0"/>
+            <a:lstStyle/>
+            <a:p>
+              <a:endParaRPr/>
+            </a:p>
           </p:txBody>
         </p:sp>
         <p:sp>
           <p:nvSpPr>
-            <p:cNvPr id="1048635" name="object 11"/>
+            <p:cNvPr id="11" name="object 11"/>
             <p:cNvSpPr/>
             <p:nvPr/>
           </p:nvSpPr>
@@ -6525,7 +6888,9 @@
             </a:xfrm>
             <a:custGeom>
               <a:avLst/>
+              <a:gdLst/>
               <a:ahLst/>
+              <a:cxnLst/>
               <a:rect l="l" t="t" r="r" b="b"/>
               <a:pathLst>
                 <a:path w="1256029" h="6858000">
@@ -6555,13 +6920,16 @@
             </a:solidFill>
           </p:spPr>
           <p:txBody>
-            <a:bodyPr bIns="0" lIns="0" rIns="0" rtlCol="0" tIns="0" wrap="square"/>
-            <a:p/>
+            <a:bodyPr wrap="square" lIns="0" tIns="0" rIns="0" bIns="0" rtlCol="0"/>
+            <a:lstStyle/>
+            <a:p>
+              <a:endParaRPr/>
+            </a:p>
           </p:txBody>
         </p:sp>
         <p:sp>
           <p:nvSpPr>
-            <p:cNvPr id="1048636" name="object 12"/>
+            <p:cNvPr id="12" name="object 12"/>
             <p:cNvSpPr/>
             <p:nvPr/>
           </p:nvSpPr>
@@ -6572,7 +6940,9 @@
             </a:xfrm>
             <a:custGeom>
               <a:avLst/>
+              <a:gdLst/>
               <a:ahLst/>
+              <a:cxnLst/>
               <a:rect l="l" t="t" r="r" b="b"/>
               <a:pathLst>
                 <a:path w="1819275" h="3267075">
@@ -6599,14 +6969,17 @@
             </a:solidFill>
           </p:spPr>
           <p:txBody>
-            <a:bodyPr bIns="0" lIns="0" rIns="0" rtlCol="0" tIns="0" wrap="square"/>
-            <a:p/>
+            <a:bodyPr wrap="square" lIns="0" tIns="0" rIns="0" bIns="0" rtlCol="0"/>
+            <a:lstStyle/>
+            <a:p>
+              <a:endParaRPr/>
+            </a:p>
           </p:txBody>
         </p:sp>
       </p:grpSp>
       <p:sp>
         <p:nvSpPr>
-          <p:cNvPr id="1048637" name="object 13"/>
+          <p:cNvPr id="13" name="object 13"/>
           <p:cNvSpPr/>
           <p:nvPr/>
         </p:nvSpPr>
@@ -6617,7 +6990,9 @@
           </a:xfrm>
           <a:custGeom>
             <a:avLst/>
+            <a:gdLst/>
             <a:ahLst/>
+            <a:cxnLst/>
             <a:rect l="l" t="t" r="r" b="b"/>
             <a:pathLst>
               <a:path w="447675" h="2847975">
@@ -6644,13 +7019,16 @@
           </a:solidFill>
         </p:spPr>
         <p:txBody>
-          <a:bodyPr bIns="0" lIns="0" rIns="0" rtlCol="0" tIns="0" wrap="square"/>
-          <a:p/>
+          <a:bodyPr wrap="square" lIns="0" tIns="0" rIns="0" bIns="0" rtlCol="0"/>
+          <a:lstStyle/>
+          <a:p>
+            <a:endParaRPr/>
+          </a:p>
         </p:txBody>
       </p:sp>
       <p:sp>
         <p:nvSpPr>
-          <p:cNvPr id="1048638" name="object 14"/>
+          <p:cNvPr id="14" name="object 14"/>
           <p:cNvSpPr txBox="1"/>
           <p:nvPr/>
         </p:nvSpPr>
@@ -6659,12 +7037,15 @@
             <a:off x="752475" y="6486037"/>
             <a:ext cx="1773555" cy="166370"/>
           </a:xfrm>
-          <a:prstGeom prst="rect"/>
+          <a:prstGeom prst="rect">
+            <a:avLst/>
+          </a:prstGeom>
         </p:spPr>
         <p:txBody>
-          <a:bodyPr bIns="0" lIns="0" rIns="0" rtlCol="0" tIns="0" vert="horz" wrap="square">
+          <a:bodyPr vert="horz" wrap="square" lIns="0" tIns="0" rIns="0" bIns="0" rtlCol="0">
             <a:spAutoFit/>
           </a:bodyPr>
+          <a:lstStyle/>
           <a:p>
             <a:pPr>
               <a:lnSpc>
@@ -6672,7 +7053,7 @@
               </a:lnSpc>
             </a:pPr>
             <a:r>
-              <a:rPr dirty="0" sz="1100" spc="20">
+              <a:rPr sz="1100" spc="20" dirty="0">
                 <a:solidFill>
                   <a:srgbClr val="2D83C3"/>
                 </a:solidFill>
@@ -6682,7 +7063,7 @@
               <a:t>3/21/202</a:t>
             </a:r>
             <a:r>
-              <a:rPr dirty="0" sz="1100" spc="10">
+              <a:rPr sz="1100" spc="10" dirty="0">
                 <a:solidFill>
                   <a:srgbClr val="2D83C3"/>
                 </a:solidFill>
@@ -6692,7 +7073,7 @@
               <a:t>4</a:t>
             </a:r>
             <a:r>
-              <a:rPr dirty="0" sz="1100">
+              <a:rPr sz="1100" dirty="0">
                 <a:solidFill>
                   <a:srgbClr val="2D83C3"/>
                 </a:solidFill>
@@ -6702,7 +7083,7 @@
               <a:t> </a:t>
             </a:r>
             <a:r>
-              <a:rPr dirty="0" sz="1100" spc="130">
+              <a:rPr sz="1100" spc="130" dirty="0">
                 <a:solidFill>
                   <a:srgbClr val="2D83C3"/>
                 </a:solidFill>
@@ -6712,7 +7093,7 @@
               <a:t> </a:t>
             </a:r>
             <a:r>
-              <a:rPr b="1" dirty="0" sz="1100" spc="50">
+              <a:rPr sz="1100" b="1" spc="50" dirty="0">
                 <a:solidFill>
                   <a:srgbClr val="2D83C3"/>
                 </a:solidFill>
@@ -6722,7 +7103,7 @@
               <a:t>A</a:t>
             </a:r>
             <a:r>
-              <a:rPr b="1" dirty="0" sz="1100" spc="15">
+              <a:rPr sz="1100" b="1" spc="15" dirty="0">
                 <a:solidFill>
                   <a:srgbClr val="2D83C3"/>
                 </a:solidFill>
@@ -6732,7 +7113,7 @@
               <a:t>nnu</a:t>
             </a:r>
             <a:r>
-              <a:rPr b="1" dirty="0" sz="1100" spc="10">
+              <a:rPr sz="1100" b="1" spc="10" dirty="0">
                 <a:solidFill>
                   <a:srgbClr val="2D83C3"/>
                 </a:solidFill>
@@ -6742,7 +7123,7 @@
               <a:t>al</a:t>
             </a:r>
             <a:r>
-              <a:rPr b="1" dirty="0" sz="1100" spc="-140">
+              <a:rPr sz="1100" b="1" spc="-140" dirty="0">
                 <a:solidFill>
                   <a:srgbClr val="2D83C3"/>
                 </a:solidFill>
@@ -6752,7 +7133,7 @@
               <a:t> </a:t>
             </a:r>
             <a:r>
-              <a:rPr b="1" dirty="0" sz="1100">
+              <a:rPr sz="1100" b="1" dirty="0">
                 <a:solidFill>
                   <a:srgbClr val="2D83C3"/>
                 </a:solidFill>
@@ -6762,7 +7143,7 @@
               <a:t>R</a:t>
             </a:r>
             <a:r>
-              <a:rPr b="1" dirty="0" sz="1100" spc="35">
+              <a:rPr sz="1100" b="1" spc="35" dirty="0">
                 <a:solidFill>
                   <a:srgbClr val="2D83C3"/>
                 </a:solidFill>
@@ -6772,7 +7153,7 @@
               <a:t>e</a:t>
             </a:r>
             <a:r>
-              <a:rPr b="1" dirty="0" sz="1100" spc="90">
+              <a:rPr sz="1100" b="1" spc="90" dirty="0">
                 <a:solidFill>
                   <a:srgbClr val="2D83C3"/>
                 </a:solidFill>
@@ -6782,7 +7163,7 @@
               <a:t>v</a:t>
             </a:r>
             <a:r>
-              <a:rPr b="1" dirty="0" sz="1100" spc="-35">
+              <a:rPr sz="1100" b="1" spc="-35" dirty="0">
                 <a:solidFill>
                   <a:srgbClr val="2D83C3"/>
                 </a:solidFill>
@@ -6792,7 +7173,7 @@
               <a:t>i</a:t>
             </a:r>
             <a:r>
-              <a:rPr b="1" dirty="0" sz="1100" spc="35">
+              <a:rPr sz="1100" b="1" spc="35" dirty="0">
                 <a:solidFill>
                   <a:srgbClr val="2D83C3"/>
                 </a:solidFill>
@@ -6802,7 +7183,7 @@
               <a:t>e</a:t>
             </a:r>
             <a:r>
-              <a:rPr b="1" dirty="0" sz="1100" spc="15">
+              <a:rPr sz="1100" b="1" spc="15" dirty="0">
                 <a:solidFill>
                   <a:srgbClr val="2D83C3"/>
                 </a:solidFill>
@@ -6820,7 +7201,7 @@
       </p:sp>
       <p:sp>
         <p:nvSpPr>
-          <p:cNvPr id="1048639" name="object 15"/>
+          <p:cNvPr id="15" name="object 15"/>
           <p:cNvSpPr/>
           <p:nvPr/>
         </p:nvSpPr>
@@ -6831,7 +7212,9 @@
           </a:xfrm>
           <a:custGeom>
             <a:avLst/>
+            <a:gdLst/>
             <a:ahLst/>
+            <a:cxnLst/>
             <a:rect l="l" t="t" r="r" b="b"/>
             <a:pathLst>
               <a:path w="361950" h="361950">
@@ -6919,13 +7302,16 @@
           </a:solidFill>
         </p:spPr>
         <p:txBody>
-          <a:bodyPr bIns="0" lIns="0" rIns="0" rtlCol="0" tIns="0" wrap="square"/>
-          <a:p/>
+          <a:bodyPr wrap="square" lIns="0" tIns="0" rIns="0" bIns="0" rtlCol="0"/>
+          <a:lstStyle/>
+          <a:p>
+            <a:endParaRPr/>
+          </a:p>
         </p:txBody>
       </p:sp>
       <p:sp>
         <p:nvSpPr>
-          <p:cNvPr id="1048640" name="object 16"/>
+          <p:cNvPr id="16" name="object 16"/>
           <p:cNvSpPr/>
           <p:nvPr/>
         </p:nvSpPr>
@@ -6936,7 +7322,9 @@
           </a:xfrm>
           <a:custGeom>
             <a:avLst/>
+            <a:gdLst/>
             <a:ahLst/>
+            <a:cxnLst/>
             <a:rect l="l" t="t" r="r" b="b"/>
             <a:pathLst>
               <a:path w="647700" h="647700">
@@ -7084,20 +7472,21 @@
           </a:solidFill>
         </p:spPr>
         <p:txBody>
-          <a:bodyPr bIns="0" lIns="0" rIns="0" rtlCol="0" tIns="0" wrap="square"/>
-          <a:p/>
+          <a:bodyPr wrap="square" lIns="0" tIns="0" rIns="0" bIns="0" rtlCol="0"/>
+          <a:lstStyle/>
+          <a:p>
+            <a:endParaRPr/>
+          </a:p>
         </p:txBody>
       </p:sp>
       <p:pic>
         <p:nvPicPr>
-          <p:cNvPr id="2097155" name="object 17"/>
-          <p:cNvPicPr>
-            <a:picLocks/>
-          </p:cNvPicPr>
+          <p:cNvPr id="17" name="object 17"/>
+          <p:cNvPicPr/>
           <p:nvPr/>
         </p:nvPicPr>
         <p:blipFill>
-          <a:blip xmlns:r="http://schemas.openxmlformats.org/officeDocument/2006/relationships" r:embed="rId1" cstate="print"/>
+          <a:blip r:embed="rId2" cstate="print"/>
           <a:stretch>
             <a:fillRect/>
           </a:stretch>
@@ -7107,12 +7496,14 @@
             <a:off x="10687050" y="6134100"/>
             <a:ext cx="247650" cy="247650"/>
           </a:xfrm>
-          <a:prstGeom prst="rect"/>
+          <a:prstGeom prst="rect">
+            <a:avLst/>
+          </a:prstGeom>
         </p:spPr>
       </p:pic>
       <p:grpSp>
         <p:nvGrpSpPr>
-          <p:cNvPr id="31" name="object 18"/>
+          <p:cNvPr id="18" name="object 18"/>
           <p:cNvGrpSpPr/>
           <p:nvPr/>
         </p:nvGrpSpPr>
@@ -7126,14 +7517,12 @@
         </p:grpSpPr>
         <p:pic>
           <p:nvPicPr>
-            <p:cNvPr id="2097156" name="object 19"/>
-            <p:cNvPicPr>
-              <a:picLocks/>
-            </p:cNvPicPr>
+            <p:cNvPr id="19" name="object 19"/>
+            <p:cNvPicPr/>
             <p:nvPr/>
           </p:nvPicPr>
           <p:blipFill>
-            <a:blip xmlns:r="http://schemas.openxmlformats.org/officeDocument/2006/relationships" r:embed="rId2" cstate="print"/>
+            <a:blip r:embed="rId3" cstate="print"/>
             <a:stretch>
               <a:fillRect/>
             </a:stretch>
@@ -7143,19 +7532,19 @@
               <a:off x="466725" y="6410325"/>
               <a:ext cx="3705225" cy="295275"/>
             </a:xfrm>
-            <a:prstGeom prst="rect"/>
+            <a:prstGeom prst="rect">
+              <a:avLst/>
+            </a:prstGeom>
           </p:spPr>
         </p:pic>
         <p:pic>
           <p:nvPicPr>
-            <p:cNvPr id="2097157" name="object 20"/>
-            <p:cNvPicPr>
-              <a:picLocks/>
-            </p:cNvPicPr>
+            <p:cNvPr id="20" name="object 20"/>
+            <p:cNvPicPr/>
             <p:nvPr/>
           </p:nvPicPr>
           <p:blipFill>
-            <a:blip xmlns:r="http://schemas.openxmlformats.org/officeDocument/2006/relationships" r:embed="rId3" cstate="print"/>
+            <a:blip r:embed="rId4" cstate="print"/>
             <a:stretch>
               <a:fillRect/>
             </a:stretch>
@@ -7165,13 +7554,15 @@
               <a:off x="47625" y="3819523"/>
               <a:ext cx="1733550" cy="3009898"/>
             </a:xfrm>
-            <a:prstGeom prst="rect"/>
+            <a:prstGeom prst="rect">
+              <a:avLst/>
+            </a:prstGeom>
           </p:spPr>
         </p:pic>
       </p:grpSp>
       <p:sp>
         <p:nvSpPr>
-          <p:cNvPr id="1048641" name="object 21"/>
+          <p:cNvPr id="21" name="object 21"/>
           <p:cNvSpPr txBox="1">
             <a:spLocks noGrp="1"/>
           </p:cNvSpPr>
@@ -7182,14 +7573,17 @@
         <p:spPr>
           <a:xfrm>
             <a:off x="739775" y="445388"/>
-            <a:ext cx="2357120" cy="1461135"/>
+            <a:ext cx="2357120" cy="758190"/>
           </a:xfrm>
-          <a:prstGeom prst="rect"/>
+          <a:prstGeom prst="rect">
+            <a:avLst/>
+          </a:prstGeom>
         </p:spPr>
         <p:txBody>
-          <a:bodyPr bIns="0" lIns="0" rIns="0" rtlCol="0" tIns="13335" vert="horz" wrap="square">
+          <a:bodyPr vert="horz" wrap="square" lIns="0" tIns="13335" rIns="0" bIns="0" rtlCol="0">
             <a:spAutoFit/>
           </a:bodyPr>
+          <a:lstStyle/>
           <a:p>
             <a:pPr marL="12700">
               <a:lnSpc>
@@ -7200,19 +7594,19 @@
               </a:spcBef>
             </a:pPr>
             <a:r>
-              <a:rPr dirty="0" spc="25"/>
+              <a:rPr spc="25" dirty="0"/>
               <a:t>A</a:t>
             </a:r>
             <a:r>
-              <a:rPr dirty="0" spc="-5"/>
+              <a:rPr spc="-5" dirty="0"/>
               <a:t>G</a:t>
             </a:r>
             <a:r>
-              <a:rPr dirty="0" spc="-35"/>
+              <a:rPr spc="-35" dirty="0"/>
               <a:t>E</a:t>
             </a:r>
             <a:r>
-              <a:rPr dirty="0" spc="15"/>
+              <a:rPr spc="15" dirty="0"/>
               <a:t>N</a:t>
             </a:r>
             <a:r>
@@ -7224,7 +7618,7 @@
       </p:sp>
       <p:sp>
         <p:nvSpPr>
-          <p:cNvPr id="1048642" name="object 22"/>
+          <p:cNvPr id="22" name="object 22"/>
           <p:cNvSpPr txBox="1">
             <a:spLocks noGrp="1"/>
           </p:cNvSpPr>
@@ -7233,12 +7627,15 @@
           </p:nvPr>
         </p:nvSpPr>
         <p:spPr>
-          <a:prstGeom prst="rect"/>
+          <a:prstGeom prst="rect">
+            <a:avLst/>
+          </a:prstGeom>
         </p:spPr>
         <p:txBody>
-          <a:bodyPr bIns="0" lIns="0" rIns="0" rtlCol="0" tIns="6985" vert="horz" wrap="square">
+          <a:bodyPr vert="horz" wrap="square" lIns="0" tIns="6985" rIns="0" bIns="0" rtlCol="0">
             <a:spAutoFit/>
           </a:bodyPr>
+          <a:lstStyle/>
           <a:p>
             <a:pPr marL="38100">
               <a:lnSpc>
@@ -7249,34 +7646,43 @@
               </a:spcBef>
             </a:pPr>
             <a:fld id="{81D60167-4931-47E6-BA6A-407CBD079E47}" type="slidenum">
-              <a:rPr dirty="0" spc="10"/>
+              <a:rPr spc="10" dirty="0"/>
               <a:t>3</a:t>
             </a:fld>
-            <a:endParaRPr dirty="0" spc="10"/>
+            <a:endParaRPr spc="10" dirty="0"/>
           </a:p>
         </p:txBody>
       </p:sp>
       <p:sp>
         <p:nvSpPr>
-          <p:cNvPr id="1048643" name="TextBox 22"/>
+          <p:cNvPr id="23" name="TextBox 22">
+            <a:extLst>
+              <a:ext uri="{FF2B5EF4-FFF2-40B4-BE49-F238E27FC236}">
+                <a16:creationId xmlns:a16="http://schemas.microsoft.com/office/drawing/2014/main" id="{D0827FA3-A9D4-0FE5-45BE-664C8C920E82}"/>
+              </a:ext>
+            </a:extLst>
+          </p:cNvPr>
           <p:cNvSpPr txBox="1"/>
           <p:nvPr/>
         </p:nvSpPr>
         <p:spPr>
           <a:xfrm>
             <a:off x="2509807" y="1041533"/>
-            <a:ext cx="5029200" cy="4282440"/>
+            <a:ext cx="5029200" cy="4401205"/>
           </a:xfrm>
-          <a:prstGeom prst="rect"/>
+          <a:prstGeom prst="rect">
+            <a:avLst/>
+          </a:prstGeom>
           <a:noFill/>
         </p:spPr>
         <p:txBody>
-          <a:bodyPr rtlCol="0" wrap="square">
+          <a:bodyPr wrap="square" rtlCol="0">
             <a:spAutoFit/>
           </a:bodyPr>
+          <a:lstStyle/>
           <a:p>
             <a:pPr algn="l"/>
-            <a:endParaRPr b="0" dirty="0" sz="2800" i="0" lang="en-US">
+            <a:endParaRPr lang="en-US" sz="2800" b="0" i="0" dirty="0">
               <a:solidFill>
                 <a:srgbClr val="0D0D0D"/>
               </a:solidFill>
@@ -7291,7 +7697,7 @@
               <a:buAutoNum type="arabicPeriod"/>
             </a:pPr>
             <a:r>
-              <a:rPr b="0" dirty="0" sz="2800" i="0" lang="en-US">
+              <a:rPr lang="en-US" sz="2800" b="0" i="0" dirty="0">
                 <a:solidFill>
                   <a:srgbClr val="0D0D0D"/>
                 </a:solidFill>
@@ -7308,7 +7714,7 @@
               <a:buAutoNum type="arabicPeriod"/>
             </a:pPr>
             <a:r>
-              <a:rPr b="0" dirty="0" sz="2800" i="0" lang="en-US">
+              <a:rPr lang="en-US" sz="2800" b="0" i="0" dirty="0">
                 <a:solidFill>
                   <a:srgbClr val="0D0D0D"/>
                 </a:solidFill>
@@ -7325,7 +7731,7 @@
               <a:buAutoNum type="arabicPeriod"/>
             </a:pPr>
             <a:r>
-              <a:rPr b="0" dirty="0" sz="2800" i="0" lang="en-US">
+              <a:rPr lang="en-US" sz="2800" b="0" i="0" dirty="0">
                 <a:solidFill>
                   <a:srgbClr val="0D0D0D"/>
                 </a:solidFill>
@@ -7342,7 +7748,7 @@
               <a:buAutoNum type="arabicPeriod"/>
             </a:pPr>
             <a:r>
-              <a:rPr b="0" dirty="0" sz="2800" i="0" lang="en-US">
+              <a:rPr lang="en-US" sz="2800" b="0" i="0" dirty="0">
                 <a:solidFill>
                   <a:srgbClr val="0D0D0D"/>
                 </a:solidFill>
@@ -7359,7 +7765,7 @@
               <a:buAutoNum type="arabicPeriod"/>
             </a:pPr>
             <a:r>
-              <a:rPr dirty="0" sz="2800" lang="en-US">
+              <a:rPr lang="en-US" sz="2800" dirty="0">
                 <a:solidFill>
                   <a:srgbClr val="0D0D0D"/>
                 </a:solidFill>
@@ -7368,7 +7774,7 @@
               </a:rPr>
               <a:t>Dataset Description</a:t>
             </a:r>
-            <a:endParaRPr b="0" dirty="0" sz="2800" i="0" lang="en-US">
+            <a:endParaRPr lang="en-US" sz="2800" b="0" i="0" dirty="0">
               <a:solidFill>
                 <a:srgbClr val="0D0D0D"/>
               </a:solidFill>
@@ -7383,7 +7789,7 @@
               <a:buAutoNum type="arabicPeriod"/>
             </a:pPr>
             <a:r>
-              <a:rPr b="0" dirty="0" sz="2800" i="0" lang="en-US">
+              <a:rPr lang="en-US" sz="2800" b="0" i="0" dirty="0">
                 <a:solidFill>
                   <a:srgbClr val="0D0D0D"/>
                 </a:solidFill>
@@ -7400,7 +7806,7 @@
               <a:buAutoNum type="arabicPeriod"/>
             </a:pPr>
             <a:r>
-              <a:rPr b="0" dirty="0" sz="2800" i="0" lang="en-US">
+              <a:rPr lang="en-US" sz="2800" b="0" i="0" dirty="0">
                 <a:solidFill>
                   <a:srgbClr val="0D0D0D"/>
                 </a:solidFill>
@@ -7411,7 +7817,7 @@
               <a:t>Results and </a:t>
             </a:r>
             <a:r>
-              <a:rPr dirty="0" sz="2800" lang="en-US">
+              <a:rPr lang="en-US" sz="2800" dirty="0">
                 <a:solidFill>
                   <a:srgbClr val="0D0D0D"/>
                 </a:solidFill>
@@ -7420,7 +7826,7 @@
               </a:rPr>
               <a:t>Discussion</a:t>
             </a:r>
-            <a:endParaRPr b="0" dirty="0" sz="2800" i="0" lang="en-US">
+            <a:endParaRPr lang="en-US" sz="2800" b="0" i="0" dirty="0">
               <a:solidFill>
                 <a:srgbClr val="0D0D0D"/>
               </a:solidFill>
@@ -7435,7 +7841,7 @@
               <a:buAutoNum type="arabicPeriod"/>
             </a:pPr>
             <a:r>
-              <a:rPr b="0" dirty="0" sz="2800" i="0" lang="en-US">
+              <a:rPr lang="en-US" sz="2800" b="0" i="0" dirty="0">
                 <a:solidFill>
                   <a:srgbClr val="0D0D0D"/>
                 </a:solidFill>
@@ -7447,7 +7853,7 @@
             </a:r>
           </a:p>
           <a:p>
-            <a:endParaRPr dirty="0" sz="2800" lang="en-IN">
+            <a:endParaRPr lang="en-IN" sz="2800" dirty="0">
               <a:latin typeface="Times New Roman" panose="02020603050405020304" pitchFamily="18" charset="0"/>
               <a:cs typeface="Times New Roman" panose="02020603050405020304" pitchFamily="18" charset="0"/>
             </a:endParaRPr>
@@ -7467,7 +7873,7 @@
   <p:cSld>
     <p:spTree>
       <p:nvGrpSpPr>
-        <p:cNvPr id="33" name=""/>
+        <p:cNvPr id="1" name=""/>
         <p:cNvGrpSpPr/>
         <p:nvPr/>
       </p:nvGrpSpPr>
@@ -7481,7 +7887,7 @@
       </p:grpSpPr>
       <p:grpSp>
         <p:nvGrpSpPr>
-          <p:cNvPr id="34" name="object 2"/>
+          <p:cNvPr id="2" name="object 2"/>
           <p:cNvGrpSpPr/>
           <p:nvPr/>
         </p:nvGrpSpPr>
@@ -7495,7 +7901,7 @@
         </p:grpSpPr>
         <p:sp>
           <p:nvSpPr>
-            <p:cNvPr id="1048649" name="object 3"/>
+            <p:cNvPr id="3" name="object 3"/>
             <p:cNvSpPr/>
             <p:nvPr/>
           </p:nvSpPr>
@@ -7506,7 +7912,9 @@
             </a:xfrm>
             <a:custGeom>
               <a:avLst/>
+              <a:gdLst/>
               <a:ahLst/>
+              <a:cxnLst/>
               <a:rect l="l" t="t" r="r" b="b"/>
               <a:pathLst>
                 <a:path w="457200" h="457200">
@@ -7534,13 +7942,16 @@
             </a:solidFill>
           </p:spPr>
           <p:txBody>
-            <a:bodyPr bIns="0" lIns="0" rIns="0" rtlCol="0" tIns="0" wrap="square"/>
-            <a:p/>
+            <a:bodyPr wrap="square" lIns="0" tIns="0" rIns="0" bIns="0" rtlCol="0"/>
+            <a:lstStyle/>
+            <a:p>
+              <a:endParaRPr/>
+            </a:p>
           </p:txBody>
         </p:sp>
         <p:sp>
           <p:nvSpPr>
-            <p:cNvPr id="1048650" name="object 4"/>
+            <p:cNvPr id="4" name="object 4"/>
             <p:cNvSpPr/>
             <p:nvPr/>
           </p:nvSpPr>
@@ -7551,7 +7962,9 @@
             </a:xfrm>
             <a:custGeom>
               <a:avLst/>
+              <a:gdLst/>
               <a:ahLst/>
+              <a:cxnLst/>
               <a:rect l="l" t="t" r="r" b="b"/>
               <a:pathLst>
                 <a:path w="180975" h="180975">
@@ -7579,20 +7992,21 @@
             </a:solidFill>
           </p:spPr>
           <p:txBody>
-            <a:bodyPr bIns="0" lIns="0" rIns="0" rtlCol="0" tIns="0" wrap="square"/>
-            <a:p/>
+            <a:bodyPr wrap="square" lIns="0" tIns="0" rIns="0" bIns="0" rtlCol="0"/>
+            <a:lstStyle/>
+            <a:p>
+              <a:endParaRPr/>
+            </a:p>
           </p:txBody>
         </p:sp>
         <p:pic>
           <p:nvPicPr>
-            <p:cNvPr id="2097158" name="object 5"/>
-            <p:cNvPicPr>
-              <a:picLocks/>
-            </p:cNvPicPr>
+            <p:cNvPr id="5" name="object 5"/>
+            <p:cNvPicPr/>
             <p:nvPr/>
           </p:nvPicPr>
           <p:blipFill>
-            <a:blip xmlns:r="http://schemas.openxmlformats.org/officeDocument/2006/relationships" r:embed="rId1" cstate="print"/>
+            <a:blip r:embed="rId2" cstate="print"/>
             <a:stretch>
               <a:fillRect/>
             </a:stretch>
@@ -7602,13 +8016,15 @@
               <a:off x="7991475" y="2933700"/>
               <a:ext cx="2762250" cy="3257550"/>
             </a:xfrm>
-            <a:prstGeom prst="rect"/>
+            <a:prstGeom prst="rect">
+              <a:avLst/>
+            </a:prstGeom>
           </p:spPr>
         </p:pic>
       </p:grpSp>
       <p:sp>
         <p:nvSpPr>
-          <p:cNvPr id="1048651" name="object 6"/>
+          <p:cNvPr id="6" name="object 6"/>
           <p:cNvSpPr/>
           <p:nvPr/>
         </p:nvSpPr>
@@ -7619,7 +8035,9 @@
           </a:xfrm>
           <a:custGeom>
             <a:avLst/>
+            <a:gdLst/>
             <a:ahLst/>
+            <a:cxnLst/>
             <a:rect l="l" t="t" r="r" b="b"/>
             <a:pathLst>
               <a:path w="314325" h="323850">
@@ -7647,13 +8065,16 @@
           </a:solidFill>
         </p:spPr>
         <p:txBody>
-          <a:bodyPr bIns="0" lIns="0" rIns="0" rtlCol="0" tIns="0" wrap="square"/>
-          <a:p/>
+          <a:bodyPr wrap="square" lIns="0" tIns="0" rIns="0" bIns="0" rtlCol="0"/>
+          <a:lstStyle/>
+          <a:p>
+            <a:endParaRPr/>
+          </a:p>
         </p:txBody>
       </p:sp>
       <p:sp>
         <p:nvSpPr>
-          <p:cNvPr id="1048652" name="object 7"/>
+          <p:cNvPr id="7" name="object 7"/>
           <p:cNvSpPr txBox="1">
             <a:spLocks noGrp="1"/>
           </p:cNvSpPr>
@@ -7662,16 +8083,15 @@
           </p:nvPr>
         </p:nvSpPr>
         <p:spPr>
-          <a:xfrm>
-            <a:off x="755332" y="385444"/>
-            <a:ext cx="10681335" cy="638811"/>
-          </a:xfrm>
-          <a:prstGeom prst="rect"/>
+          <a:prstGeom prst="rect">
+            <a:avLst/>
+          </a:prstGeom>
         </p:spPr>
         <p:txBody>
-          <a:bodyPr bIns="0" lIns="0" rIns="0" rtlCol="0" tIns="16510" vert="horz" wrap="square">
+          <a:bodyPr vert="horz" wrap="square" lIns="0" tIns="16510" rIns="0" bIns="0" rtlCol="0">
             <a:spAutoFit/>
           </a:bodyPr>
+          <a:lstStyle/>
           <a:p>
             <a:pPr marL="12700">
               <a:lnSpc>
@@ -7681,59 +8101,59 @@
                 <a:spcPts val="130"/>
               </a:spcBef>
               <a:tabLst>
-                <a:tab algn="l" pos="2727960"/>
+                <a:tab pos="2727960" algn="l"/>
               </a:tabLst>
             </a:pPr>
             <a:r>
-              <a:rPr dirty="0" sz="4250" spc="-20"/>
+              <a:rPr sz="4250" spc="-20" dirty="0"/>
               <a:t>P</a:t>
             </a:r>
             <a:r>
-              <a:rPr dirty="0" sz="4250" spc="15"/>
+              <a:rPr sz="4250" spc="15" dirty="0"/>
               <a:t>ROB</a:t>
             </a:r>
             <a:r>
-              <a:rPr dirty="0" sz="4250" spc="55"/>
+              <a:rPr sz="4250" spc="55" dirty="0"/>
               <a:t>L</a:t>
             </a:r>
             <a:r>
-              <a:rPr dirty="0" sz="4250" spc="-20"/>
+              <a:rPr sz="4250" spc="-20" dirty="0"/>
               <a:t>E</a:t>
             </a:r>
             <a:r>
-              <a:rPr dirty="0" sz="4250" spc="20"/>
+              <a:rPr sz="4250" spc="20" dirty="0"/>
               <a:t>M</a:t>
             </a:r>
             <a:r>
-              <a:rPr dirty="0" sz="4250"/>
+              <a:rPr sz="4250" dirty="0"/>
               <a:t>	</a:t>
             </a:r>
             <a:r>
-              <a:rPr dirty="0" sz="4250" spc="10"/>
+              <a:rPr sz="4250" spc="10" dirty="0"/>
               <a:t>S</a:t>
             </a:r>
             <a:r>
-              <a:rPr dirty="0" sz="4250" spc="-370"/>
+              <a:rPr sz="4250" spc="-370" dirty="0"/>
               <a:t>T</a:t>
             </a:r>
             <a:r>
-              <a:rPr dirty="0" sz="4250" spc="-375"/>
+              <a:rPr sz="4250" spc="-375" dirty="0"/>
               <a:t>A</a:t>
             </a:r>
             <a:r>
-              <a:rPr dirty="0" sz="4250" spc="15"/>
+              <a:rPr sz="4250" spc="15" dirty="0"/>
               <a:t>T</a:t>
             </a:r>
             <a:r>
-              <a:rPr dirty="0" sz="4250" spc="-10"/>
+              <a:rPr sz="4250" spc="-10" dirty="0"/>
               <a:t>E</a:t>
             </a:r>
             <a:r>
-              <a:rPr dirty="0" sz="4250" spc="-20"/>
+              <a:rPr sz="4250" spc="-20" dirty="0"/>
               <a:t>ME</a:t>
             </a:r>
             <a:r>
-              <a:rPr dirty="0" sz="4250" spc="10"/>
+              <a:rPr sz="4250" spc="10" dirty="0"/>
               <a:t>NT</a:t>
             </a:r>
             <a:endParaRPr sz="4250"/>
@@ -7742,7 +8162,7 @@
       </p:sp>
       <p:sp>
         <p:nvSpPr>
-          <p:cNvPr id="1048653" name="object 10"/>
+          <p:cNvPr id="10" name="object 10"/>
           <p:cNvSpPr txBox="1">
             <a:spLocks noGrp="1"/>
           </p:cNvSpPr>
@@ -7751,12 +8171,15 @@
           </p:nvPr>
         </p:nvSpPr>
         <p:spPr>
-          <a:prstGeom prst="rect"/>
+          <a:prstGeom prst="rect">
+            <a:avLst/>
+          </a:prstGeom>
         </p:spPr>
         <p:txBody>
-          <a:bodyPr bIns="0" lIns="0" rIns="0" rtlCol="0" tIns="6985" vert="horz" wrap="square">
+          <a:bodyPr vert="horz" wrap="square" lIns="0" tIns="6985" rIns="0" bIns="0" rtlCol="0">
             <a:spAutoFit/>
           </a:bodyPr>
+          <a:lstStyle/>
           <a:p>
             <a:pPr marL="38100">
               <a:lnSpc>
@@ -7767,23 +8190,21 @@
               </a:spcBef>
             </a:pPr>
             <a:fld id="{81D60167-4931-47E6-BA6A-407CBD079E47}" type="slidenum">
-              <a:rPr dirty="0" spc="10"/>
+              <a:rPr spc="10" dirty="0"/>
               <a:t>4</a:t>
             </a:fld>
-            <a:endParaRPr dirty="0" spc="10"/>
+            <a:endParaRPr spc="10" dirty="0"/>
           </a:p>
         </p:txBody>
       </p:sp>
       <p:pic>
         <p:nvPicPr>
-          <p:cNvPr id="2097159" name="object 8"/>
-          <p:cNvPicPr>
-            <a:picLocks/>
-          </p:cNvPicPr>
+          <p:cNvPr id="8" name="object 8"/>
+          <p:cNvPicPr/>
           <p:nvPr/>
         </p:nvPicPr>
         <p:blipFill>
-          <a:blip xmlns:r="http://schemas.openxmlformats.org/officeDocument/2006/relationships" r:embed="rId2" cstate="print"/>
+          <a:blip r:embed="rId3" cstate="print"/>
           <a:stretch>
             <a:fillRect/>
           </a:stretch>
@@ -7793,12 +8214,20 @@
             <a:off x="676275" y="6467475"/>
             <a:ext cx="2143125" cy="200025"/>
           </a:xfrm>
-          <a:prstGeom prst="rect"/>
+          <a:prstGeom prst="rect">
+            <a:avLst/>
+          </a:prstGeom>
         </p:spPr>
       </p:pic>
       <p:sp>
         <p:nvSpPr>
-          <p:cNvPr id="1048654" name="Text Placeholder 11"/>
+          <p:cNvPr id="12" name="Text Placeholder 11">
+            <a:extLst>
+              <a:ext uri="{FF2B5EF4-FFF2-40B4-BE49-F238E27FC236}">
+                <a16:creationId xmlns:a16="http://schemas.microsoft.com/office/drawing/2014/main" id="{7C77957F-418E-5C38-4411-8C5C680BBBA4}"/>
+              </a:ext>
+            </a:extLst>
+          </p:cNvPr>
           <p:cNvSpPr>
             <a:spLocks noGrp="1"/>
           </p:cNvSpPr>
@@ -7809,18 +8238,19 @@
         <p:spPr>
           <a:xfrm>
             <a:off x="609600" y="1577340"/>
-            <a:ext cx="5852160" cy="3556001"/>
+            <a:ext cx="5852160" cy="3693319"/>
           </a:xfrm>
         </p:spPr>
         <p:txBody>
           <a:bodyPr/>
+          <a:lstStyle/>
           <a:p>
             <a:pPr algn="just"/>
             <a:r>
-              <a:rPr dirty="0" sz="2400" lang="en-GB"/>
+              <a:rPr lang="en-GB" sz="2400" dirty="0"/>
               <a:t>Create a detailed employee performance analysis using Excel by assessing key metrics like productivity, quality of work, and attendance. Aggregate data from various performance reviews and quantify it using relevant formulas and charts. Compare individual performance against department benchmarks. Identify trends and areas for improvement to support data-driven decision-making.</a:t>
             </a:r>
-            <a:endParaRPr dirty="0" sz="2400" lang="en-US"/>
+            <a:endParaRPr lang="en-US" sz="2400" dirty="0"/>
           </a:p>
         </p:txBody>
       </p:sp>
@@ -7837,7 +8267,7 @@
   <p:cSld>
     <p:spTree>
       <p:nvGrpSpPr>
-        <p:cNvPr id="35" name=""/>
+        <p:cNvPr id="1" name=""/>
         <p:cNvGrpSpPr/>
         <p:nvPr/>
       </p:nvGrpSpPr>
@@ -7851,7 +8281,7 @@
       </p:grpSpPr>
       <p:grpSp>
         <p:nvGrpSpPr>
-          <p:cNvPr id="36" name="object 2"/>
+          <p:cNvPr id="2" name="object 2"/>
           <p:cNvGrpSpPr/>
           <p:nvPr/>
         </p:nvGrpSpPr>
@@ -7865,7 +8295,7 @@
         </p:grpSpPr>
         <p:sp>
           <p:nvSpPr>
-            <p:cNvPr id="1048655" name="object 3"/>
+            <p:cNvPr id="3" name="object 3"/>
             <p:cNvSpPr/>
             <p:nvPr/>
           </p:nvSpPr>
@@ -7876,7 +8306,9 @@
             </a:xfrm>
             <a:custGeom>
               <a:avLst/>
+              <a:gdLst/>
               <a:ahLst/>
+              <a:cxnLst/>
               <a:rect l="l" t="t" r="r" b="b"/>
               <a:pathLst>
                 <a:path w="457200" h="457200">
@@ -7904,13 +8336,16 @@
             </a:solidFill>
           </p:spPr>
           <p:txBody>
-            <a:bodyPr bIns="0" lIns="0" rIns="0" rtlCol="0" tIns="0" wrap="square"/>
-            <a:p/>
+            <a:bodyPr wrap="square" lIns="0" tIns="0" rIns="0" bIns="0" rtlCol="0"/>
+            <a:lstStyle/>
+            <a:p>
+              <a:endParaRPr/>
+            </a:p>
           </p:txBody>
         </p:sp>
         <p:sp>
           <p:nvSpPr>
-            <p:cNvPr id="1048656" name="object 4"/>
+            <p:cNvPr id="4" name="object 4"/>
             <p:cNvSpPr/>
             <p:nvPr/>
           </p:nvSpPr>
@@ -7921,7 +8356,9 @@
             </a:xfrm>
             <a:custGeom>
               <a:avLst/>
+              <a:gdLst/>
               <a:ahLst/>
+              <a:cxnLst/>
               <a:rect l="l" t="t" r="r" b="b"/>
               <a:pathLst>
                 <a:path w="180975" h="180975">
@@ -7949,20 +8386,21 @@
             </a:solidFill>
           </p:spPr>
           <p:txBody>
-            <a:bodyPr bIns="0" lIns="0" rIns="0" rtlCol="0" tIns="0" wrap="square"/>
-            <a:p/>
+            <a:bodyPr wrap="square" lIns="0" tIns="0" rIns="0" bIns="0" rtlCol="0"/>
+            <a:lstStyle/>
+            <a:p>
+              <a:endParaRPr/>
+            </a:p>
           </p:txBody>
         </p:sp>
         <p:pic>
           <p:nvPicPr>
-            <p:cNvPr id="2097160" name="object 5"/>
-            <p:cNvPicPr>
-              <a:picLocks/>
-            </p:cNvPicPr>
+            <p:cNvPr id="5" name="object 5"/>
+            <p:cNvPicPr/>
             <p:nvPr/>
           </p:nvPicPr>
           <p:blipFill>
-            <a:blip xmlns:r="http://schemas.openxmlformats.org/officeDocument/2006/relationships" r:embed="rId1" cstate="print"/>
+            <a:blip r:embed="rId2" cstate="print"/>
             <a:stretch>
               <a:fillRect/>
             </a:stretch>
@@ -7972,13 +8410,15 @@
               <a:off x="8658225" y="2647950"/>
               <a:ext cx="3533775" cy="3810000"/>
             </a:xfrm>
-            <a:prstGeom prst="rect"/>
+            <a:prstGeom prst="rect">
+              <a:avLst/>
+            </a:prstGeom>
           </p:spPr>
         </p:pic>
       </p:grpSp>
       <p:sp>
         <p:nvSpPr>
-          <p:cNvPr id="1048657" name="object 6"/>
+          <p:cNvPr id="6" name="object 6"/>
           <p:cNvSpPr/>
           <p:nvPr/>
         </p:nvSpPr>
@@ -7989,7 +8429,9 @@
           </a:xfrm>
           <a:custGeom>
             <a:avLst/>
+            <a:gdLst/>
             <a:ahLst/>
+            <a:cxnLst/>
             <a:rect l="l" t="t" r="r" b="b"/>
             <a:pathLst>
               <a:path w="314325" h="323850">
@@ -8017,13 +8459,16 @@
           </a:solidFill>
         </p:spPr>
         <p:txBody>
-          <a:bodyPr bIns="0" lIns="0" rIns="0" rtlCol="0" tIns="0" wrap="square"/>
-          <a:p/>
+          <a:bodyPr wrap="square" lIns="0" tIns="0" rIns="0" bIns="0" rtlCol="0"/>
+          <a:lstStyle/>
+          <a:p>
+            <a:endParaRPr/>
+          </a:p>
         </p:txBody>
       </p:sp>
       <p:sp>
         <p:nvSpPr>
-          <p:cNvPr id="1048658" name="object 7"/>
+          <p:cNvPr id="7" name="object 7"/>
           <p:cNvSpPr txBox="1">
             <a:spLocks noGrp="1"/>
           </p:cNvSpPr>
@@ -8032,16 +8477,15 @@
           </p:nvPr>
         </p:nvSpPr>
         <p:spPr>
-          <a:xfrm>
-            <a:off x="755332" y="385444"/>
-            <a:ext cx="10681335" cy="638811"/>
-          </a:xfrm>
-          <a:prstGeom prst="rect"/>
+          <a:prstGeom prst="rect">
+            <a:avLst/>
+          </a:prstGeom>
         </p:spPr>
         <p:txBody>
-          <a:bodyPr bIns="0" lIns="0" rIns="0" rtlCol="0" tIns="16510" vert="horz" wrap="square">
+          <a:bodyPr vert="horz" wrap="square" lIns="0" tIns="16510" rIns="0" bIns="0" rtlCol="0">
             <a:spAutoFit/>
           </a:bodyPr>
+          <a:lstStyle/>
           <a:p>
             <a:pPr marL="12700">
               <a:lnSpc>
@@ -8051,15 +8495,15 @@
                 <a:spcPts val="130"/>
               </a:spcBef>
               <a:tabLst>
-                <a:tab algn="l" pos="2642870"/>
+                <a:tab pos="2642870" algn="l"/>
               </a:tabLst>
             </a:pPr>
             <a:r>
-              <a:rPr dirty="0" sz="4250" spc="5"/>
+              <a:rPr sz="4250" spc="5" dirty="0"/>
               <a:t>PROJECT	</a:t>
             </a:r>
             <a:r>
-              <a:rPr dirty="0" sz="4250" spc="-20"/>
+              <a:rPr sz="4250" spc="-20" dirty="0"/>
               <a:t>OVERVIEW</a:t>
             </a:r>
             <a:endParaRPr sz="4250"/>
@@ -8068,7 +8512,7 @@
       </p:sp>
       <p:sp>
         <p:nvSpPr>
-          <p:cNvPr id="1048659" name="object 10"/>
+          <p:cNvPr id="10" name="object 10"/>
           <p:cNvSpPr txBox="1">
             <a:spLocks noGrp="1"/>
           </p:cNvSpPr>
@@ -8077,12 +8521,15 @@
           </p:nvPr>
         </p:nvSpPr>
         <p:spPr>
-          <a:prstGeom prst="rect"/>
+          <a:prstGeom prst="rect">
+            <a:avLst/>
+          </a:prstGeom>
         </p:spPr>
         <p:txBody>
-          <a:bodyPr bIns="0" lIns="0" rIns="0" rtlCol="0" tIns="6985" vert="horz" wrap="square">
+          <a:bodyPr vert="horz" wrap="square" lIns="0" tIns="6985" rIns="0" bIns="0" rtlCol="0">
             <a:spAutoFit/>
           </a:bodyPr>
+          <a:lstStyle/>
           <a:p>
             <a:pPr marL="38100">
               <a:lnSpc>
@@ -8093,23 +8540,21 @@
               </a:spcBef>
             </a:pPr>
             <a:fld id="{81D60167-4931-47E6-BA6A-407CBD079E47}" type="slidenum">
-              <a:rPr dirty="0" spc="10"/>
+              <a:rPr spc="10" dirty="0"/>
               <a:t>5</a:t>
             </a:fld>
-            <a:endParaRPr dirty="0" spc="10"/>
+            <a:endParaRPr spc="10" dirty="0"/>
           </a:p>
         </p:txBody>
       </p:sp>
       <p:pic>
         <p:nvPicPr>
-          <p:cNvPr id="2097161" name="object 8"/>
-          <p:cNvPicPr>
-            <a:picLocks/>
-          </p:cNvPicPr>
+          <p:cNvPr id="8" name="object 8"/>
+          <p:cNvPicPr/>
           <p:nvPr/>
         </p:nvPicPr>
         <p:blipFill>
-          <a:blip xmlns:r="http://schemas.openxmlformats.org/officeDocument/2006/relationships" r:embed="rId2" cstate="print"/>
+          <a:blip r:embed="rId3" cstate="print"/>
           <a:stretch>
             <a:fillRect/>
           </a:stretch>
@@ -8119,12 +8564,20 @@
             <a:off x="676275" y="6467475"/>
             <a:ext cx="2143125" cy="200025"/>
           </a:xfrm>
-          <a:prstGeom prst="rect"/>
+          <a:prstGeom prst="rect">
+            <a:avLst/>
+          </a:prstGeom>
         </p:spPr>
       </p:pic>
       <p:sp>
         <p:nvSpPr>
-          <p:cNvPr id="1048660" name="Text Placeholder 12"/>
+          <p:cNvPr id="13" name="Text Placeholder 12">
+            <a:extLst>
+              <a:ext uri="{FF2B5EF4-FFF2-40B4-BE49-F238E27FC236}">
+                <a16:creationId xmlns:a16="http://schemas.microsoft.com/office/drawing/2014/main" id="{18CCC181-F682-C488-7808-303D10678251}"/>
+              </a:ext>
+            </a:extLst>
+          </p:cNvPr>
           <p:cNvSpPr>
             <a:spLocks noGrp="1"/>
           </p:cNvSpPr>
@@ -8135,26 +8588,27 @@
         <p:spPr>
           <a:xfrm>
             <a:off x="609600" y="1577340"/>
-            <a:ext cx="5900928" cy="4267200"/>
+            <a:ext cx="5900928" cy="4431983"/>
           </a:xfrm>
         </p:spPr>
         <p:txBody>
           <a:bodyPr/>
+          <a:lstStyle/>
           <a:p>
             <a:pPr algn="just"/>
             <a:r>
-              <a:rPr dirty="0" sz="2400" lang="en-GB"/>
+              <a:rPr lang="en-GB" sz="2400" dirty="0"/>
               <a:t>The project aims to evaluate employee performance by collecting and </a:t>
             </a:r>
             <a:r>
-              <a:rPr dirty="0" sz="2400" lang="en-GB" err="1"/>
+              <a:rPr lang="en-GB" sz="2400" dirty="0" err="1"/>
               <a:t>analyzing</a:t>
             </a:r>
             <a:r>
-              <a:rPr dirty="0" sz="2400" lang="en-GB"/>
+              <a:rPr lang="en-GB" sz="2400" dirty="0"/>
               <a:t> data on key performance indicators (KPIs) such as productivity, quality, and rating using Excel. The analysis will involve data aggregation, visualization through charts, and comparison against set benchmarks. The goal is to identify performance trends and areas for improvement. This data-driven approach will support management in making informed decisions regarding employee development and resource allocation.</a:t>
             </a:r>
-            <a:endParaRPr dirty="0" sz="2400" lang="en-US"/>
+            <a:endParaRPr lang="en-US" sz="2400" dirty="0"/>
           </a:p>
         </p:txBody>
       </p:sp>
@@ -8171,7 +8625,7 @@
   <p:cSld>
     <p:spTree>
       <p:nvGrpSpPr>
-        <p:cNvPr id="37" name=""/>
+        <p:cNvPr id="1" name=""/>
         <p:cNvGrpSpPr/>
         <p:nvPr/>
       </p:nvGrpSpPr>
@@ -8185,7 +8639,7 @@
       </p:grpSpPr>
       <p:sp>
         <p:nvSpPr>
-          <p:cNvPr id="1048661" name="object 2"/>
+          <p:cNvPr id="2" name="object 2"/>
           <p:cNvSpPr/>
           <p:nvPr/>
         </p:nvSpPr>
@@ -8196,7 +8650,9 @@
           </a:xfrm>
           <a:custGeom>
             <a:avLst/>
+            <a:gdLst/>
             <a:ahLst/>
+            <a:cxnLst/>
             <a:rect l="l" t="t" r="r" b="b"/>
             <a:pathLst>
               <a:path w="457200" h="457200">
@@ -8224,13 +8680,16 @@
           </a:solidFill>
         </p:spPr>
         <p:txBody>
-          <a:bodyPr bIns="0" lIns="0" rIns="0" rtlCol="0" tIns="0" wrap="square"/>
-          <a:p/>
+          <a:bodyPr wrap="square" lIns="0" tIns="0" rIns="0" bIns="0" rtlCol="0"/>
+          <a:lstStyle/>
+          <a:p>
+            <a:endParaRPr/>
+          </a:p>
         </p:txBody>
       </p:sp>
       <p:sp>
         <p:nvSpPr>
-          <p:cNvPr id="1048662" name="object 3"/>
+          <p:cNvPr id="3" name="object 3"/>
           <p:cNvSpPr/>
           <p:nvPr/>
         </p:nvSpPr>
@@ -8241,7 +8700,9 @@
           </a:xfrm>
           <a:custGeom>
             <a:avLst/>
+            <a:gdLst/>
             <a:ahLst/>
+            <a:cxnLst/>
             <a:rect l="l" t="t" r="r" b="b"/>
             <a:pathLst>
               <a:path w="314325" h="323850">
@@ -8269,13 +8730,16 @@
           </a:solidFill>
         </p:spPr>
         <p:txBody>
-          <a:bodyPr bIns="0" lIns="0" rIns="0" rtlCol="0" tIns="0" wrap="square"/>
-          <a:p/>
+          <a:bodyPr wrap="square" lIns="0" tIns="0" rIns="0" bIns="0" rtlCol="0"/>
+          <a:lstStyle/>
+          <a:p>
+            <a:endParaRPr/>
+          </a:p>
         </p:txBody>
       </p:sp>
       <p:sp>
         <p:nvSpPr>
-          <p:cNvPr id="1048663" name="object 4"/>
+          <p:cNvPr id="4" name="object 4"/>
           <p:cNvSpPr/>
           <p:nvPr/>
         </p:nvSpPr>
@@ -8286,7 +8750,9 @@
           </a:xfrm>
           <a:custGeom>
             <a:avLst/>
+            <a:gdLst/>
             <a:ahLst/>
+            <a:cxnLst/>
             <a:rect l="l" t="t" r="r" b="b"/>
             <a:pathLst>
               <a:path w="180975" h="180975">
@@ -8314,13 +8780,16 @@
           </a:solidFill>
         </p:spPr>
         <p:txBody>
-          <a:bodyPr bIns="0" lIns="0" rIns="0" rtlCol="0" tIns="0" wrap="square"/>
-          <a:p/>
+          <a:bodyPr wrap="square" lIns="0" tIns="0" rIns="0" bIns="0" rtlCol="0"/>
+          <a:lstStyle/>
+          <a:p>
+            <a:endParaRPr/>
+          </a:p>
         </p:txBody>
       </p:sp>
       <p:sp>
         <p:nvSpPr>
-          <p:cNvPr id="1048664" name="object 5"/>
+          <p:cNvPr id="5" name="object 5"/>
           <p:cNvSpPr txBox="1">
             <a:spLocks noGrp="1"/>
           </p:cNvSpPr>
@@ -8329,16 +8798,15 @@
           </p:nvPr>
         </p:nvSpPr>
         <p:spPr>
-          <a:xfrm>
-            <a:off x="755332" y="385444"/>
-            <a:ext cx="10681335" cy="499111"/>
-          </a:xfrm>
-          <a:prstGeom prst="rect"/>
+          <a:prstGeom prst="rect">
+            <a:avLst/>
+          </a:prstGeom>
         </p:spPr>
         <p:txBody>
-          <a:bodyPr bIns="0" lIns="0" rIns="0" rtlCol="0" tIns="16510" vert="horz" wrap="square">
+          <a:bodyPr vert="horz" wrap="square" lIns="0" tIns="16510" rIns="0" bIns="0" rtlCol="0">
             <a:spAutoFit/>
           </a:bodyPr>
+          <a:lstStyle/>
           <a:p>
             <a:pPr marL="12700">
               <a:lnSpc>
@@ -8349,83 +8817,83 @@
               </a:spcBef>
             </a:pPr>
             <a:r>
-              <a:rPr dirty="0" sz="3200" spc="25"/>
+              <a:rPr sz="3200" spc="25" dirty="0"/>
               <a:t>W</a:t>
             </a:r>
             <a:r>
-              <a:rPr dirty="0" sz="3200" spc="-20"/>
+              <a:rPr sz="3200" spc="-20" dirty="0"/>
               <a:t>H</a:t>
             </a:r>
             <a:r>
-              <a:rPr dirty="0" sz="3200" spc="20"/>
+              <a:rPr sz="3200" spc="20" dirty="0"/>
               <a:t>O</a:t>
             </a:r>
             <a:r>
-              <a:rPr dirty="0" sz="3200" spc="-235"/>
+              <a:rPr sz="3200" spc="-235" dirty="0"/>
               <a:t> </a:t>
             </a:r>
             <a:r>
-              <a:rPr dirty="0" sz="3200" spc="-10"/>
+              <a:rPr sz="3200" spc="-10" dirty="0"/>
               <a:t>AR</a:t>
             </a:r>
             <a:r>
-              <a:rPr dirty="0" sz="3200" spc="15"/>
+              <a:rPr sz="3200" spc="15" dirty="0"/>
               <a:t>E</a:t>
             </a:r>
             <a:r>
-              <a:rPr dirty="0" sz="3200" spc="-35"/>
+              <a:rPr sz="3200" spc="-35" dirty="0"/>
               <a:t> </a:t>
             </a:r>
             <a:r>
-              <a:rPr dirty="0" sz="3200" spc="-10"/>
+              <a:rPr sz="3200" spc="-10" dirty="0"/>
               <a:t>T</a:t>
             </a:r>
             <a:r>
-              <a:rPr dirty="0" sz="3200" spc="-15"/>
+              <a:rPr sz="3200" spc="-15" dirty="0"/>
               <a:t>H</a:t>
             </a:r>
             <a:r>
-              <a:rPr dirty="0" sz="3200" spc="15"/>
+              <a:rPr sz="3200" spc="15" dirty="0"/>
               <a:t>E</a:t>
             </a:r>
             <a:r>
-              <a:rPr dirty="0" sz="3200" spc="-35"/>
+              <a:rPr sz="3200" spc="-35" dirty="0"/>
               <a:t> </a:t>
             </a:r>
             <a:r>
-              <a:rPr dirty="0" sz="3200" spc="-20"/>
+              <a:rPr sz="3200" spc="-20" dirty="0"/>
               <a:t>E</a:t>
             </a:r>
             <a:r>
-              <a:rPr dirty="0" sz="3200" spc="30"/>
+              <a:rPr sz="3200" spc="30" dirty="0"/>
               <a:t>N</a:t>
             </a:r>
             <a:r>
-              <a:rPr dirty="0" sz="3200" spc="15"/>
+              <a:rPr sz="3200" spc="15" dirty="0"/>
               <a:t>D</a:t>
             </a:r>
             <a:r>
-              <a:rPr dirty="0" sz="3200" spc="-45"/>
+              <a:rPr sz="3200" spc="-45" dirty="0"/>
               <a:t> </a:t>
             </a:r>
             <a:r>
-              <a:rPr dirty="0" sz="3200"/>
+              <a:rPr sz="3200" dirty="0"/>
               <a:t>U</a:t>
             </a:r>
             <a:r>
-              <a:rPr dirty="0" sz="3200" spc="10"/>
+              <a:rPr sz="3200" spc="10" dirty="0"/>
               <a:t>S</a:t>
             </a:r>
             <a:r>
-              <a:rPr dirty="0" sz="3200" spc="-25"/>
+              <a:rPr sz="3200" spc="-25" dirty="0"/>
               <a:t>E</a:t>
             </a:r>
             <a:r>
-              <a:rPr dirty="0" sz="3200" spc="-10"/>
+              <a:rPr sz="3200" spc="-10" dirty="0"/>
               <a:t>R</a:t>
             </a:r>
             <a:r>
-              <a:rPr dirty="0" sz="3200" spc="5"/>
+              <a:rPr sz="3200" spc="5" dirty="0"/>
               <a:t>S?</a:t>
             </a:r>
             <a:endParaRPr sz="3200"/>
@@ -8434,7 +8902,7 @@
       </p:sp>
       <p:sp>
         <p:nvSpPr>
-          <p:cNvPr id="1048665" name="object 8"/>
+          <p:cNvPr id="8" name="object 8"/>
           <p:cNvSpPr txBox="1">
             <a:spLocks noGrp="1"/>
           </p:cNvSpPr>
@@ -8443,12 +8911,15 @@
           </p:nvPr>
         </p:nvSpPr>
         <p:spPr>
-          <a:prstGeom prst="rect"/>
+          <a:prstGeom prst="rect">
+            <a:avLst/>
+          </a:prstGeom>
         </p:spPr>
         <p:txBody>
-          <a:bodyPr bIns="0" lIns="0" rIns="0" rtlCol="0" tIns="6985" vert="horz" wrap="square">
+          <a:bodyPr vert="horz" wrap="square" lIns="0" tIns="6985" rIns="0" bIns="0" rtlCol="0">
             <a:spAutoFit/>
           </a:bodyPr>
+          <a:lstStyle/>
           <a:p>
             <a:pPr marL="38100">
               <a:lnSpc>
@@ -8459,23 +8930,21 @@
               </a:spcBef>
             </a:pPr>
             <a:fld id="{81D60167-4931-47E6-BA6A-407CBD079E47}" type="slidenum">
-              <a:rPr dirty="0" spc="10"/>
+              <a:rPr spc="10" dirty="0"/>
               <a:t>6</a:t>
             </a:fld>
-            <a:endParaRPr dirty="0" spc="10"/>
+            <a:endParaRPr spc="10" dirty="0"/>
           </a:p>
         </p:txBody>
       </p:sp>
       <p:pic>
         <p:nvPicPr>
-          <p:cNvPr id="2097162" name="object 6"/>
-          <p:cNvPicPr>
-            <a:picLocks/>
-          </p:cNvPicPr>
+          <p:cNvPr id="6" name="object 6"/>
+          <p:cNvPicPr/>
           <p:nvPr/>
         </p:nvPicPr>
         <p:blipFill>
-          <a:blip xmlns:r="http://schemas.openxmlformats.org/officeDocument/2006/relationships" r:embed="rId1" cstate="print"/>
+          <a:blip r:embed="rId2" cstate="print"/>
           <a:stretch>
             <a:fillRect/>
           </a:stretch>
@@ -8485,12 +8954,20 @@
             <a:off x="723900" y="6172200"/>
             <a:ext cx="2181225" cy="485775"/>
           </a:xfrm>
-          <a:prstGeom prst="rect"/>
+          <a:prstGeom prst="rect">
+            <a:avLst/>
+          </a:prstGeom>
         </p:spPr>
       </p:pic>
       <p:sp>
         <p:nvSpPr>
-          <p:cNvPr id="1048666" name="Text Placeholder 9"/>
+          <p:cNvPr id="10" name="Text Placeholder 9">
+            <a:extLst>
+              <a:ext uri="{FF2B5EF4-FFF2-40B4-BE49-F238E27FC236}">
+                <a16:creationId xmlns:a16="http://schemas.microsoft.com/office/drawing/2014/main" id="{7566A682-2AFB-627F-1FD7-D60A019AD299}"/>
+              </a:ext>
+            </a:extLst>
+          </p:cNvPr>
           <p:cNvSpPr>
             <a:spLocks noGrp="1"/>
           </p:cNvSpPr>
@@ -8501,51 +8978,52 @@
         <p:spPr>
           <a:xfrm>
             <a:off x="609600" y="1577340"/>
-            <a:ext cx="10972800" cy="1676401"/>
+            <a:ext cx="10972800" cy="1723549"/>
           </a:xfrm>
         </p:spPr>
         <p:txBody>
           <a:bodyPr/>
-          <a:p>
-            <a:pPr indent="-285750" marL="285750">
+          <a:lstStyle/>
+          <a:p>
+            <a:pPr marL="285750" indent="-285750">
               <a:buFont typeface="Arial" panose="020B0604020202020204" pitchFamily="34" charset="0"/>
               <a:buChar char="•"/>
             </a:pPr>
             <a:r>
-              <a:rPr dirty="0" sz="2800" lang="en-GB"/>
+              <a:rPr lang="en-GB" sz="2800" dirty="0"/>
               <a:t>HR Managers</a:t>
             </a:r>
           </a:p>
           <a:p>
-            <a:pPr indent="-285750" marL="285750">
+            <a:pPr marL="285750" indent="-285750">
               <a:buFont typeface="Arial" panose="020B0604020202020204" pitchFamily="34" charset="0"/>
               <a:buChar char="•"/>
             </a:pPr>
             <a:r>
-              <a:rPr dirty="0" sz="2800" lang="en-GB"/>
+              <a:rPr lang="en-GB" sz="2800" dirty="0"/>
               <a:t>Team Leaders/Managers</a:t>
             </a:r>
           </a:p>
           <a:p>
-            <a:pPr indent="-285750" marL="285750">
+            <a:pPr marL="285750" indent="-285750">
               <a:buFont typeface="Arial" panose="020B0604020202020204" pitchFamily="34" charset="0"/>
               <a:buChar char="•"/>
             </a:pPr>
             <a:r>
-              <a:rPr dirty="0" sz="2800" lang="en-GB"/>
+              <a:rPr lang="en-GB" sz="2800" dirty="0"/>
               <a:t>Senior Management/Executives</a:t>
             </a:r>
           </a:p>
           <a:p>
-            <a:pPr indent="-285750" marL="285750">
+            <a:pPr marL="285750" indent="-285750">
               <a:buFont typeface="Arial" panose="020B0604020202020204" pitchFamily="34" charset="0"/>
               <a:buChar char="•"/>
             </a:pPr>
             <a:r>
-              <a:rPr dirty="0" sz="2800" lang="en-GB"/>
+              <a:rPr lang="en-GB" sz="2800" dirty="0"/>
               <a:t>Employees</a:t>
             </a:r>
-            <a:endParaRPr dirty="0" sz="2800" lang="en-US"/>
+            <a:endParaRPr lang="en-US" sz="2800" dirty="0"/>
           </a:p>
         </p:txBody>
       </p:sp>
@@ -8562,7 +9040,7 @@
   <p:cSld>
     <p:spTree>
       <p:nvGrpSpPr>
-        <p:cNvPr id="38" name=""/>
+        <p:cNvPr id="1" name=""/>
         <p:cNvGrpSpPr/>
         <p:nvPr/>
       </p:nvGrpSpPr>
@@ -8576,14 +9054,12 @@
       </p:grpSpPr>
       <p:pic>
         <p:nvPicPr>
-          <p:cNvPr id="2097163" name="object 2"/>
-          <p:cNvPicPr>
-            <a:picLocks/>
-          </p:cNvPicPr>
+          <p:cNvPr id="2" name="object 2"/>
+          <p:cNvPicPr/>
           <p:nvPr/>
         </p:nvPicPr>
         <p:blipFill>
-          <a:blip xmlns:r="http://schemas.openxmlformats.org/officeDocument/2006/relationships" r:embed="rId1" cstate="print"/>
+          <a:blip r:embed="rId2" cstate="print"/>
           <a:stretch>
             <a:fillRect/>
           </a:stretch>
@@ -8593,12 +9069,14 @@
             <a:off x="0" y="1476375"/>
             <a:ext cx="2695574" cy="3248025"/>
           </a:xfrm>
-          <a:prstGeom prst="rect"/>
+          <a:prstGeom prst="rect">
+            <a:avLst/>
+          </a:prstGeom>
         </p:spPr>
       </p:pic>
       <p:sp>
         <p:nvSpPr>
-          <p:cNvPr id="1048667" name="object 3"/>
+          <p:cNvPr id="3" name="object 3"/>
           <p:cNvSpPr/>
           <p:nvPr/>
         </p:nvSpPr>
@@ -8609,7 +9087,9 @@
           </a:xfrm>
           <a:custGeom>
             <a:avLst/>
+            <a:gdLst/>
             <a:ahLst/>
+            <a:cxnLst/>
             <a:rect l="l" t="t" r="r" b="b"/>
             <a:pathLst>
               <a:path w="457200" h="457200">
@@ -8637,13 +9117,16 @@
           </a:solidFill>
         </p:spPr>
         <p:txBody>
-          <a:bodyPr bIns="0" lIns="0" rIns="0" rtlCol="0" tIns="0" wrap="square"/>
-          <a:p/>
+          <a:bodyPr wrap="square" lIns="0" tIns="0" rIns="0" bIns="0" rtlCol="0"/>
+          <a:lstStyle/>
+          <a:p>
+            <a:endParaRPr/>
+          </a:p>
         </p:txBody>
       </p:sp>
       <p:sp>
         <p:nvSpPr>
-          <p:cNvPr id="1048668" name="object 4"/>
+          <p:cNvPr id="4" name="object 4"/>
           <p:cNvSpPr/>
           <p:nvPr/>
         </p:nvSpPr>
@@ -8654,7 +9137,9 @@
           </a:xfrm>
           <a:custGeom>
             <a:avLst/>
+            <a:gdLst/>
             <a:ahLst/>
+            <a:cxnLst/>
             <a:rect l="l" t="t" r="r" b="b"/>
             <a:pathLst>
               <a:path w="314325" h="323850">
@@ -8682,13 +9167,16 @@
           </a:solidFill>
         </p:spPr>
         <p:txBody>
-          <a:bodyPr bIns="0" lIns="0" rIns="0" rtlCol="0" tIns="0" wrap="square"/>
-          <a:p/>
+          <a:bodyPr wrap="square" lIns="0" tIns="0" rIns="0" bIns="0" rtlCol="0"/>
+          <a:lstStyle/>
+          <a:p>
+            <a:endParaRPr/>
+          </a:p>
         </p:txBody>
       </p:sp>
       <p:sp>
         <p:nvSpPr>
-          <p:cNvPr id="1048669" name="object 5"/>
+          <p:cNvPr id="5" name="object 5"/>
           <p:cNvSpPr/>
           <p:nvPr/>
         </p:nvSpPr>
@@ -8699,7 +9187,9 @@
           </a:xfrm>
           <a:custGeom>
             <a:avLst/>
+            <a:gdLst/>
             <a:ahLst/>
+            <a:cxnLst/>
             <a:rect l="l" t="t" r="r" b="b"/>
             <a:pathLst>
               <a:path w="180975" h="180975">
@@ -8727,13 +9217,16 @@
           </a:solidFill>
         </p:spPr>
         <p:txBody>
-          <a:bodyPr bIns="0" lIns="0" rIns="0" rtlCol="0" tIns="0" wrap="square"/>
-          <a:p/>
+          <a:bodyPr wrap="square" lIns="0" tIns="0" rIns="0" bIns="0" rtlCol="0"/>
+          <a:lstStyle/>
+          <a:p>
+            <a:endParaRPr/>
+          </a:p>
         </p:txBody>
       </p:sp>
       <p:sp>
         <p:nvSpPr>
-          <p:cNvPr id="1048670" name="object 6"/>
+          <p:cNvPr id="6" name="object 6"/>
           <p:cNvSpPr txBox="1">
             <a:spLocks noGrp="1"/>
           </p:cNvSpPr>
@@ -8742,16 +9235,15 @@
           </p:nvPr>
         </p:nvSpPr>
         <p:spPr>
-          <a:xfrm>
-            <a:off x="755332" y="385444"/>
-            <a:ext cx="10681335" cy="546736"/>
-          </a:xfrm>
-          <a:prstGeom prst="rect"/>
+          <a:prstGeom prst="rect">
+            <a:avLst/>
+          </a:prstGeom>
         </p:spPr>
         <p:txBody>
-          <a:bodyPr bIns="0" lIns="0" rIns="0" rtlCol="0" tIns="13335" vert="horz" wrap="square">
+          <a:bodyPr vert="horz" wrap="square" lIns="0" tIns="13335" rIns="0" bIns="0" rtlCol="0">
             <a:spAutoFit/>
           </a:bodyPr>
+          <a:lstStyle/>
           <a:p>
             <a:pPr marL="12700">
               <a:lnSpc>
@@ -8762,147 +9254,147 @@
               </a:spcBef>
             </a:pPr>
             <a:r>
-              <a:rPr dirty="0" sz="3600" spc="10"/>
+              <a:rPr sz="3600" spc="10" dirty="0"/>
               <a:t>O</a:t>
             </a:r>
             <a:r>
-              <a:rPr dirty="0" sz="3600" spc="25"/>
+              <a:rPr sz="3600" spc="25" dirty="0"/>
               <a:t>U</a:t>
             </a:r>
             <a:r>
-              <a:rPr dirty="0" sz="3600"/>
+              <a:rPr sz="3600" dirty="0"/>
               <a:t>R</a:t>
             </a:r>
             <a:r>
-              <a:rPr dirty="0" sz="3600" spc="5"/>
+              <a:rPr sz="3600" spc="5" dirty="0"/>
               <a:t> </a:t>
             </a:r>
             <a:r>
-              <a:rPr dirty="0" sz="3600" spc="25"/>
+              <a:rPr sz="3600" spc="25" dirty="0"/>
               <a:t>S</a:t>
             </a:r>
             <a:r>
-              <a:rPr dirty="0" sz="3600" spc="10"/>
+              <a:rPr sz="3600" spc="10" dirty="0"/>
               <a:t>O</a:t>
             </a:r>
             <a:r>
-              <a:rPr dirty="0" sz="3600" spc="25"/>
+              <a:rPr sz="3600" spc="25" dirty="0"/>
               <a:t>LU</a:t>
             </a:r>
             <a:r>
-              <a:rPr dirty="0" sz="3600" spc="-35"/>
+              <a:rPr sz="3600" spc="-35" dirty="0"/>
               <a:t>T</a:t>
             </a:r>
             <a:r>
-              <a:rPr dirty="0" sz="3600" spc="-30"/>
+              <a:rPr sz="3600" spc="-30" dirty="0"/>
               <a:t>I</a:t>
             </a:r>
             <a:r>
-              <a:rPr dirty="0" sz="3600" spc="10"/>
+              <a:rPr sz="3600" spc="10" dirty="0"/>
               <a:t>O</a:t>
             </a:r>
             <a:r>
-              <a:rPr dirty="0" sz="3600"/>
+              <a:rPr sz="3600" dirty="0"/>
               <a:t>N</a:t>
             </a:r>
             <a:r>
-              <a:rPr dirty="0" sz="3600" spc="-345"/>
+              <a:rPr sz="3600" spc="-345" dirty="0"/>
               <a:t> </a:t>
             </a:r>
             <a:r>
-              <a:rPr dirty="0" sz="3600" spc="-35"/>
+              <a:rPr sz="3600" spc="-35" dirty="0"/>
               <a:t>A</a:t>
             </a:r>
             <a:r>
-              <a:rPr dirty="0" sz="3600" spc="-5"/>
+              <a:rPr sz="3600" spc="-5" dirty="0"/>
               <a:t>N</a:t>
             </a:r>
             <a:r>
-              <a:rPr dirty="0" sz="3600"/>
+              <a:rPr sz="3600" dirty="0"/>
               <a:t>D</a:t>
             </a:r>
             <a:r>
-              <a:rPr dirty="0" sz="3600" spc="35"/>
+              <a:rPr sz="3600" spc="35" dirty="0"/>
               <a:t> </a:t>
             </a:r>
             <a:r>
-              <a:rPr dirty="0" sz="3600" spc="-30"/>
+              <a:rPr sz="3600" spc="-30" dirty="0"/>
               <a:t>I</a:t>
             </a:r>
             <a:r>
-              <a:rPr dirty="0" sz="3600" spc="-35"/>
+              <a:rPr sz="3600" spc="-35" dirty="0"/>
               <a:t>T</a:t>
             </a:r>
             <a:r>
-              <a:rPr dirty="0" sz="3600"/>
+              <a:rPr sz="3600" dirty="0"/>
               <a:t>S</a:t>
             </a:r>
             <a:r>
-              <a:rPr dirty="0" sz="3600" spc="60"/>
+              <a:rPr sz="3600" spc="60" dirty="0"/>
               <a:t> </a:t>
             </a:r>
             <a:r>
-              <a:rPr dirty="0" sz="3600" spc="-295"/>
+              <a:rPr sz="3600" spc="-295" dirty="0"/>
               <a:t>V</a:t>
             </a:r>
             <a:r>
-              <a:rPr dirty="0" sz="3600" spc="-35"/>
+              <a:rPr sz="3600" spc="-35" dirty="0"/>
               <a:t>A</a:t>
             </a:r>
             <a:r>
-              <a:rPr dirty="0" sz="3600" spc="25"/>
+              <a:rPr sz="3600" spc="25" dirty="0"/>
               <a:t>LU</a:t>
             </a:r>
             <a:r>
-              <a:rPr dirty="0" sz="3600"/>
+              <a:rPr sz="3600" dirty="0"/>
               <a:t>E</a:t>
             </a:r>
             <a:r>
-              <a:rPr dirty="0" sz="3600" spc="-65"/>
+              <a:rPr sz="3600" spc="-65" dirty="0"/>
               <a:t> </a:t>
             </a:r>
             <a:r>
-              <a:rPr dirty="0" sz="3600" spc="-15"/>
+              <a:rPr sz="3600" spc="-15" dirty="0"/>
               <a:t>P</a:t>
             </a:r>
             <a:r>
-              <a:rPr dirty="0" sz="3600" spc="-30"/>
+              <a:rPr sz="3600" spc="-30" dirty="0"/>
               <a:t>R</a:t>
             </a:r>
             <a:r>
-              <a:rPr dirty="0" sz="3600" spc="10"/>
+              <a:rPr sz="3600" spc="10" dirty="0"/>
               <a:t>O</a:t>
             </a:r>
             <a:r>
-              <a:rPr dirty="0" sz="3600" spc="-15"/>
+              <a:rPr sz="3600" spc="-15" dirty="0"/>
               <a:t>P</a:t>
             </a:r>
             <a:r>
-              <a:rPr dirty="0" sz="3600" spc="10"/>
+              <a:rPr sz="3600" spc="10" dirty="0"/>
               <a:t>O</a:t>
             </a:r>
             <a:r>
-              <a:rPr dirty="0" sz="3600" spc="25"/>
+              <a:rPr sz="3600" spc="25" dirty="0"/>
               <a:t>S</a:t>
             </a:r>
             <a:r>
-              <a:rPr dirty="0" sz="3600" spc="-30"/>
+              <a:rPr sz="3600" spc="-30" dirty="0"/>
               <a:t>I</a:t>
             </a:r>
             <a:r>
-              <a:rPr dirty="0" sz="3600" spc="-35"/>
+              <a:rPr sz="3600" spc="-35" dirty="0"/>
               <a:t>T</a:t>
             </a:r>
             <a:r>
-              <a:rPr dirty="0" sz="3600" spc="-30"/>
+              <a:rPr sz="3600" spc="-30" dirty="0"/>
               <a:t>I</a:t>
             </a:r>
             <a:r>
-              <a:rPr dirty="0" sz="3600" spc="10"/>
+              <a:rPr sz="3600" spc="10" dirty="0"/>
               <a:t>O</a:t>
             </a:r>
             <a:r>
-              <a:rPr dirty="0" sz="3600"/>
+              <a:rPr sz="3600" dirty="0"/>
               <a:t>N</a:t>
             </a:r>
           </a:p>
@@ -8910,7 +9402,7 @@
       </p:sp>
       <p:sp>
         <p:nvSpPr>
-          <p:cNvPr id="1048671" name="object 9"/>
+          <p:cNvPr id="9" name="object 9"/>
           <p:cNvSpPr txBox="1">
             <a:spLocks noGrp="1"/>
           </p:cNvSpPr>
@@ -8919,12 +9411,15 @@
           </p:nvPr>
         </p:nvSpPr>
         <p:spPr>
-          <a:prstGeom prst="rect"/>
+          <a:prstGeom prst="rect">
+            <a:avLst/>
+          </a:prstGeom>
         </p:spPr>
         <p:txBody>
-          <a:bodyPr bIns="0" lIns="0" rIns="0" rtlCol="0" tIns="6985" vert="horz" wrap="square">
+          <a:bodyPr vert="horz" wrap="square" lIns="0" tIns="6985" rIns="0" bIns="0" rtlCol="0">
             <a:spAutoFit/>
           </a:bodyPr>
+          <a:lstStyle/>
           <a:p>
             <a:pPr marL="38100">
               <a:lnSpc>
@@ -8935,23 +9430,21 @@
               </a:spcBef>
             </a:pPr>
             <a:fld id="{81D60167-4931-47E6-BA6A-407CBD079E47}" type="slidenum">
-              <a:rPr dirty="0" spc="10"/>
+              <a:rPr spc="10" dirty="0"/>
               <a:t>7</a:t>
             </a:fld>
-            <a:endParaRPr dirty="0" spc="10"/>
+            <a:endParaRPr spc="10" dirty="0"/>
           </a:p>
         </p:txBody>
       </p:sp>
       <p:pic>
         <p:nvPicPr>
-          <p:cNvPr id="2097164" name="object 7"/>
-          <p:cNvPicPr>
-            <a:picLocks/>
-          </p:cNvPicPr>
+          <p:cNvPr id="7" name="object 7"/>
+          <p:cNvPicPr/>
           <p:nvPr/>
         </p:nvPicPr>
         <p:blipFill>
-          <a:blip xmlns:r="http://schemas.openxmlformats.org/officeDocument/2006/relationships" r:embed="rId2" cstate="print"/>
+          <a:blip r:embed="rId3" cstate="print"/>
           <a:stretch>
             <a:fillRect/>
           </a:stretch>
@@ -8961,12 +9454,20 @@
             <a:off x="676275" y="6467475"/>
             <a:ext cx="2143125" cy="200025"/>
           </a:xfrm>
-          <a:prstGeom prst="rect"/>
+          <a:prstGeom prst="rect">
+            <a:avLst/>
+          </a:prstGeom>
         </p:spPr>
       </p:pic>
       <p:sp>
         <p:nvSpPr>
-          <p:cNvPr id="1048672" name="Text Placeholder 10"/>
+          <p:cNvPr id="11" name="Text Placeholder 10">
+            <a:extLst>
+              <a:ext uri="{FF2B5EF4-FFF2-40B4-BE49-F238E27FC236}">
+                <a16:creationId xmlns:a16="http://schemas.microsoft.com/office/drawing/2014/main" id="{4710557A-1B5E-83DA-E3C7-A23DCFB012AC}"/>
+              </a:ext>
+            </a:extLst>
+          </p:cNvPr>
           <p:cNvSpPr>
             <a:spLocks noGrp="1"/>
           </p:cNvSpPr>
@@ -8977,18 +9478,19 @@
         <p:spPr>
           <a:xfrm>
             <a:off x="2999232" y="2422672"/>
-            <a:ext cx="8668512" cy="2133600"/>
+            <a:ext cx="8668512" cy="2215991"/>
           </a:xfrm>
         </p:spPr>
         <p:txBody>
           <a:bodyPr/>
-          <a:p>
-            <a:pPr indent="-342900" marL="342900">
+          <a:lstStyle/>
+          <a:p>
+            <a:pPr marL="342900" indent="-342900">
               <a:buFont typeface="Arial" panose="020B0604020202020204" pitchFamily="34" charset="0"/>
               <a:buChar char="•"/>
             </a:pPr>
             <a:r>
-              <a:rPr dirty="0" sz="2400" lang="en-GB"/>
+              <a:rPr lang="en-GB" sz="2400" dirty="0"/>
               <a:t>Conditional Formatting: Missing
 Filter: Remove
 Formula: Performance
@@ -8997,7 +9499,7 @@
             </a:r>
           </a:p>
           <a:p>
-            <a:endParaRPr dirty="0" sz="2400" lang="en-US"/>
+            <a:endParaRPr lang="en-US" sz="2400" dirty="0"/>
           </a:p>
         </p:txBody>
       </p:sp>
@@ -9014,7 +9516,7 @@
   <p:cSld>
     <p:spTree>
       <p:nvGrpSpPr>
-        <p:cNvPr id="39" name=""/>
+        <p:cNvPr id="1" name=""/>
         <p:cNvGrpSpPr/>
         <p:nvPr/>
       </p:nvGrpSpPr>
@@ -9028,7 +9530,13 @@
       </p:grpSpPr>
       <p:sp>
         <p:nvSpPr>
-          <p:cNvPr id="1048673" name="Title 1"/>
+          <p:cNvPr id="2" name="Title 1">
+            <a:extLst>
+              <a:ext uri="{FF2B5EF4-FFF2-40B4-BE49-F238E27FC236}">
+                <a16:creationId xmlns:a16="http://schemas.microsoft.com/office/drawing/2014/main" id="{6E06195E-16D6-79D8-7A9F-F8EB1FE9E212}"/>
+              </a:ext>
+            </a:extLst>
+          </p:cNvPr>
           <p:cNvSpPr>
             <a:spLocks noGrp="1"/>
           </p:cNvSpPr>
@@ -9036,17 +9544,13 @@
             <p:ph type="title"/>
           </p:nvPr>
         </p:nvSpPr>
-        <p:spPr>
-          <a:xfrm>
-            <a:off x="755332" y="385444"/>
-            <a:ext cx="10681335" cy="723901"/>
-          </a:xfrm>
-        </p:spPr>
+        <p:spPr/>
         <p:txBody>
           <a:bodyPr/>
-          <a:p>
-            <a:r>
-              <a:rPr dirty="0" lang="en-IN"/>
+          <a:lstStyle/>
+          <a:p>
+            <a:r>
+              <a:rPr lang="en-IN" dirty="0"/>
               <a:t>Dataset Description</a:t>
             </a:r>
           </a:p>
@@ -9054,7 +9558,13 @@
       </p:sp>
       <p:sp>
         <p:nvSpPr>
-          <p:cNvPr id="1048674" name="Text Placeholder 2"/>
+          <p:cNvPr id="3" name="Text Placeholder 2">
+            <a:extLst>
+              <a:ext uri="{FF2B5EF4-FFF2-40B4-BE49-F238E27FC236}">
+                <a16:creationId xmlns:a16="http://schemas.microsoft.com/office/drawing/2014/main" id="{3BCBEC46-5C2E-574F-FBA5-7B3D1BA3F9DD}"/>
+              </a:ext>
+            </a:extLst>
+          </p:cNvPr>
           <p:cNvSpPr>
             <a:spLocks noGrp="1"/>
           </p:cNvSpPr>
@@ -9065,112 +9575,118 @@
         <p:spPr>
           <a:xfrm>
             <a:off x="755332" y="1425035"/>
-            <a:ext cx="10972800" cy="4343400"/>
+            <a:ext cx="10972800" cy="4431983"/>
           </a:xfrm>
         </p:spPr>
         <p:txBody>
           <a:bodyPr/>
-          <a:p>
-            <a:pPr indent="-285750" marL="285750">
+          <a:lstStyle/>
+          <a:p>
+            <a:pPr marL="285750" indent="-285750">
               <a:buFont typeface="Arial" panose="020B0604020202020204" pitchFamily="34" charset="0"/>
               <a:buChar char="•"/>
             </a:pPr>
             <a:r>
-              <a:rPr dirty="0" sz="3200" lang="en-GB"/>
+              <a:rPr lang="en-GB" sz="3200" dirty="0"/>
               <a:t>Employee: Naan </a:t>
             </a:r>
             <a:r>
-              <a:rPr dirty="0" sz="3200" lang="en-GB" err="1"/>
+              <a:rPr lang="en-GB" sz="3200" dirty="0" err="1"/>
               <a:t>Mudhalvan</a:t>
             </a:r>
             <a:r>
-              <a:rPr dirty="0" sz="3200" lang="en-GB"/>
+              <a:rPr lang="en-GB" sz="3200" dirty="0"/>
               <a:t> Portal</a:t>
             </a:r>
           </a:p>
           <a:p>
-            <a:pPr indent="-285750" marL="285750">
+            <a:pPr marL="285750" indent="-285750">
               <a:buFont typeface="Arial" panose="020B0604020202020204" pitchFamily="34" charset="0"/>
               <a:buChar char="•"/>
             </a:pPr>
             <a:r>
-              <a:rPr dirty="0" sz="3200" lang="en-GB"/>
+              <a:rPr lang="en-GB" sz="3200" dirty="0"/>
               <a:t>26 features</a:t>
             </a:r>
           </a:p>
           <a:p>
-            <a:pPr indent="-285750" marL="285750">
+            <a:pPr marL="285750" indent="-285750">
               <a:buFont typeface="Arial" panose="020B0604020202020204" pitchFamily="34" charset="0"/>
               <a:buChar char="•"/>
             </a:pPr>
             <a:r>
-              <a:rPr dirty="0" sz="3200" lang="en-GB"/>
+              <a:rPr lang="en-GB" sz="3200" dirty="0"/>
               <a:t>9 features</a:t>
             </a:r>
           </a:p>
           <a:p>
-            <a:pPr indent="-285750" marL="285750">
+            <a:pPr marL="285750" indent="-285750">
               <a:buFont typeface="Arial" panose="020B0604020202020204" pitchFamily="34" charset="0"/>
               <a:buChar char="•"/>
             </a:pPr>
             <a:r>
-              <a:rPr dirty="0" sz="3200" lang="en-GB"/>
+              <a:rPr lang="en-GB" sz="3200" dirty="0"/>
               <a:t>Employee ID: Numerical Values</a:t>
             </a:r>
           </a:p>
           <a:p>
-            <a:pPr indent="-285750" marL="285750">
+            <a:pPr marL="285750" indent="-285750">
               <a:buFont typeface="Arial" panose="020B0604020202020204" pitchFamily="34" charset="0"/>
               <a:buChar char="•"/>
             </a:pPr>
             <a:r>
-              <a:rPr dirty="0" sz="3200" lang="en-GB"/>
+              <a:rPr lang="en-GB" sz="3200" dirty="0"/>
               <a:t>Name: Text</a:t>
             </a:r>
           </a:p>
           <a:p>
-            <a:pPr indent="-285750" marL="285750">
+            <a:pPr marL="285750" indent="-285750">
               <a:buFont typeface="Arial" panose="020B0604020202020204" pitchFamily="34" charset="0"/>
               <a:buChar char="•"/>
             </a:pPr>
             <a:r>
-              <a:rPr dirty="0" sz="3200" lang="en-GB"/>
+              <a:rPr lang="en-GB" sz="3200" dirty="0"/>
               <a:t>Employee Type</a:t>
             </a:r>
           </a:p>
           <a:p>
-            <a:pPr indent="-285750" marL="285750">
+            <a:pPr marL="285750" indent="-285750">
               <a:buFont typeface="Arial" panose="020B0604020202020204" pitchFamily="34" charset="0"/>
               <a:buChar char="•"/>
             </a:pPr>
             <a:r>
-              <a:rPr dirty="0" sz="3200" lang="en-GB"/>
+              <a:rPr lang="en-GB" sz="3200" dirty="0"/>
               <a:t>Performance level</a:t>
             </a:r>
           </a:p>
           <a:p>
-            <a:pPr indent="-285750" marL="285750">
+            <a:pPr marL="285750" indent="-285750">
               <a:buFont typeface="Arial" panose="020B0604020202020204" pitchFamily="34" charset="0"/>
               <a:buChar char="•"/>
             </a:pPr>
             <a:r>
-              <a:rPr dirty="0" sz="3200" lang="en-GB"/>
+              <a:rPr lang="en-GB" sz="3200" dirty="0"/>
               <a:t>Gender: Male and Female</a:t>
             </a:r>
           </a:p>
           <a:p>
-            <a:pPr indent="-285750" marL="285750">
+            <a:pPr marL="285750" indent="-285750">
               <a:buFont typeface="Arial" panose="020B0604020202020204" pitchFamily="34" charset="0"/>
               <a:buChar char="•"/>
             </a:pPr>
             <a:r>
-              <a:rPr dirty="0" sz="3200" lang="en-GB"/>
+              <a:rPr lang="en-GB" sz="3200" dirty="0"/>
               <a:t>Employee Rating: Numerical Values</a:t>
             </a:r>
           </a:p>
         </p:txBody>
       </p:sp>
     </p:spTree>
+    <p:extLst>
+      <p:ext uri="{BB962C8B-B14F-4D97-AF65-F5344CB8AC3E}">
+        <p14:creationId xmlns:p14="http://schemas.microsoft.com/office/powerpoint/2010/main" val="2720660618"/>
+      </p:ext>
+    </p:extLst>
   </p:cSld>
   <p:clrMapOvr>
     <a:masterClrMapping/>
@@ -9183,7 +9699,7 @@
   <p:cSld>
     <p:spTree>
       <p:nvGrpSpPr>
-        <p:cNvPr id="40" name=""/>
+        <p:cNvPr id="1" name=""/>
         <p:cNvGrpSpPr/>
         <p:nvPr/>
       </p:nvGrpSpPr>
@@ -9197,7 +9713,7 @@
       </p:grpSpPr>
       <p:sp>
         <p:nvSpPr>
-          <p:cNvPr id="1048675" name="object 2"/>
+          <p:cNvPr id="2" name="object 2"/>
           <p:cNvSpPr txBox="1"/>
           <p:nvPr/>
         </p:nvSpPr>
@@ -9206,12 +9722,15 @@
             <a:off x="752475" y="6486037"/>
             <a:ext cx="1773555" cy="166370"/>
           </a:xfrm>
-          <a:prstGeom prst="rect"/>
+          <a:prstGeom prst="rect">
+            <a:avLst/>
+          </a:prstGeom>
         </p:spPr>
         <p:txBody>
-          <a:bodyPr bIns="0" lIns="0" rIns="0" rtlCol="0" tIns="0" vert="horz" wrap="square">
+          <a:bodyPr vert="horz" wrap="square" lIns="0" tIns="0" rIns="0" bIns="0" rtlCol="0">
             <a:spAutoFit/>
           </a:bodyPr>
+          <a:lstStyle/>
           <a:p>
             <a:pPr>
               <a:lnSpc>
@@ -9219,7 +9738,7 @@
               </a:lnSpc>
             </a:pPr>
             <a:r>
-              <a:rPr dirty="0" sz="1100" spc="20">
+              <a:rPr sz="1100" spc="20" dirty="0">
                 <a:solidFill>
                   <a:srgbClr val="2D83C3"/>
                 </a:solidFill>
@@ -9229,7 +9748,7 @@
               <a:t>3/21/202</a:t>
             </a:r>
             <a:r>
-              <a:rPr dirty="0" sz="1100" spc="10">
+              <a:rPr sz="1100" spc="10" dirty="0">
                 <a:solidFill>
                   <a:srgbClr val="2D83C3"/>
                 </a:solidFill>
@@ -9239,7 +9758,7 @@
               <a:t>4</a:t>
             </a:r>
             <a:r>
-              <a:rPr dirty="0" sz="1100">
+              <a:rPr sz="1100" dirty="0">
                 <a:solidFill>
                   <a:srgbClr val="2D83C3"/>
                 </a:solidFill>
@@ -9249,7 +9768,7 @@
               <a:t> </a:t>
             </a:r>
             <a:r>
-              <a:rPr dirty="0" sz="1100" spc="130">
+              <a:rPr sz="1100" spc="130" dirty="0">
                 <a:solidFill>
                   <a:srgbClr val="2D83C3"/>
                 </a:solidFill>
@@ -9259,7 +9778,7 @@
               <a:t> </a:t>
             </a:r>
             <a:r>
-              <a:rPr b="1" dirty="0" sz="1100" spc="50">
+              <a:rPr sz="1100" b="1" spc="50" dirty="0">
                 <a:solidFill>
                   <a:srgbClr val="2D83C3"/>
                 </a:solidFill>
@@ -9269,7 +9788,7 @@
               <a:t>A</a:t>
             </a:r>
             <a:r>
-              <a:rPr b="1" dirty="0" sz="1100" spc="15">
+              <a:rPr sz="1100" b="1" spc="15" dirty="0">
                 <a:solidFill>
                   <a:srgbClr val="2D83C3"/>
                 </a:solidFill>
@@ -9279,7 +9798,7 @@
               <a:t>nnu</a:t>
             </a:r>
             <a:r>
-              <a:rPr b="1" dirty="0" sz="1100" spc="10">
+              <a:rPr sz="1100" b="1" spc="10" dirty="0">
                 <a:solidFill>
                   <a:srgbClr val="2D83C3"/>
                 </a:solidFill>
@@ -9289,7 +9808,7 @@
               <a:t>al</a:t>
             </a:r>
             <a:r>
-              <a:rPr b="1" dirty="0" sz="1100" spc="-140">
+              <a:rPr sz="1100" b="1" spc="-140" dirty="0">
                 <a:solidFill>
                   <a:srgbClr val="2D83C3"/>
                 </a:solidFill>
@@ -9299,7 +9818,7 @@
               <a:t> </a:t>
             </a:r>
             <a:r>
-              <a:rPr b="1" dirty="0" sz="1100">
+              <a:rPr sz="1100" b="1" dirty="0">
                 <a:solidFill>
                   <a:srgbClr val="2D83C3"/>
                 </a:solidFill>
@@ -9309,7 +9828,7 @@
               <a:t>R</a:t>
             </a:r>
             <a:r>
-              <a:rPr b="1" dirty="0" sz="1100" spc="35">
+              <a:rPr sz="1100" b="1" spc="35" dirty="0">
                 <a:solidFill>
                   <a:srgbClr val="2D83C3"/>
                 </a:solidFill>
@@ -9319,7 +9838,7 @@
               <a:t>e</a:t>
             </a:r>
             <a:r>
-              <a:rPr b="1" dirty="0" sz="1100" spc="90">
+              <a:rPr sz="1100" b="1" spc="90" dirty="0">
                 <a:solidFill>
                   <a:srgbClr val="2D83C3"/>
                 </a:solidFill>
@@ -9329,7 +9848,7 @@
               <a:t>v</a:t>
             </a:r>
             <a:r>
-              <a:rPr b="1" dirty="0" sz="1100" spc="-35">
+              <a:rPr sz="1100" b="1" spc="-35" dirty="0">
                 <a:solidFill>
                   <a:srgbClr val="2D83C3"/>
                 </a:solidFill>
@@ -9339,7 +9858,7 @@
               <a:t>i</a:t>
             </a:r>
             <a:r>
-              <a:rPr b="1" dirty="0" sz="1100" spc="35">
+              <a:rPr sz="1100" b="1" spc="35" dirty="0">
                 <a:solidFill>
                   <a:srgbClr val="2D83C3"/>
                 </a:solidFill>
@@ -9349,7 +9868,7 @@
               <a:t>e</a:t>
             </a:r>
             <a:r>
-              <a:rPr b="1" dirty="0" sz="1100" spc="15">
+              <a:rPr sz="1100" b="1" spc="15" dirty="0">
                 <a:solidFill>
                   <a:srgbClr val="2D83C3"/>
                 </a:solidFill>
@@ -9367,7 +9886,7 @@
       </p:sp>
       <p:sp>
         <p:nvSpPr>
-          <p:cNvPr id="1048676" name="object 3"/>
+          <p:cNvPr id="3" name="object 3"/>
           <p:cNvSpPr/>
           <p:nvPr/>
         </p:nvSpPr>
@@ -9378,7 +9897,9 @@
           </a:xfrm>
           <a:custGeom>
             <a:avLst/>
+            <a:gdLst/>
             <a:ahLst/>
+            <a:cxnLst/>
             <a:rect l="l" t="t" r="r" b="b"/>
             <a:pathLst>
               <a:path w="457200" h="457200">
@@ -9406,13 +9927,16 @@
           </a:solidFill>
         </p:spPr>
         <p:txBody>
-          <a:bodyPr bIns="0" lIns="0" rIns="0" rtlCol="0" tIns="0" wrap="square"/>
-          <a:p/>
+          <a:bodyPr wrap="square" lIns="0" tIns="0" rIns="0" bIns="0" rtlCol="0"/>
+          <a:lstStyle/>
+          <a:p>
+            <a:endParaRPr/>
+          </a:p>
         </p:txBody>
       </p:sp>
       <p:sp>
         <p:nvSpPr>
-          <p:cNvPr id="1048677" name="object 4"/>
+          <p:cNvPr id="4" name="object 4"/>
           <p:cNvSpPr/>
           <p:nvPr/>
         </p:nvSpPr>
@@ -9423,7 +9947,9 @@
           </a:xfrm>
           <a:custGeom>
             <a:avLst/>
+            <a:gdLst/>
             <a:ahLst/>
+            <a:cxnLst/>
             <a:rect l="l" t="t" r="r" b="b"/>
             <a:pathLst>
               <a:path w="314325" h="323850">
@@ -9451,13 +9977,16 @@
           </a:solidFill>
         </p:spPr>
         <p:txBody>
-          <a:bodyPr bIns="0" lIns="0" rIns="0" rtlCol="0" tIns="0" wrap="square"/>
-          <a:p/>
+          <a:bodyPr wrap="square" lIns="0" tIns="0" rIns="0" bIns="0" rtlCol="0"/>
+          <a:lstStyle/>
+          <a:p>
+            <a:endParaRPr/>
+          </a:p>
         </p:txBody>
       </p:sp>
       <p:sp>
         <p:nvSpPr>
-          <p:cNvPr id="1048678" name="object 5"/>
+          <p:cNvPr id="5" name="object 5"/>
           <p:cNvSpPr/>
           <p:nvPr/>
         </p:nvSpPr>
@@ -9468,7 +9997,9 @@
           </a:xfrm>
           <a:custGeom>
             <a:avLst/>
+            <a:gdLst/>
             <a:ahLst/>
+            <a:cxnLst/>
             <a:rect l="l" t="t" r="r" b="b"/>
             <a:pathLst>
               <a:path w="180975" h="180975">
@@ -9496,20 +10027,21 @@
           </a:solidFill>
         </p:spPr>
         <p:txBody>
-          <a:bodyPr bIns="0" lIns="0" rIns="0" rtlCol="0" tIns="0" wrap="square"/>
-          <a:p/>
+          <a:bodyPr wrap="square" lIns="0" tIns="0" rIns="0" bIns="0" rtlCol="0"/>
+          <a:lstStyle/>
+          <a:p>
+            <a:endParaRPr/>
+          </a:p>
         </p:txBody>
       </p:sp>
       <p:pic>
         <p:nvPicPr>
-          <p:cNvPr id="2097165" name="object 6"/>
-          <p:cNvPicPr>
-            <a:picLocks/>
-          </p:cNvPicPr>
+          <p:cNvPr id="6" name="object 6"/>
+          <p:cNvPicPr/>
           <p:nvPr/>
         </p:nvPicPr>
         <p:blipFill>
-          <a:blip xmlns:r="http://schemas.openxmlformats.org/officeDocument/2006/relationships" r:embed="rId1" cstate="print"/>
+          <a:blip r:embed="rId2" cstate="print"/>
           <a:stretch>
             <a:fillRect/>
           </a:stretch>
@@ -9519,12 +10051,14 @@
             <a:off x="66675" y="3381373"/>
             <a:ext cx="2466975" cy="3419475"/>
           </a:xfrm>
-          <a:prstGeom prst="rect"/>
+          <a:prstGeom prst="rect">
+            <a:avLst/>
+          </a:prstGeom>
         </p:spPr>
       </p:pic>
       <p:sp>
         <p:nvSpPr>
-          <p:cNvPr id="1048679" name="object 7"/>
+          <p:cNvPr id="7" name="object 7"/>
           <p:cNvSpPr txBox="1">
             <a:spLocks noGrp="1"/>
           </p:cNvSpPr>
@@ -9533,16 +10067,15 @@
           </p:nvPr>
         </p:nvSpPr>
         <p:spPr>
-          <a:xfrm>
-            <a:off x="755332" y="385444"/>
-            <a:ext cx="10681335" cy="638811"/>
-          </a:xfrm>
-          <a:prstGeom prst="rect"/>
+          <a:prstGeom prst="rect">
+            <a:avLst/>
+          </a:prstGeom>
         </p:spPr>
         <p:txBody>
-          <a:bodyPr bIns="0" lIns="0" rIns="0" rtlCol="0" tIns="16510" vert="horz" wrap="square">
+          <a:bodyPr vert="horz" wrap="square" lIns="0" tIns="16510" rIns="0" bIns="0" rtlCol="0">
             <a:spAutoFit/>
           </a:bodyPr>
+          <a:lstStyle/>
           <a:p>
             <a:pPr marL="12700">
               <a:lnSpc>
@@ -9553,56 +10086,56 @@
               </a:spcBef>
             </a:pPr>
             <a:r>
-              <a:rPr dirty="0" sz="4250" spc="15"/>
+              <a:rPr sz="4250" spc="15" dirty="0"/>
               <a:t>THE</a:t>
             </a:r>
             <a:r>
-              <a:rPr dirty="0" sz="4250" spc="20"/>
+              <a:rPr sz="4250" spc="20" dirty="0"/>
               <a:t> </a:t>
             </a:r>
             <a:r>
-              <a:rPr dirty="0" sz="4250" lang="en-US" spc="20"/>
+              <a:rPr lang="en-US" sz="4250" spc="20" dirty="0"/>
               <a:t>"</a:t>
             </a:r>
             <a:r>
-              <a:rPr dirty="0" sz="4250" spc="10"/>
+              <a:rPr sz="4250" spc="10" dirty="0"/>
               <a:t>WOW</a:t>
             </a:r>
             <a:r>
-              <a:rPr dirty="0" sz="4250" lang="en-US" spc="10"/>
+              <a:rPr lang="en-US" sz="4250" spc="10" dirty="0"/>
               <a:t>"</a:t>
             </a:r>
             <a:r>
-              <a:rPr dirty="0" sz="4250" spc="85"/>
+              <a:rPr sz="4250" spc="85" dirty="0"/>
               <a:t> </a:t>
             </a:r>
             <a:r>
-              <a:rPr dirty="0" sz="4250" spc="10"/>
+              <a:rPr sz="4250" spc="10" dirty="0"/>
               <a:t>IN</a:t>
             </a:r>
             <a:r>
-              <a:rPr dirty="0" sz="4250" spc="-5"/>
+              <a:rPr sz="4250" spc="-5" dirty="0"/>
               <a:t> </a:t>
             </a:r>
             <a:r>
-              <a:rPr dirty="0" sz="4250" spc="15"/>
+              <a:rPr sz="4250" spc="15" dirty="0"/>
               <a:t>OUR</a:t>
             </a:r>
             <a:r>
-              <a:rPr dirty="0" sz="4250" spc="-10"/>
+              <a:rPr sz="4250" spc="-10" dirty="0"/>
               <a:t> </a:t>
             </a:r>
             <a:r>
-              <a:rPr dirty="0" sz="4250" spc="20"/>
+              <a:rPr sz="4250" spc="20" dirty="0"/>
               <a:t>SOLUTION</a:t>
             </a:r>
-            <a:endParaRPr dirty="0" sz="4250"/>
+            <a:endParaRPr sz="4250" dirty="0"/>
           </a:p>
         </p:txBody>
       </p:sp>
       <p:sp>
         <p:nvSpPr>
-          <p:cNvPr id="1048680" name="object 8"/>
+          <p:cNvPr id="8" name="object 8"/>
           <p:cNvSpPr txBox="1"/>
           <p:nvPr/>
         </p:nvSpPr>
@@ -9611,12 +10144,15 @@
             <a:off x="11277218" y="6473337"/>
             <a:ext cx="228600" cy="191770"/>
           </a:xfrm>
-          <a:prstGeom prst="rect"/>
+          <a:prstGeom prst="rect">
+            <a:avLst/>
+          </a:prstGeom>
         </p:spPr>
         <p:txBody>
-          <a:bodyPr bIns="0" lIns="0" rIns="0" rtlCol="0" tIns="6985" vert="horz" wrap="square">
+          <a:bodyPr vert="horz" wrap="square" lIns="0" tIns="6985" rIns="0" bIns="0" rtlCol="0">
             <a:spAutoFit/>
           </a:bodyPr>
+          <a:lstStyle/>
           <a:p>
             <a:pPr marL="38100">
               <a:lnSpc>
@@ -9627,7 +10163,7 @@
               </a:spcBef>
             </a:pPr>
             <a:fld id="{81D60167-4931-47E6-BA6A-407CBD079E47}" type="slidenum">
-              <a:rPr dirty="0" sz="1100" spc="10">
+              <a:rPr sz="1100" spc="10" dirty="0">
                 <a:solidFill>
                   <a:srgbClr val="2D936B"/>
                 </a:solidFill>
@@ -9645,7 +10181,13 @@
       </p:sp>
       <p:sp>
         <p:nvSpPr>
-          <p:cNvPr id="1048681" name="Text Placeholder 10"/>
+          <p:cNvPr id="11" name="Text Placeholder 10">
+            <a:extLst>
+              <a:ext uri="{FF2B5EF4-FFF2-40B4-BE49-F238E27FC236}">
+                <a16:creationId xmlns:a16="http://schemas.microsoft.com/office/drawing/2014/main" id="{B1539C9D-48C5-FE82-C520-9997D488D2F2}"/>
+              </a:ext>
+            </a:extLst>
+          </p:cNvPr>
           <p:cNvSpPr>
             <a:spLocks noGrp="1"/>
           </p:cNvSpPr>
@@ -9656,21 +10198,22 @@
         <p:spPr>
           <a:xfrm>
             <a:off x="2526030" y="2392293"/>
-            <a:ext cx="8741664" cy="1257300"/>
+            <a:ext cx="8741664" cy="2255022"/>
           </a:xfrm>
         </p:spPr>
         <p:txBody>
           <a:bodyPr/>
+          <a:lstStyle/>
           <a:p>
             <a:pPr algn="just"/>
             <a:r>
-              <a:rPr dirty="0" sz="2800" lang="en-GB"/>
+              <a:rPr lang="en-GB" sz="2800" dirty="0"/>
               <a:t>=IFS(Z9&gt;=5,”VERY HIGH”,Z9&gt;=4,”HIGH”,Z9&gt;=3,”MED”,TRUE,”LOW”)</a:t>
             </a:r>
           </a:p>
           <a:p>
             <a:pPr algn="just"/>
-            <a:endParaRPr dirty="0" sz="2800" lang="en-US"/>
+            <a:endParaRPr lang="en-US" sz="2800" dirty="0"/>
           </a:p>
         </p:txBody>
       </p:sp>
@@ -9687,10 +10230,10 @@
   <a:themeElements>
     <a:clrScheme name="Office">
       <a:dk1>
-        <a:sysClr lastClr="000000" val="windowText"/>
+        <a:sysClr val="windowText" lastClr="000000"/>
       </a:dk1>
       <a:lt1>
-        <a:sysClr lastClr="FFFFFF" val="window"/>
+        <a:sysClr val="window" lastClr="FFFFFF"/>
       </a:lt1>
       <a:dk2>
         <a:srgbClr val="1F497D"/>
@@ -9871,7 +10414,7 @@
       <a:effectStyleLst>
         <a:effectStyle>
           <a:effectLst>
-            <a:outerShdw blurRad="40000" dir="5400000" dist="20000" rotWithShape="0">
+            <a:outerShdw blurRad="40000" dist="20000" dir="5400000" rotWithShape="0">
               <a:srgbClr val="000000">
                 <a:alpha val="38000"/>
               </a:srgbClr>
@@ -9880,7 +10423,7 @@
         </a:effectStyle>
         <a:effectStyle>
           <a:effectLst>
-            <a:outerShdw blurRad="40000" dir="5400000" dist="23000" rotWithShape="0">
+            <a:outerShdw blurRad="40000" dist="23000" dir="5400000" rotWithShape="0">
               <a:srgbClr val="000000">
                 <a:alpha val="35000"/>
               </a:srgbClr>
@@ -9889,7 +10432,7 @@
         </a:effectStyle>
         <a:effectStyle>
           <a:effectLst>
-            <a:outerShdw blurRad="40000" dir="5400000" dist="23000" rotWithShape="0">
+            <a:outerShdw blurRad="40000" dist="23000" dir="5400000" rotWithShape="0">
               <a:srgbClr val="000000">
                 <a:alpha val="35000"/>
               </a:srgbClr>
@@ -9899,7 +10442,7 @@
             <a:camera prst="orthographicFront">
               <a:rot lat="0" lon="0" rev="0"/>
             </a:camera>
-            <a:lightRig dir="t" rig="threePt">
+            <a:lightRig rig="threePt" dir="t">
               <a:rot lat="0" lon="0" rev="1200000"/>
             </a:lightRig>
           </a:scene3d>
@@ -9960,6 +10503,8 @@
       </a:bgFillStyleLst>
     </a:fmtScheme>
   </a:themeElements>
+  <a:objectDefaults/>
+  <a:extraClrSchemeLst/>
 </a:theme>
 </file>
 
@@ -9968,10 +10513,10 @@
   <a:themeElements>
     <a:clrScheme name="Office">
       <a:dk1>
-        <a:sysClr lastClr="000000" val="windowText"/>
+        <a:sysClr val="windowText" lastClr="000000"/>
       </a:dk1>
       <a:lt1>
-        <a:sysClr lastClr="FFFFFF" val="window"/>
+        <a:sysClr val="window" lastClr="FFFFFF"/>
       </a:lt1>
       <a:dk2>
         <a:srgbClr val="44546A"/>
@@ -10200,7 +10745,7 @@
         </a:effectStyle>
         <a:effectStyle>
           <a:effectLst>
-            <a:outerShdw algn="ctr" blurRad="57150" dir="5400000" dist="19050" rotWithShape="0">
+            <a:outerShdw blurRad="57150" dist="19050" dir="5400000" algn="ctr" rotWithShape="0">
               <a:srgbClr val="000000">
                 <a:alpha val="63000"/>
               </a:srgbClr>
@@ -10248,5 +10793,12 @@
       </a:bgFillStyleLst>
     </a:fmtScheme>
   </a:themeElements>
+  <a:objectDefaults/>
+  <a:extraClrSchemeLst/>
+  <a:extLst>
+    <a:ext uri="{05A4C25C-085E-4340-85A3-A5531E510DB2}">
+      <thm15:themeFamily xmlns:thm15="http://schemas.microsoft.com/office/thememl/2012/main" name="Office Theme" id="{62F939B6-93AF-4DB8-9C6B-D6C7DFDC589F}" vid="{4A3C46E8-61CC-4603-A589-7422A47A8E4A}"/>
+    </a:ext>
+  </a:extLst>
 </a:theme>
 </file>